--- a/Презентация.pptx
+++ b/Презентация.pptx
@@ -8,12 +8,14 @@
     <p:sldId id="256" r:id="rId2"/>
     <p:sldId id="257" r:id="rId3"/>
     <p:sldId id="258" r:id="rId4"/>
-    <p:sldId id="259" r:id="rId5"/>
-    <p:sldId id="260" r:id="rId6"/>
-    <p:sldId id="261" r:id="rId7"/>
-    <p:sldId id="262" r:id="rId8"/>
-    <p:sldId id="263" r:id="rId9"/>
-    <p:sldId id="264" r:id="rId10"/>
+    <p:sldId id="265" r:id="rId5"/>
+    <p:sldId id="266" r:id="rId6"/>
+    <p:sldId id="259" r:id="rId7"/>
+    <p:sldId id="260" r:id="rId8"/>
+    <p:sldId id="261" r:id="rId9"/>
+    <p:sldId id="262" r:id="rId10"/>
+    <p:sldId id="263" r:id="rId11"/>
+    <p:sldId id="264" r:id="rId12"/>
   </p:sldIdLst>
   <p:sldSz cx="12192000" cy="6858000"/>
   <p:notesSz cx="6858000" cy="9144000"/>
@@ -112,6 +114,11 @@
       </a:defRPr>
     </a:lvl9pPr>
   </p:defaultTextStyle>
+  <p:extLst>
+    <p:ext uri="{EFAFB233-063F-42B5-8137-9DF3F51BA10A}">
+      <p15:sldGuideLst xmlns:p15="http://schemas.microsoft.com/office/powerpoint/2012/main"/>
+    </p:ext>
+  </p:extLst>
 </p:presentation>
 </file>
 
@@ -172,7 +179,7 @@
           <a:noFill/>
           <a:extLst>
             <a:ext uri="{909E8E84-426E-40dd-AFC4-6F175D3DCCD1}">
-              <a14:hiddenFill xmlns:a14="http://schemas.microsoft.com/office/drawing/2010/main" xmlns="">
+              <a14:hiddenFill xmlns="" xmlns:a14="http://schemas.microsoft.com/office/drawing/2010/main">
                 <a:solidFill>
                   <a:srgbClr val="FFFFFF"/>
                 </a:solidFill>
@@ -231,7 +238,7 @@
             </a:ln>
             <a:extLst>
               <a:ext uri="{91240B29-F687-4f45-9708-019B960494DF}">
-                <a14:hiddenLine xmlns:a14="http://schemas.microsoft.com/office/drawing/2010/main" xmlns="" w="9525">
+                <a14:hiddenLine xmlns="" xmlns:a14="http://schemas.microsoft.com/office/drawing/2010/main" w="9525">
                   <a:solidFill>
                     <a:srgbClr val="000000"/>
                   </a:solidFill>
@@ -321,7 +328,7 @@
             </a:ln>
             <a:extLst>
               <a:ext uri="{91240B29-F687-4f45-9708-019B960494DF}">
-                <a14:hiddenLine xmlns:a14="http://schemas.microsoft.com/office/drawing/2010/main" xmlns="" w="9525">
+                <a14:hiddenLine xmlns="" xmlns:a14="http://schemas.microsoft.com/office/drawing/2010/main" w="9525">
                   <a:solidFill>
                     <a:srgbClr val="000000"/>
                   </a:solidFill>
@@ -411,7 +418,7 @@
             </a:ln>
             <a:extLst>
               <a:ext uri="{91240B29-F687-4f45-9708-019B960494DF}">
-                <a14:hiddenLine xmlns:a14="http://schemas.microsoft.com/office/drawing/2010/main" xmlns="" w="9525">
+                <a14:hiddenLine xmlns="" xmlns:a14="http://schemas.microsoft.com/office/drawing/2010/main" w="9525">
                   <a:solidFill>
                     <a:srgbClr val="000000"/>
                   </a:solidFill>
@@ -445,7 +452,7 @@
             </a:ln>
             <a:extLst>
               <a:ext uri="{91240B29-F687-4f45-9708-019B960494DF}">
-                <a14:hiddenLine xmlns:a14="http://schemas.microsoft.com/office/drawing/2010/main" xmlns="" w="9525">
+                <a14:hiddenLine xmlns="" xmlns:a14="http://schemas.microsoft.com/office/drawing/2010/main" w="9525">
                   <a:solidFill>
                     <a:srgbClr val="000000"/>
                   </a:solidFill>
@@ -535,7 +542,7 @@
             </a:ln>
             <a:extLst>
               <a:ext uri="{91240B29-F687-4f45-9708-019B960494DF}">
-                <a14:hiddenLine xmlns:a14="http://schemas.microsoft.com/office/drawing/2010/main" xmlns="" w="9525">
+                <a14:hiddenLine xmlns="" xmlns:a14="http://schemas.microsoft.com/office/drawing/2010/main" w="9525">
                   <a:solidFill>
                     <a:srgbClr val="000000"/>
                   </a:solidFill>
@@ -597,7 +604,7 @@
             </a:ln>
             <a:extLst>
               <a:ext uri="{91240B29-F687-4f45-9708-019B960494DF}">
-                <a14:hiddenLine xmlns:a14="http://schemas.microsoft.com/office/drawing/2010/main" xmlns="" w="9525">
+                <a14:hiddenLine xmlns="" xmlns:a14="http://schemas.microsoft.com/office/drawing/2010/main" w="9525">
                   <a:solidFill>
                     <a:srgbClr val="000000"/>
                   </a:solidFill>
@@ -659,7 +666,7 @@
             </a:ln>
             <a:extLst>
               <a:ext uri="{91240B29-F687-4f45-9708-019B960494DF}">
-                <a14:hiddenLine xmlns:a14="http://schemas.microsoft.com/office/drawing/2010/main" xmlns="" w="9525">
+                <a14:hiddenLine xmlns="" xmlns:a14="http://schemas.microsoft.com/office/drawing/2010/main" w="9525">
                   <a:solidFill>
                     <a:srgbClr val="000000"/>
                   </a:solidFill>
@@ -749,7 +756,7 @@
             </a:ln>
             <a:extLst>
               <a:ext uri="{91240B29-F687-4f45-9708-019B960494DF}">
-                <a14:hiddenLine xmlns:a14="http://schemas.microsoft.com/office/drawing/2010/main" xmlns="" w="9525">
+                <a14:hiddenLine xmlns="" xmlns:a14="http://schemas.microsoft.com/office/drawing/2010/main" w="9525">
                   <a:solidFill>
                     <a:srgbClr val="000000"/>
                   </a:solidFill>
@@ -811,7 +818,7 @@
             </a:ln>
             <a:extLst>
               <a:ext uri="{91240B29-F687-4f45-9708-019B960494DF}">
-                <a14:hiddenLine xmlns:a14="http://schemas.microsoft.com/office/drawing/2010/main" xmlns="" w="9525">
+                <a14:hiddenLine xmlns="" xmlns:a14="http://schemas.microsoft.com/office/drawing/2010/main" w="9525">
                   <a:solidFill>
                     <a:srgbClr val="000000"/>
                   </a:solidFill>
@@ -873,7 +880,7 @@
             </a:ln>
             <a:extLst>
               <a:ext uri="{91240B29-F687-4f45-9708-019B960494DF}">
-                <a14:hiddenLine xmlns:a14="http://schemas.microsoft.com/office/drawing/2010/main" xmlns="" w="9525">
+                <a14:hiddenLine xmlns="" xmlns:a14="http://schemas.microsoft.com/office/drawing/2010/main" w="9525">
                   <a:solidFill>
                     <a:srgbClr val="000000"/>
                   </a:solidFill>
@@ -963,7 +970,7 @@
             </a:ln>
             <a:extLst>
               <a:ext uri="{91240B29-F687-4f45-9708-019B960494DF}">
-                <a14:hiddenLine xmlns:a14="http://schemas.microsoft.com/office/drawing/2010/main" xmlns="" w="9525">
+                <a14:hiddenLine xmlns="" xmlns:a14="http://schemas.microsoft.com/office/drawing/2010/main" w="9525">
                   <a:solidFill>
                     <a:srgbClr val="000000"/>
                   </a:solidFill>
@@ -1053,7 +1060,7 @@
             </a:ln>
             <a:extLst>
               <a:ext uri="{91240B29-F687-4f45-9708-019B960494DF}">
-                <a14:hiddenLine xmlns:a14="http://schemas.microsoft.com/office/drawing/2010/main" xmlns="" w="9525">
+                <a14:hiddenLine xmlns="" xmlns:a14="http://schemas.microsoft.com/office/drawing/2010/main" w="9525">
                   <a:solidFill>
                     <a:srgbClr val="000000"/>
                   </a:solidFill>
@@ -1115,7 +1122,7 @@
             </a:ln>
             <a:extLst>
               <a:ext uri="{91240B29-F687-4f45-9708-019B960494DF}">
-                <a14:hiddenLine xmlns:a14="http://schemas.microsoft.com/office/drawing/2010/main" xmlns="" w="9525">
+                <a14:hiddenLine xmlns="" xmlns:a14="http://schemas.microsoft.com/office/drawing/2010/main" w="9525">
                   <a:solidFill>
                     <a:srgbClr val="000000"/>
                   </a:solidFill>
@@ -1225,7 +1232,7 @@
             </a:ln>
             <a:extLst>
               <a:ext uri="{91240B29-F687-4f45-9708-019B960494DF}">
-                <a14:hiddenLine xmlns:a14="http://schemas.microsoft.com/office/drawing/2010/main" xmlns="" w="9525">
+                <a14:hiddenLine xmlns="" xmlns:a14="http://schemas.microsoft.com/office/drawing/2010/main" w="9525">
                   <a:solidFill>
                     <a:srgbClr val="000000"/>
                   </a:solidFill>
@@ -1287,7 +1294,7 @@
             </a:ln>
             <a:extLst>
               <a:ext uri="{91240B29-F687-4f45-9708-019B960494DF}">
-                <a14:hiddenLine xmlns:a14="http://schemas.microsoft.com/office/drawing/2010/main" xmlns="" w="9525">
+                <a14:hiddenLine xmlns="" xmlns:a14="http://schemas.microsoft.com/office/drawing/2010/main" w="9525">
                   <a:solidFill>
                     <a:srgbClr val="000000"/>
                   </a:solidFill>
@@ -1377,7 +1384,7 @@
             </a:ln>
             <a:extLst>
               <a:ext uri="{91240B29-F687-4f45-9708-019B960494DF}">
-                <a14:hiddenLine xmlns:a14="http://schemas.microsoft.com/office/drawing/2010/main" xmlns="" w="9525">
+                <a14:hiddenLine xmlns="" xmlns:a14="http://schemas.microsoft.com/office/drawing/2010/main" w="9525">
                   <a:solidFill>
                     <a:srgbClr val="000000"/>
                   </a:solidFill>
@@ -1467,7 +1474,7 @@
             </a:ln>
             <a:extLst>
               <a:ext uri="{91240B29-F687-4f45-9708-019B960494DF}">
-                <a14:hiddenLine xmlns:a14="http://schemas.microsoft.com/office/drawing/2010/main" xmlns="" w="9525">
+                <a14:hiddenLine xmlns="" xmlns:a14="http://schemas.microsoft.com/office/drawing/2010/main" w="9525">
                   <a:solidFill>
                     <a:srgbClr val="000000"/>
                   </a:solidFill>
@@ -1529,7 +1536,7 @@
             </a:ln>
             <a:extLst>
               <a:ext uri="{91240B29-F687-4f45-9708-019B960494DF}">
-                <a14:hiddenLine xmlns:a14="http://schemas.microsoft.com/office/drawing/2010/main" xmlns="" w="9525">
+                <a14:hiddenLine xmlns="" xmlns:a14="http://schemas.microsoft.com/office/drawing/2010/main" w="9525">
                   <a:solidFill>
                     <a:srgbClr val="000000"/>
                   </a:solidFill>
@@ -1619,7 +1626,7 @@
             </a:ln>
             <a:extLst>
               <a:ext uri="{91240B29-F687-4f45-9708-019B960494DF}">
-                <a14:hiddenLine xmlns:a14="http://schemas.microsoft.com/office/drawing/2010/main" xmlns="" w="9525">
+                <a14:hiddenLine xmlns="" xmlns:a14="http://schemas.microsoft.com/office/drawing/2010/main" w="9525">
                   <a:solidFill>
                     <a:srgbClr val="000000"/>
                   </a:solidFill>
@@ -1709,7 +1716,7 @@
             </a:ln>
             <a:extLst>
               <a:ext uri="{91240B29-F687-4f45-9708-019B960494DF}">
-                <a14:hiddenLine xmlns:a14="http://schemas.microsoft.com/office/drawing/2010/main" xmlns="" w="9525">
+                <a14:hiddenLine xmlns="" xmlns:a14="http://schemas.microsoft.com/office/drawing/2010/main" w="9525">
                   <a:solidFill>
                     <a:srgbClr val="000000"/>
                   </a:solidFill>
@@ -1765,7 +1772,7 @@
             </a:ln>
             <a:extLst>
               <a:ext uri="{91240B29-F687-4f45-9708-019B960494DF}">
-                <a14:hiddenLine xmlns:a14="http://schemas.microsoft.com/office/drawing/2010/main" xmlns="" w="9525">
+                <a14:hiddenLine xmlns="" xmlns:a14="http://schemas.microsoft.com/office/drawing/2010/main" w="9525">
                   <a:solidFill>
                     <a:srgbClr val="000000"/>
                   </a:solidFill>
@@ -1855,7 +1862,7 @@
             </a:ln>
             <a:extLst>
               <a:ext uri="{91240B29-F687-4f45-9708-019B960494DF}">
-                <a14:hiddenLine xmlns:a14="http://schemas.microsoft.com/office/drawing/2010/main" xmlns="" w="9525">
+                <a14:hiddenLine xmlns="" xmlns:a14="http://schemas.microsoft.com/office/drawing/2010/main" w="9525">
                   <a:solidFill>
                     <a:srgbClr val="000000"/>
                   </a:solidFill>
@@ -1911,7 +1918,7 @@
             </a:ln>
             <a:extLst>
               <a:ext uri="{91240B29-F687-4f45-9708-019B960494DF}">
-                <a14:hiddenLine xmlns:a14="http://schemas.microsoft.com/office/drawing/2010/main" xmlns="" w="9525">
+                <a14:hiddenLine xmlns="" xmlns:a14="http://schemas.microsoft.com/office/drawing/2010/main" w="9525">
                   <a:solidFill>
                     <a:srgbClr val="000000"/>
                   </a:solidFill>
@@ -2001,7 +2008,7 @@
             </a:ln>
             <a:extLst>
               <a:ext uri="{91240B29-F687-4f45-9708-019B960494DF}">
-                <a14:hiddenLine xmlns:a14="http://schemas.microsoft.com/office/drawing/2010/main" xmlns="" w="9525">
+                <a14:hiddenLine xmlns="" xmlns:a14="http://schemas.microsoft.com/office/drawing/2010/main" w="9525">
                   <a:solidFill>
                     <a:srgbClr val="000000"/>
                   </a:solidFill>
@@ -2069,7 +2076,7 @@
             </a:ln>
             <a:extLst>
               <a:ext uri="{91240B29-F687-4f45-9708-019B960494DF}">
-                <a14:hiddenLine xmlns:a14="http://schemas.microsoft.com/office/drawing/2010/main" xmlns="" w="9525">
+                <a14:hiddenLine xmlns="" xmlns:a14="http://schemas.microsoft.com/office/drawing/2010/main" w="9525">
                   <a:solidFill>
                     <a:srgbClr val="000000"/>
                   </a:solidFill>
@@ -2159,7 +2166,7 @@
             </a:ln>
             <a:extLst>
               <a:ext uri="{91240B29-F687-4f45-9708-019B960494DF}">
-                <a14:hiddenLine xmlns:a14="http://schemas.microsoft.com/office/drawing/2010/main" xmlns="" w="9525">
+                <a14:hiddenLine xmlns="" xmlns:a14="http://schemas.microsoft.com/office/drawing/2010/main" w="9525">
                   <a:solidFill>
                     <a:srgbClr val="000000"/>
                   </a:solidFill>
@@ -2227,7 +2234,7 @@
             </a:ln>
             <a:extLst>
               <a:ext uri="{91240B29-F687-4f45-9708-019B960494DF}">
-                <a14:hiddenLine xmlns:a14="http://schemas.microsoft.com/office/drawing/2010/main" xmlns="" w="9525">
+                <a14:hiddenLine xmlns="" xmlns:a14="http://schemas.microsoft.com/office/drawing/2010/main" w="9525">
                   <a:solidFill>
                     <a:srgbClr val="000000"/>
                   </a:solidFill>
@@ -2317,7 +2324,7 @@
             </a:ln>
             <a:extLst>
               <a:ext uri="{91240B29-F687-4f45-9708-019B960494DF}">
-                <a14:hiddenLine xmlns:a14="http://schemas.microsoft.com/office/drawing/2010/main" xmlns="" w="9525">
+                <a14:hiddenLine xmlns="" xmlns:a14="http://schemas.microsoft.com/office/drawing/2010/main" w="9525">
                   <a:solidFill>
                     <a:srgbClr val="000000"/>
                   </a:solidFill>
@@ -2351,7 +2358,7 @@
             </a:ln>
             <a:extLst>
               <a:ext uri="{91240B29-F687-4f45-9708-019B960494DF}">
-                <a14:hiddenLine xmlns:a14="http://schemas.microsoft.com/office/drawing/2010/main" xmlns="" w="9525">
+                <a14:hiddenLine xmlns="" xmlns:a14="http://schemas.microsoft.com/office/drawing/2010/main" w="9525">
                   <a:solidFill>
                     <a:srgbClr val="000000"/>
                   </a:solidFill>
@@ -2441,7 +2448,7 @@
             </a:ln>
             <a:extLst>
               <a:ext uri="{91240B29-F687-4f45-9708-019B960494DF}">
-                <a14:hiddenLine xmlns:a14="http://schemas.microsoft.com/office/drawing/2010/main" xmlns="" w="9525">
+                <a14:hiddenLine xmlns="" xmlns:a14="http://schemas.microsoft.com/office/drawing/2010/main" w="9525">
                   <a:solidFill>
                     <a:srgbClr val="000000"/>
                   </a:solidFill>
@@ -2503,7 +2510,7 @@
             </a:ln>
             <a:extLst>
               <a:ext uri="{91240B29-F687-4f45-9708-019B960494DF}">
-                <a14:hiddenLine xmlns:a14="http://schemas.microsoft.com/office/drawing/2010/main" xmlns="" w="9525">
+                <a14:hiddenLine xmlns="" xmlns:a14="http://schemas.microsoft.com/office/drawing/2010/main" w="9525">
                   <a:solidFill>
                     <a:srgbClr val="000000"/>
                   </a:solidFill>
@@ -2565,7 +2572,7 @@
             </a:ln>
             <a:extLst>
               <a:ext uri="{91240B29-F687-4f45-9708-019B960494DF}">
-                <a14:hiddenLine xmlns:a14="http://schemas.microsoft.com/office/drawing/2010/main" xmlns="" w="9525">
+                <a14:hiddenLine xmlns="" xmlns:a14="http://schemas.microsoft.com/office/drawing/2010/main" w="9525">
                   <a:solidFill>
                     <a:srgbClr val="000000"/>
                   </a:solidFill>
@@ -2655,7 +2662,7 @@
             </a:ln>
             <a:extLst>
               <a:ext uri="{91240B29-F687-4f45-9708-019B960494DF}">
-                <a14:hiddenLine xmlns:a14="http://schemas.microsoft.com/office/drawing/2010/main" xmlns="" w="9525">
+                <a14:hiddenLine xmlns="" xmlns:a14="http://schemas.microsoft.com/office/drawing/2010/main" w="9525">
                   <a:solidFill>
                     <a:srgbClr val="000000"/>
                   </a:solidFill>
@@ -2723,7 +2730,7 @@
             </a:ln>
             <a:extLst>
               <a:ext uri="{91240B29-F687-4f45-9708-019B960494DF}">
-                <a14:hiddenLine xmlns:a14="http://schemas.microsoft.com/office/drawing/2010/main" xmlns="" w="9525">
+                <a14:hiddenLine xmlns="" xmlns:a14="http://schemas.microsoft.com/office/drawing/2010/main" w="9525">
                   <a:solidFill>
                     <a:srgbClr val="000000"/>
                   </a:solidFill>
@@ -2785,7 +2792,7 @@
             </a:ln>
             <a:extLst>
               <a:ext uri="{91240B29-F687-4f45-9708-019B960494DF}">
-                <a14:hiddenLine xmlns:a14="http://schemas.microsoft.com/office/drawing/2010/main" xmlns="" w="9525">
+                <a14:hiddenLine xmlns="" xmlns:a14="http://schemas.microsoft.com/office/drawing/2010/main" w="9525">
                   <a:solidFill>
                     <a:srgbClr val="000000"/>
                   </a:solidFill>
@@ -2875,7 +2882,7 @@
             </a:ln>
             <a:extLst>
               <a:ext uri="{91240B29-F687-4f45-9708-019B960494DF}">
-                <a14:hiddenLine xmlns:a14="http://schemas.microsoft.com/office/drawing/2010/main" xmlns="" w="9525">
+                <a14:hiddenLine xmlns="" xmlns:a14="http://schemas.microsoft.com/office/drawing/2010/main" w="9525">
                   <a:solidFill>
                     <a:srgbClr val="000000"/>
                   </a:solidFill>
@@ -2937,7 +2944,7 @@
             </a:ln>
             <a:extLst>
               <a:ext uri="{91240B29-F687-4f45-9708-019B960494DF}">
-                <a14:hiddenLine xmlns:a14="http://schemas.microsoft.com/office/drawing/2010/main" xmlns="" w="9525">
+                <a14:hiddenLine xmlns="" xmlns:a14="http://schemas.microsoft.com/office/drawing/2010/main" w="9525">
                   <a:solidFill>
                     <a:srgbClr val="000000"/>
                   </a:solidFill>
@@ -3027,7 +3034,7 @@
             </a:ln>
             <a:extLst>
               <a:ext uri="{91240B29-F687-4f45-9708-019B960494DF}">
-                <a14:hiddenLine xmlns:a14="http://schemas.microsoft.com/office/drawing/2010/main" xmlns="" w="9525">
+                <a14:hiddenLine xmlns="" xmlns:a14="http://schemas.microsoft.com/office/drawing/2010/main" w="9525">
                   <a:solidFill>
                     <a:srgbClr val="000000"/>
                   </a:solidFill>
@@ -3089,7 +3096,7 @@
             </a:ln>
             <a:extLst>
               <a:ext uri="{91240B29-F687-4f45-9708-019B960494DF}">
-                <a14:hiddenLine xmlns:a14="http://schemas.microsoft.com/office/drawing/2010/main" xmlns="" w="9525">
+                <a14:hiddenLine xmlns="" xmlns:a14="http://schemas.microsoft.com/office/drawing/2010/main" w="9525">
                   <a:solidFill>
                     <a:srgbClr val="000000"/>
                   </a:solidFill>
@@ -3179,7 +3186,7 @@
             </a:ln>
             <a:extLst>
               <a:ext uri="{91240B29-F687-4f45-9708-019B960494DF}">
-                <a14:hiddenLine xmlns:a14="http://schemas.microsoft.com/office/drawing/2010/main" xmlns="" w="9525">
+                <a14:hiddenLine xmlns="" xmlns:a14="http://schemas.microsoft.com/office/drawing/2010/main" w="9525">
                   <a:solidFill>
                     <a:srgbClr val="000000"/>
                   </a:solidFill>
@@ -3213,7 +3220,7 @@
             </a:ln>
             <a:extLst>
               <a:ext uri="{91240B29-F687-4f45-9708-019B960494DF}">
-                <a14:hiddenLine xmlns:a14="http://schemas.microsoft.com/office/drawing/2010/main" xmlns="" w="9525">
+                <a14:hiddenLine xmlns="" xmlns:a14="http://schemas.microsoft.com/office/drawing/2010/main" w="9525">
                   <a:solidFill>
                     <a:srgbClr val="000000"/>
                   </a:solidFill>
@@ -3278,7 +3285,7 @@
             </a:ln>
             <a:extLst>
               <a:ext uri="{91240B29-F687-4f45-9708-019B960494DF}">
-                <a14:hiddenLine xmlns:a14="http://schemas.microsoft.com/office/drawing/2010/main" xmlns="" w="9525">
+                <a14:hiddenLine xmlns="" xmlns:a14="http://schemas.microsoft.com/office/drawing/2010/main" w="9525">
                   <a:solidFill>
                     <a:srgbClr val="000000"/>
                   </a:solidFill>
@@ -3368,7 +3375,7 @@
             </a:ln>
             <a:extLst>
               <a:ext uri="{91240B29-F687-4f45-9708-019B960494DF}">
-                <a14:hiddenLine xmlns:a14="http://schemas.microsoft.com/office/drawing/2010/main" xmlns="" w="9525">
+                <a14:hiddenLine xmlns="" xmlns:a14="http://schemas.microsoft.com/office/drawing/2010/main" w="9525">
                   <a:solidFill>
                     <a:srgbClr val="000000"/>
                   </a:solidFill>
@@ -3430,7 +3437,7 @@
             </a:ln>
             <a:extLst>
               <a:ext uri="{91240B29-F687-4f45-9708-019B960494DF}">
-                <a14:hiddenLine xmlns:a14="http://schemas.microsoft.com/office/drawing/2010/main" xmlns="" w="9525">
+                <a14:hiddenLine xmlns="" xmlns:a14="http://schemas.microsoft.com/office/drawing/2010/main" w="9525">
                   <a:solidFill>
                     <a:srgbClr val="000000"/>
                   </a:solidFill>
@@ -3520,7 +3527,7 @@
             </a:ln>
             <a:extLst>
               <a:ext uri="{91240B29-F687-4f45-9708-019B960494DF}">
-                <a14:hiddenLine xmlns:a14="http://schemas.microsoft.com/office/drawing/2010/main" xmlns="" w="9525">
+                <a14:hiddenLine xmlns="" xmlns:a14="http://schemas.microsoft.com/office/drawing/2010/main" w="9525">
                   <a:solidFill>
                     <a:srgbClr val="000000"/>
                   </a:solidFill>
@@ -3610,7 +3617,7 @@
             </a:ln>
             <a:extLst>
               <a:ext uri="{91240B29-F687-4f45-9708-019B960494DF}">
-                <a14:hiddenLine xmlns:a14="http://schemas.microsoft.com/office/drawing/2010/main" xmlns="" w="9525">
+                <a14:hiddenLine xmlns="" xmlns:a14="http://schemas.microsoft.com/office/drawing/2010/main" w="9525">
                   <a:solidFill>
                     <a:srgbClr val="000000"/>
                   </a:solidFill>
@@ -3675,7 +3682,7 @@
             </a:ln>
             <a:extLst>
               <a:ext uri="{91240B29-F687-4f45-9708-019B960494DF}">
-                <a14:hiddenLine xmlns:a14="http://schemas.microsoft.com/office/drawing/2010/main" xmlns="" w="9525">
+                <a14:hiddenLine xmlns="" xmlns:a14="http://schemas.microsoft.com/office/drawing/2010/main" w="9525">
                   <a:solidFill>
                     <a:srgbClr val="000000"/>
                   </a:solidFill>
@@ -3737,7 +3744,7 @@
             </a:ln>
             <a:extLst>
               <a:ext uri="{91240B29-F687-4f45-9708-019B960494DF}">
-                <a14:hiddenLine xmlns:a14="http://schemas.microsoft.com/office/drawing/2010/main" xmlns="" w="9525">
+                <a14:hiddenLine xmlns="" xmlns:a14="http://schemas.microsoft.com/office/drawing/2010/main" w="9525">
                   <a:solidFill>
                     <a:srgbClr val="000000"/>
                   </a:solidFill>
@@ -3827,7 +3834,7 @@
             </a:ln>
             <a:extLst>
               <a:ext uri="{91240B29-F687-4f45-9708-019B960494DF}">
-                <a14:hiddenLine xmlns:a14="http://schemas.microsoft.com/office/drawing/2010/main" xmlns="" w="9525">
+                <a14:hiddenLine xmlns="" xmlns:a14="http://schemas.microsoft.com/office/drawing/2010/main" w="9525">
                   <a:solidFill>
                     <a:srgbClr val="000000"/>
                   </a:solidFill>
@@ -3917,7 +3924,7 @@
             </a:ln>
             <a:extLst>
               <a:ext uri="{91240B29-F687-4f45-9708-019B960494DF}">
-                <a14:hiddenLine xmlns:a14="http://schemas.microsoft.com/office/drawing/2010/main" xmlns="" w="9525">
+                <a14:hiddenLine xmlns="" xmlns:a14="http://schemas.microsoft.com/office/drawing/2010/main" w="9525">
                   <a:solidFill>
                     <a:srgbClr val="000000"/>
                   </a:solidFill>
@@ -3979,7 +3986,7 @@
             </a:ln>
             <a:extLst>
               <a:ext uri="{91240B29-F687-4f45-9708-019B960494DF}">
-                <a14:hiddenLine xmlns:a14="http://schemas.microsoft.com/office/drawing/2010/main" xmlns="" w="9525">
+                <a14:hiddenLine xmlns="" xmlns:a14="http://schemas.microsoft.com/office/drawing/2010/main" w="9525">
                   <a:solidFill>
                     <a:srgbClr val="000000"/>
                   </a:solidFill>
@@ -4099,7 +4106,7 @@
             </a:ln>
             <a:extLst>
               <a:ext uri="{91240B29-F687-4f45-9708-019B960494DF}">
-                <a14:hiddenLine xmlns:a14="http://schemas.microsoft.com/office/drawing/2010/main" xmlns="" w="9525">
+                <a14:hiddenLine xmlns="" xmlns:a14="http://schemas.microsoft.com/office/drawing/2010/main" w="9525">
                   <a:solidFill>
                     <a:srgbClr val="000000"/>
                   </a:solidFill>
@@ -4167,7 +4174,7 @@
             </a:ln>
             <a:extLst>
               <a:ext uri="{91240B29-F687-4f45-9708-019B960494DF}">
-                <a14:hiddenLine xmlns:a14="http://schemas.microsoft.com/office/drawing/2010/main" xmlns="" w="9525">
+                <a14:hiddenLine xmlns="" xmlns:a14="http://schemas.microsoft.com/office/drawing/2010/main" w="9525">
                   <a:solidFill>
                     <a:srgbClr val="000000"/>
                   </a:solidFill>
@@ -4257,7 +4264,7 @@
             </a:ln>
             <a:extLst>
               <a:ext uri="{91240B29-F687-4f45-9708-019B960494DF}">
-                <a14:hiddenLine xmlns:a14="http://schemas.microsoft.com/office/drawing/2010/main" xmlns="" w="9525">
+                <a14:hiddenLine xmlns="" xmlns:a14="http://schemas.microsoft.com/office/drawing/2010/main" w="9525">
                   <a:solidFill>
                     <a:srgbClr val="000000"/>
                   </a:solidFill>
@@ -4297,7 +4304,7 @@
           </a:lstStyle>
           <a:p>
             <a:r>
-              <a:rPr lang="ru-RU" smtClean="0"/>
+              <a:rPr lang="ru-RU"/>
               <a:t>Образец заголовка</a:t>
             </a:r>
             <a:endParaRPr lang="en-US" dirty="0"/>
@@ -4368,7 +4375,7 @@
           </a:lstStyle>
           <a:p>
             <a:r>
-              <a:rPr lang="ru-RU" smtClean="0"/>
+              <a:rPr lang="ru-RU"/>
               <a:t>Образец подзаголовка</a:t>
             </a:r>
             <a:endParaRPr lang="en-US" dirty="0"/>
@@ -4512,7 +4519,7 @@
           </a:lstStyle>
           <a:p>
             <a:r>
-              <a:rPr lang="ru-RU" smtClean="0"/>
+              <a:rPr lang="ru-RU"/>
               <a:t>Образец заголовка</a:t>
             </a:r>
             <a:endParaRPr lang="en-US" dirty="0"/>
@@ -4573,7 +4580,7 @@
               <a:buNone/>
             </a:pPr>
             <a:r>
-              <a:rPr lang="ru-RU" smtClean="0"/>
+              <a:rPr lang="ru-RU"/>
               <a:t>Вставка рисунка</a:t>
             </a:r>
             <a:endParaRPr lang="en-US" dirty="0"/>
@@ -4641,7 +4648,7 @@
           <a:p>
             <a:pPr lvl="0"/>
             <a:r>
-              <a:rPr lang="ru-RU" smtClean="0"/>
+              <a:rPr lang="ru-RU"/>
               <a:t>Образец текста</a:t>
             </a:r>
           </a:p>
@@ -4769,7 +4776,7 @@
           </a:lstStyle>
           <a:p>
             <a:r>
-              <a:rPr lang="ru-RU" smtClean="0"/>
+              <a:rPr lang="ru-RU"/>
               <a:t>Образец заголовка</a:t>
             </a:r>
             <a:endParaRPr lang="en-US" dirty="0"/>
@@ -4837,7 +4844,7 @@
           <a:p>
             <a:pPr lvl="0"/>
             <a:r>
-              <a:rPr lang="ru-RU" smtClean="0"/>
+              <a:rPr lang="ru-RU"/>
               <a:t>Образец текста</a:t>
             </a:r>
           </a:p>
@@ -4965,7 +4972,7 @@
           </a:lstStyle>
           <a:p>
             <a:r>
-              <a:rPr lang="ru-RU" smtClean="0"/>
+              <a:rPr lang="ru-RU"/>
               <a:t>Образец заголовка</a:t>
             </a:r>
             <a:endParaRPr lang="en-US" dirty="0"/>
@@ -5033,7 +5040,7 @@
           <a:p>
             <a:pPr lvl="0"/>
             <a:r>
-              <a:rPr lang="ru-RU" smtClean="0"/>
+              <a:rPr lang="ru-RU"/>
               <a:t>Образец текста</a:t>
             </a:r>
           </a:p>
@@ -5100,7 +5107,7 @@
           <a:p>
             <a:pPr lvl="0"/>
             <a:r>
-              <a:rPr lang="ru-RU" smtClean="0"/>
+              <a:rPr lang="ru-RU"/>
               <a:t>Образец текста</a:t>
             </a:r>
           </a:p>
@@ -5466,7 +5473,7 @@
           </a:lstStyle>
           <a:p>
             <a:r>
-              <a:rPr lang="ru-RU" smtClean="0"/>
+              <a:rPr lang="ru-RU"/>
               <a:t>Образец заголовка</a:t>
             </a:r>
             <a:endParaRPr lang="en-US" dirty="0"/>
@@ -5534,7 +5541,7 @@
           <a:p>
             <a:pPr lvl="0"/>
             <a:r>
-              <a:rPr lang="ru-RU" smtClean="0"/>
+              <a:rPr lang="ru-RU"/>
               <a:t>Образец текста</a:t>
             </a:r>
           </a:p>
@@ -5656,7 +5663,7 @@
           <a:lstStyle/>
           <a:p>
             <a:r>
-              <a:rPr lang="ru-RU" smtClean="0"/>
+              <a:rPr lang="ru-RU"/>
               <a:t>Образец заголовка</a:t>
             </a:r>
             <a:endParaRPr lang="en-US" dirty="0"/>
@@ -5731,7 +5738,7 @@
           <a:p>
             <a:pPr lvl="0"/>
             <a:r>
-              <a:rPr lang="ru-RU" smtClean="0"/>
+              <a:rPr lang="ru-RU"/>
               <a:t>Образец текста</a:t>
             </a:r>
           </a:p>
@@ -5798,7 +5805,7 @@
           <a:p>
             <a:pPr lvl="0"/>
             <a:r>
-              <a:rPr lang="ru-RU" smtClean="0"/>
+              <a:rPr lang="ru-RU"/>
               <a:t>Образец текста</a:t>
             </a:r>
           </a:p>
@@ -5872,7 +5879,7 @@
           <a:p>
             <a:pPr lvl="0"/>
             <a:r>
-              <a:rPr lang="ru-RU" smtClean="0"/>
+              <a:rPr lang="ru-RU"/>
               <a:t>Образец текста</a:t>
             </a:r>
           </a:p>
@@ -5939,7 +5946,7 @@
           <a:p>
             <a:pPr lvl="0"/>
             <a:r>
-              <a:rPr lang="ru-RU" smtClean="0"/>
+              <a:rPr lang="ru-RU"/>
               <a:t>Образец текста</a:t>
             </a:r>
           </a:p>
@@ -6013,7 +6020,7 @@
           <a:p>
             <a:pPr lvl="0"/>
             <a:r>
-              <a:rPr lang="ru-RU" smtClean="0"/>
+              <a:rPr lang="ru-RU"/>
               <a:t>Образец текста</a:t>
             </a:r>
           </a:p>
@@ -6080,7 +6087,7 @@
           <a:p>
             <a:pPr lvl="0"/>
             <a:r>
-              <a:rPr lang="ru-RU" smtClean="0"/>
+              <a:rPr lang="ru-RU"/>
               <a:t>Образец текста</a:t>
             </a:r>
           </a:p>
@@ -6202,7 +6209,7 @@
           <a:lstStyle/>
           <a:p>
             <a:r>
-              <a:rPr lang="ru-RU" smtClean="0"/>
+              <a:rPr lang="ru-RU"/>
               <a:t>Образец заголовка</a:t>
             </a:r>
             <a:endParaRPr lang="en-US" dirty="0"/>
@@ -6277,7 +6284,7 @@
           <a:p>
             <a:pPr lvl="0"/>
             <a:r>
-              <a:rPr lang="ru-RU" smtClean="0"/>
+              <a:rPr lang="ru-RU"/>
               <a:t>Образец текста</a:t>
             </a:r>
           </a:p>
@@ -6334,7 +6341,7 @@
               <a:buNone/>
             </a:pPr>
             <a:r>
-              <a:rPr lang="ru-RU" smtClean="0"/>
+              <a:rPr lang="ru-RU"/>
               <a:t>Вставка рисунка</a:t>
             </a:r>
             <a:endParaRPr lang="en-US" dirty="0"/>
@@ -6402,7 +6409,7 @@
           <a:p>
             <a:pPr lvl="0"/>
             <a:r>
-              <a:rPr lang="ru-RU" smtClean="0"/>
+              <a:rPr lang="ru-RU"/>
               <a:t>Образец текста</a:t>
             </a:r>
           </a:p>
@@ -6476,7 +6483,7 @@
           <a:p>
             <a:pPr lvl="0"/>
             <a:r>
-              <a:rPr lang="ru-RU" smtClean="0"/>
+              <a:rPr lang="ru-RU"/>
               <a:t>Образец текста</a:t>
             </a:r>
           </a:p>
@@ -6533,7 +6540,7 @@
               <a:buNone/>
             </a:pPr>
             <a:r>
-              <a:rPr lang="ru-RU" smtClean="0"/>
+              <a:rPr lang="ru-RU"/>
               <a:t>Вставка рисунка</a:t>
             </a:r>
             <a:endParaRPr lang="en-US" dirty="0"/>
@@ -6601,7 +6608,7 @@
           <a:p>
             <a:pPr lvl="0"/>
             <a:r>
-              <a:rPr lang="ru-RU" smtClean="0"/>
+              <a:rPr lang="ru-RU"/>
               <a:t>Образец текста</a:t>
             </a:r>
           </a:p>
@@ -6675,7 +6682,7 @@
           <a:p>
             <a:pPr lvl="0"/>
             <a:r>
-              <a:rPr lang="ru-RU" smtClean="0"/>
+              <a:rPr lang="ru-RU"/>
               <a:t>Образец текста</a:t>
             </a:r>
           </a:p>
@@ -6732,7 +6739,7 @@
               <a:buNone/>
             </a:pPr>
             <a:r>
-              <a:rPr lang="ru-RU" smtClean="0"/>
+              <a:rPr lang="ru-RU"/>
               <a:t>Вставка рисунка</a:t>
             </a:r>
             <a:endParaRPr lang="en-US" dirty="0"/>
@@ -6800,7 +6807,7 @@
           <a:p>
             <a:pPr lvl="0"/>
             <a:r>
-              <a:rPr lang="ru-RU" smtClean="0"/>
+              <a:rPr lang="ru-RU"/>
               <a:t>Образец текста</a:t>
             </a:r>
           </a:p>
@@ -6917,7 +6924,7 @@
           <a:lstStyle/>
           <a:p>
             <a:r>
-              <a:rPr lang="ru-RU" smtClean="0"/>
+              <a:rPr lang="ru-RU"/>
               <a:t>Образец заголовка</a:t>
             </a:r>
             <a:endParaRPr lang="en-US" dirty="0"/>
@@ -6941,35 +6948,35 @@
           <a:p>
             <a:pPr lvl="0"/>
             <a:r>
-              <a:rPr lang="ru-RU" smtClean="0"/>
+              <a:rPr lang="ru-RU"/>
               <a:t>Образец текста</a:t>
             </a:r>
           </a:p>
           <a:p>
             <a:pPr lvl="1"/>
             <a:r>
-              <a:rPr lang="ru-RU" smtClean="0"/>
+              <a:rPr lang="ru-RU"/>
               <a:t>Второй уровень</a:t>
             </a:r>
           </a:p>
           <a:p>
             <a:pPr lvl="2"/>
             <a:r>
-              <a:rPr lang="ru-RU" smtClean="0"/>
+              <a:rPr lang="ru-RU"/>
               <a:t>Третий уровень</a:t>
             </a:r>
           </a:p>
           <a:p>
             <a:pPr lvl="3"/>
             <a:r>
-              <a:rPr lang="ru-RU" smtClean="0"/>
+              <a:rPr lang="ru-RU"/>
               <a:t>Четвертый уровень</a:t>
             </a:r>
           </a:p>
           <a:p>
             <a:pPr lvl="4"/>
             <a:r>
-              <a:rPr lang="ru-RU" smtClean="0"/>
+              <a:rPr lang="ru-RU"/>
               <a:t>Пятый уровень</a:t>
             </a:r>
             <a:endParaRPr lang="en-US" dirty="0"/>
@@ -7092,7 +7099,7 @@
           <a:lstStyle/>
           <a:p>
             <a:r>
-              <a:rPr lang="ru-RU" smtClean="0"/>
+              <a:rPr lang="ru-RU"/>
               <a:t>Образец заголовка</a:t>
             </a:r>
             <a:endParaRPr lang="en-US" dirty="0"/>
@@ -7121,35 +7128,35 @@
           <a:p>
             <a:pPr lvl="0"/>
             <a:r>
-              <a:rPr lang="ru-RU" smtClean="0"/>
+              <a:rPr lang="ru-RU"/>
               <a:t>Образец текста</a:t>
             </a:r>
           </a:p>
           <a:p>
             <a:pPr lvl="1"/>
             <a:r>
-              <a:rPr lang="ru-RU" smtClean="0"/>
+              <a:rPr lang="ru-RU"/>
               <a:t>Второй уровень</a:t>
             </a:r>
           </a:p>
           <a:p>
             <a:pPr lvl="2"/>
             <a:r>
-              <a:rPr lang="ru-RU" smtClean="0"/>
+              <a:rPr lang="ru-RU"/>
               <a:t>Третий уровень</a:t>
             </a:r>
           </a:p>
           <a:p>
             <a:pPr lvl="3"/>
             <a:r>
-              <a:rPr lang="ru-RU" smtClean="0"/>
+              <a:rPr lang="ru-RU"/>
               <a:t>Четвертый уровень</a:t>
             </a:r>
           </a:p>
           <a:p>
             <a:pPr lvl="4"/>
             <a:r>
-              <a:rPr lang="ru-RU" smtClean="0"/>
+              <a:rPr lang="ru-RU"/>
               <a:t>Пятый уровень</a:t>
             </a:r>
             <a:endParaRPr lang="en-US" dirty="0"/>
@@ -7267,7 +7274,7 @@
           <a:lstStyle/>
           <a:p>
             <a:r>
-              <a:rPr lang="ru-RU" smtClean="0"/>
+              <a:rPr lang="ru-RU"/>
               <a:t>Образец заголовка</a:t>
             </a:r>
             <a:endParaRPr lang="en-US" dirty="0"/>
@@ -7291,35 +7298,35 @@
           <a:p>
             <a:pPr lvl="0"/>
             <a:r>
-              <a:rPr lang="ru-RU" smtClean="0"/>
+              <a:rPr lang="ru-RU"/>
               <a:t>Образец текста</a:t>
             </a:r>
           </a:p>
           <a:p>
             <a:pPr lvl="1"/>
             <a:r>
-              <a:rPr lang="ru-RU" smtClean="0"/>
+              <a:rPr lang="ru-RU"/>
               <a:t>Второй уровень</a:t>
             </a:r>
           </a:p>
           <a:p>
             <a:pPr lvl="2"/>
             <a:r>
-              <a:rPr lang="ru-RU" smtClean="0"/>
+              <a:rPr lang="ru-RU"/>
               <a:t>Третий уровень</a:t>
             </a:r>
           </a:p>
           <a:p>
             <a:pPr lvl="3"/>
             <a:r>
-              <a:rPr lang="ru-RU" smtClean="0"/>
+              <a:rPr lang="ru-RU"/>
               <a:t>Четвертый уровень</a:t>
             </a:r>
           </a:p>
           <a:p>
             <a:pPr lvl="4"/>
             <a:r>
-              <a:rPr lang="ru-RU" smtClean="0"/>
+              <a:rPr lang="ru-RU"/>
               <a:t>Пятый уровень</a:t>
             </a:r>
             <a:endParaRPr lang="en-US" dirty="0"/>
@@ -7448,7 +7455,7 @@
           </a:lstStyle>
           <a:p>
             <a:r>
-              <a:rPr lang="ru-RU" smtClean="0"/>
+              <a:rPr lang="ru-RU"/>
               <a:t>Образец заголовка</a:t>
             </a:r>
             <a:endParaRPr lang="en-US" dirty="0"/>
@@ -7570,7 +7577,7 @@
           <a:p>
             <a:pPr lvl="0"/>
             <a:r>
-              <a:rPr lang="ru-RU" smtClean="0"/>
+              <a:rPr lang="ru-RU"/>
               <a:t>Образец текста</a:t>
             </a:r>
           </a:p>
@@ -7687,7 +7694,7 @@
           <a:lstStyle/>
           <a:p>
             <a:r>
-              <a:rPr lang="ru-RU" smtClean="0"/>
+              <a:rPr lang="ru-RU"/>
               <a:t>Образец заголовка</a:t>
             </a:r>
             <a:endParaRPr lang="en-US" dirty="0"/>
@@ -7716,35 +7723,35 @@
           <a:p>
             <a:pPr lvl="0"/>
             <a:r>
-              <a:rPr lang="ru-RU" smtClean="0"/>
+              <a:rPr lang="ru-RU"/>
               <a:t>Образец текста</a:t>
             </a:r>
           </a:p>
           <a:p>
             <a:pPr lvl="1"/>
             <a:r>
-              <a:rPr lang="ru-RU" smtClean="0"/>
+              <a:rPr lang="ru-RU"/>
               <a:t>Второй уровень</a:t>
             </a:r>
           </a:p>
           <a:p>
             <a:pPr lvl="2"/>
             <a:r>
-              <a:rPr lang="ru-RU" smtClean="0"/>
+              <a:rPr lang="ru-RU"/>
               <a:t>Третий уровень</a:t>
             </a:r>
           </a:p>
           <a:p>
             <a:pPr lvl="3"/>
             <a:r>
-              <a:rPr lang="ru-RU" smtClean="0"/>
+              <a:rPr lang="ru-RU"/>
               <a:t>Четвертый уровень</a:t>
             </a:r>
           </a:p>
           <a:p>
             <a:pPr lvl="4"/>
             <a:r>
-              <a:rPr lang="ru-RU" smtClean="0"/>
+              <a:rPr lang="ru-RU"/>
               <a:t>Пятый уровень</a:t>
             </a:r>
             <a:endParaRPr lang="en-US" dirty="0"/>
@@ -7773,35 +7780,35 @@
           <a:p>
             <a:pPr lvl="0"/>
             <a:r>
-              <a:rPr lang="ru-RU" smtClean="0"/>
+              <a:rPr lang="ru-RU"/>
               <a:t>Образец текста</a:t>
             </a:r>
           </a:p>
           <a:p>
             <a:pPr lvl="1"/>
             <a:r>
-              <a:rPr lang="ru-RU" smtClean="0"/>
+              <a:rPr lang="ru-RU"/>
               <a:t>Второй уровень</a:t>
             </a:r>
           </a:p>
           <a:p>
             <a:pPr lvl="2"/>
             <a:r>
-              <a:rPr lang="ru-RU" smtClean="0"/>
+              <a:rPr lang="ru-RU"/>
               <a:t>Третий уровень</a:t>
             </a:r>
           </a:p>
           <a:p>
             <a:pPr lvl="3"/>
             <a:r>
-              <a:rPr lang="ru-RU" smtClean="0"/>
+              <a:rPr lang="ru-RU"/>
               <a:t>Четвертый уровень</a:t>
             </a:r>
           </a:p>
           <a:p>
             <a:pPr lvl="4"/>
             <a:r>
-              <a:rPr lang="ru-RU" smtClean="0"/>
+              <a:rPr lang="ru-RU"/>
               <a:t>Пятый уровень</a:t>
             </a:r>
             <a:endParaRPr lang="en-US" dirty="0"/>
@@ -7924,7 +7931,7 @@
           <a:lstStyle/>
           <a:p>
             <a:r>
-              <a:rPr lang="ru-RU" smtClean="0"/>
+              <a:rPr lang="ru-RU"/>
               <a:t>Образец заголовка</a:t>
             </a:r>
             <a:endParaRPr lang="en-US" dirty="0"/>
@@ -7997,7 +8004,7 @@
           <a:p>
             <a:pPr lvl="0"/>
             <a:r>
-              <a:rPr lang="ru-RU" smtClean="0"/>
+              <a:rPr lang="ru-RU"/>
               <a:t>Образец текста</a:t>
             </a:r>
           </a:p>
@@ -8025,35 +8032,35 @@
           <a:p>
             <a:pPr lvl="0"/>
             <a:r>
-              <a:rPr lang="ru-RU" smtClean="0"/>
+              <a:rPr lang="ru-RU"/>
               <a:t>Образец текста</a:t>
             </a:r>
           </a:p>
           <a:p>
             <a:pPr lvl="1"/>
             <a:r>
-              <a:rPr lang="ru-RU" smtClean="0"/>
+              <a:rPr lang="ru-RU"/>
               <a:t>Второй уровень</a:t>
             </a:r>
           </a:p>
           <a:p>
             <a:pPr lvl="2"/>
             <a:r>
-              <a:rPr lang="ru-RU" smtClean="0"/>
+              <a:rPr lang="ru-RU"/>
               <a:t>Третий уровень</a:t>
             </a:r>
           </a:p>
           <a:p>
             <a:pPr lvl="3"/>
             <a:r>
-              <a:rPr lang="ru-RU" smtClean="0"/>
+              <a:rPr lang="ru-RU"/>
               <a:t>Четвертый уровень</a:t>
             </a:r>
           </a:p>
           <a:p>
             <a:pPr lvl="4"/>
             <a:r>
-              <a:rPr lang="ru-RU" smtClean="0"/>
+              <a:rPr lang="ru-RU"/>
               <a:t>Пятый уровень</a:t>
             </a:r>
             <a:endParaRPr lang="en-US" dirty="0"/>
@@ -8126,7 +8133,7 @@
           <a:p>
             <a:pPr lvl="0"/>
             <a:r>
-              <a:rPr lang="ru-RU" smtClean="0"/>
+              <a:rPr lang="ru-RU"/>
               <a:t>Образец текста</a:t>
             </a:r>
           </a:p>
@@ -8154,35 +8161,35 @@
           <a:p>
             <a:pPr lvl="0"/>
             <a:r>
-              <a:rPr lang="ru-RU" smtClean="0"/>
+              <a:rPr lang="ru-RU"/>
               <a:t>Образец текста</a:t>
             </a:r>
           </a:p>
           <a:p>
             <a:pPr lvl="1"/>
             <a:r>
-              <a:rPr lang="ru-RU" smtClean="0"/>
+              <a:rPr lang="ru-RU"/>
               <a:t>Второй уровень</a:t>
             </a:r>
           </a:p>
           <a:p>
             <a:pPr lvl="2"/>
             <a:r>
-              <a:rPr lang="ru-RU" smtClean="0"/>
+              <a:rPr lang="ru-RU"/>
               <a:t>Третий уровень</a:t>
             </a:r>
           </a:p>
           <a:p>
             <a:pPr lvl="3"/>
             <a:r>
-              <a:rPr lang="ru-RU" smtClean="0"/>
+              <a:rPr lang="ru-RU"/>
               <a:t>Четвертый уровень</a:t>
             </a:r>
           </a:p>
           <a:p>
             <a:pPr lvl="4"/>
             <a:r>
-              <a:rPr lang="ru-RU" smtClean="0"/>
+              <a:rPr lang="ru-RU"/>
               <a:t>Пятый уровень</a:t>
             </a:r>
             <a:endParaRPr lang="en-US" dirty="0"/>
@@ -8300,7 +8307,7 @@
           <a:lstStyle/>
           <a:p>
             <a:r>
-              <a:rPr lang="ru-RU" smtClean="0"/>
+              <a:rPr lang="ru-RU"/>
               <a:t>Образец заголовка</a:t>
             </a:r>
             <a:endParaRPr lang="en-US" dirty="0"/>
@@ -8522,7 +8529,7 @@
           </a:lstStyle>
           <a:p>
             <a:r>
-              <a:rPr lang="ru-RU" smtClean="0"/>
+              <a:rPr lang="ru-RU"/>
               <a:t>Образец заголовка</a:t>
             </a:r>
             <a:endParaRPr lang="en-US" dirty="0"/>
@@ -8551,35 +8558,35 @@
           <a:p>
             <a:pPr lvl="0"/>
             <a:r>
-              <a:rPr lang="ru-RU" smtClean="0"/>
+              <a:rPr lang="ru-RU"/>
               <a:t>Образец текста</a:t>
             </a:r>
           </a:p>
           <a:p>
             <a:pPr lvl="1"/>
             <a:r>
-              <a:rPr lang="ru-RU" smtClean="0"/>
+              <a:rPr lang="ru-RU"/>
               <a:t>Второй уровень</a:t>
             </a:r>
           </a:p>
           <a:p>
             <a:pPr lvl="2"/>
             <a:r>
-              <a:rPr lang="ru-RU" smtClean="0"/>
+              <a:rPr lang="ru-RU"/>
               <a:t>Третий уровень</a:t>
             </a:r>
           </a:p>
           <a:p>
             <a:pPr lvl="3"/>
             <a:r>
-              <a:rPr lang="ru-RU" smtClean="0"/>
+              <a:rPr lang="ru-RU"/>
               <a:t>Четвертый уровень</a:t>
             </a:r>
           </a:p>
           <a:p>
             <a:pPr lvl="4"/>
             <a:r>
-              <a:rPr lang="ru-RU" smtClean="0"/>
+              <a:rPr lang="ru-RU"/>
               <a:t>Пятый уровень</a:t>
             </a:r>
             <a:endParaRPr lang="en-US" dirty="0"/>
@@ -8645,7 +8652,7 @@
           <a:p>
             <a:pPr lvl="0"/>
             <a:r>
-              <a:rPr lang="ru-RU" smtClean="0"/>
+              <a:rPr lang="ru-RU"/>
               <a:t>Образец текста</a:t>
             </a:r>
           </a:p>
@@ -8771,7 +8778,7 @@
           </a:lstStyle>
           <a:p>
             <a:r>
-              <a:rPr lang="ru-RU" smtClean="0"/>
+              <a:rPr lang="ru-RU"/>
               <a:t>Образец заголовка</a:t>
             </a:r>
             <a:endParaRPr lang="en-US" dirty="0"/>
@@ -8859,7 +8866,7 @@
           </a:lstStyle>
           <a:p>
             <a:r>
-              <a:rPr lang="ru-RU" smtClean="0"/>
+              <a:rPr lang="ru-RU"/>
               <a:t>Вставка рисунка</a:t>
             </a:r>
             <a:endParaRPr lang="en-US" dirty="0"/>
@@ -8925,7 +8932,7 @@
           <a:p>
             <a:pPr lvl="0"/>
             <a:r>
-              <a:rPr lang="ru-RU" smtClean="0"/>
+              <a:rPr lang="ru-RU"/>
               <a:t>Образец текста</a:t>
             </a:r>
           </a:p>
@@ -9071,7 +9078,7 @@
           <a:noFill/>
           <a:extLst>
             <a:ext uri="{909E8E84-426E-40dd-AFC4-6F175D3DCCD1}">
-              <a14:hiddenFill xmlns:a14="http://schemas.microsoft.com/office/drawing/2010/main" xmlns="">
+              <a14:hiddenFill xmlns="" xmlns:a14="http://schemas.microsoft.com/office/drawing/2010/main">
                 <a:solidFill>
                   <a:srgbClr val="FFFFFF"/>
                 </a:solidFill>
@@ -9145,7 +9152,7 @@
               </a:ln>
               <a:extLst>
                 <a:ext uri="{91240B29-F687-4f45-9708-019B960494DF}">
-                  <a14:hiddenLine xmlns:a14="http://schemas.microsoft.com/office/drawing/2010/main" xmlns="" w="9525">
+                  <a14:hiddenLine xmlns="" xmlns:a14="http://schemas.microsoft.com/office/drawing/2010/main" w="9525">
                     <a:solidFill>
                       <a:srgbClr val="000000"/>
                     </a:solidFill>
@@ -9235,7 +9242,7 @@
               </a:ln>
               <a:extLst>
                 <a:ext uri="{91240B29-F687-4f45-9708-019B960494DF}">
-                  <a14:hiddenLine xmlns:a14="http://schemas.microsoft.com/office/drawing/2010/main" xmlns="" w="9525">
+                  <a14:hiddenLine xmlns="" xmlns:a14="http://schemas.microsoft.com/office/drawing/2010/main" w="9525">
                     <a:solidFill>
                       <a:srgbClr val="000000"/>
                     </a:solidFill>
@@ -9325,7 +9332,7 @@
               </a:ln>
               <a:extLst>
                 <a:ext uri="{91240B29-F687-4f45-9708-019B960494DF}">
-                  <a14:hiddenLine xmlns:a14="http://schemas.microsoft.com/office/drawing/2010/main" xmlns="" w="9525">
+                  <a14:hiddenLine xmlns="" xmlns:a14="http://schemas.microsoft.com/office/drawing/2010/main" w="9525">
                     <a:solidFill>
                       <a:srgbClr val="000000"/>
                     </a:solidFill>
@@ -9387,7 +9394,7 @@
               </a:ln>
               <a:extLst>
                 <a:ext uri="{91240B29-F687-4f45-9708-019B960494DF}">
-                  <a14:hiddenLine xmlns:a14="http://schemas.microsoft.com/office/drawing/2010/main" xmlns="" w="9525">
+                  <a14:hiddenLine xmlns="" xmlns:a14="http://schemas.microsoft.com/office/drawing/2010/main" w="9525">
                     <a:solidFill>
                       <a:srgbClr val="000000"/>
                     </a:solidFill>
@@ -9477,7 +9484,7 @@
               </a:ln>
               <a:extLst>
                 <a:ext uri="{91240B29-F687-4f45-9708-019B960494DF}">
-                  <a14:hiddenLine xmlns:a14="http://schemas.microsoft.com/office/drawing/2010/main" xmlns="" w="9525">
+                  <a14:hiddenLine xmlns="" xmlns:a14="http://schemas.microsoft.com/office/drawing/2010/main" w="9525">
                     <a:solidFill>
                       <a:srgbClr val="000000"/>
                     </a:solidFill>
@@ -9539,7 +9546,7 @@
               </a:ln>
               <a:extLst>
                 <a:ext uri="{91240B29-F687-4f45-9708-019B960494DF}">
-                  <a14:hiddenLine xmlns:a14="http://schemas.microsoft.com/office/drawing/2010/main" xmlns="" w="9525">
+                  <a14:hiddenLine xmlns="" xmlns:a14="http://schemas.microsoft.com/office/drawing/2010/main" w="9525">
                     <a:solidFill>
                       <a:srgbClr val="000000"/>
                     </a:solidFill>
@@ -9601,7 +9608,7 @@
               </a:ln>
               <a:extLst>
                 <a:ext uri="{91240B29-F687-4f45-9708-019B960494DF}">
-                  <a14:hiddenLine xmlns:a14="http://schemas.microsoft.com/office/drawing/2010/main" xmlns="" w="9525">
+                  <a14:hiddenLine xmlns="" xmlns:a14="http://schemas.microsoft.com/office/drawing/2010/main" w="9525">
                     <a:solidFill>
                       <a:srgbClr val="000000"/>
                     </a:solidFill>
@@ -9691,7 +9698,7 @@
               </a:ln>
               <a:extLst>
                 <a:ext uri="{91240B29-F687-4f45-9708-019B960494DF}">
-                  <a14:hiddenLine xmlns:a14="http://schemas.microsoft.com/office/drawing/2010/main" xmlns="" w="9525">
+                  <a14:hiddenLine xmlns="" xmlns:a14="http://schemas.microsoft.com/office/drawing/2010/main" w="9525">
                     <a:solidFill>
                       <a:srgbClr val="000000"/>
                     </a:solidFill>
@@ -9781,7 +9788,7 @@
               </a:ln>
               <a:extLst>
                 <a:ext uri="{91240B29-F687-4f45-9708-019B960494DF}">
-                  <a14:hiddenLine xmlns:a14="http://schemas.microsoft.com/office/drawing/2010/main" xmlns="" w="9525">
+                  <a14:hiddenLine xmlns="" xmlns:a14="http://schemas.microsoft.com/office/drawing/2010/main" w="9525">
                     <a:solidFill>
                       <a:srgbClr val="000000"/>
                     </a:solidFill>
@@ -9843,7 +9850,7 @@
               </a:ln>
               <a:extLst>
                 <a:ext uri="{91240B29-F687-4f45-9708-019B960494DF}">
-                  <a14:hiddenLine xmlns:a14="http://schemas.microsoft.com/office/drawing/2010/main" xmlns="" w="9525">
+                  <a14:hiddenLine xmlns="" xmlns:a14="http://schemas.microsoft.com/office/drawing/2010/main" w="9525">
                     <a:solidFill>
                       <a:srgbClr val="000000"/>
                     </a:solidFill>
@@ -9953,7 +9960,7 @@
               </a:ln>
               <a:extLst>
                 <a:ext uri="{91240B29-F687-4f45-9708-019B960494DF}">
-                  <a14:hiddenLine xmlns:a14="http://schemas.microsoft.com/office/drawing/2010/main" xmlns="" w="9525">
+                  <a14:hiddenLine xmlns="" xmlns:a14="http://schemas.microsoft.com/office/drawing/2010/main" w="9525">
                     <a:solidFill>
                       <a:srgbClr val="000000"/>
                     </a:solidFill>
@@ -10037,7 +10044,7 @@
               </a:ln>
               <a:extLst>
                 <a:ext uri="{91240B29-F687-4f45-9708-019B960494DF}">
-                  <a14:hiddenLine xmlns:a14="http://schemas.microsoft.com/office/drawing/2010/main" xmlns="" w="9525">
+                  <a14:hiddenLine xmlns="" xmlns:a14="http://schemas.microsoft.com/office/drawing/2010/main" w="9525">
                     <a:solidFill>
                       <a:srgbClr val="000000"/>
                     </a:solidFill>
@@ -10099,7 +10106,7 @@
               </a:ln>
               <a:extLst>
                 <a:ext uri="{91240B29-F687-4f45-9708-019B960494DF}">
-                  <a14:hiddenLine xmlns:a14="http://schemas.microsoft.com/office/drawing/2010/main" xmlns="" w="9525">
+                  <a14:hiddenLine xmlns="" xmlns:a14="http://schemas.microsoft.com/office/drawing/2010/main" w="9525">
                     <a:solidFill>
                       <a:srgbClr val="000000"/>
                     </a:solidFill>
@@ -10161,7 +10168,7 @@
               </a:ln>
               <a:extLst>
                 <a:ext uri="{91240B29-F687-4f45-9708-019B960494DF}">
-                  <a14:hiddenLine xmlns:a14="http://schemas.microsoft.com/office/drawing/2010/main" xmlns="" w="9525">
+                  <a14:hiddenLine xmlns="" xmlns:a14="http://schemas.microsoft.com/office/drawing/2010/main" w="9525">
                     <a:solidFill>
                       <a:srgbClr val="000000"/>
                     </a:solidFill>
@@ -10251,7 +10258,7 @@
               </a:ln>
               <a:extLst>
                 <a:ext uri="{91240B29-F687-4f45-9708-019B960494DF}">
-                  <a14:hiddenLine xmlns:a14="http://schemas.microsoft.com/office/drawing/2010/main" xmlns="" w="9525">
+                  <a14:hiddenLine xmlns="" xmlns:a14="http://schemas.microsoft.com/office/drawing/2010/main" w="9525">
                     <a:solidFill>
                       <a:srgbClr val="000000"/>
                     </a:solidFill>
@@ -10285,7 +10292,7 @@
               </a:ln>
               <a:extLst>
                 <a:ext uri="{91240B29-F687-4f45-9708-019B960494DF}">
-                  <a14:hiddenLine xmlns:a14="http://schemas.microsoft.com/office/drawing/2010/main" xmlns="" w="9525">
+                  <a14:hiddenLine xmlns="" xmlns:a14="http://schemas.microsoft.com/office/drawing/2010/main" w="9525">
                     <a:solidFill>
                       <a:srgbClr val="000000"/>
                     </a:solidFill>
@@ -10350,7 +10357,7 @@
               </a:ln>
               <a:extLst>
                 <a:ext uri="{91240B29-F687-4f45-9708-019B960494DF}">
-                  <a14:hiddenLine xmlns:a14="http://schemas.microsoft.com/office/drawing/2010/main" xmlns="" w="9525">
+                  <a14:hiddenLine xmlns="" xmlns:a14="http://schemas.microsoft.com/office/drawing/2010/main" w="9525">
                     <a:solidFill>
                       <a:srgbClr val="000000"/>
                     </a:solidFill>
@@ -10440,7 +10447,7 @@
               </a:ln>
               <a:extLst>
                 <a:ext uri="{91240B29-F687-4f45-9708-019B960494DF}">
-                  <a14:hiddenLine xmlns:a14="http://schemas.microsoft.com/office/drawing/2010/main" xmlns="" w="9525">
+                  <a14:hiddenLine xmlns="" xmlns:a14="http://schemas.microsoft.com/office/drawing/2010/main" w="9525">
                     <a:solidFill>
                       <a:srgbClr val="000000"/>
                     </a:solidFill>
@@ -10502,7 +10509,7 @@
               </a:ln>
               <a:extLst>
                 <a:ext uri="{91240B29-F687-4f45-9708-019B960494DF}">
-                  <a14:hiddenLine xmlns:a14="http://schemas.microsoft.com/office/drawing/2010/main" xmlns="" w="9525">
+                  <a14:hiddenLine xmlns="" xmlns:a14="http://schemas.microsoft.com/office/drawing/2010/main" w="9525">
                     <a:solidFill>
                       <a:srgbClr val="000000"/>
                     </a:solidFill>
@@ -10592,7 +10599,7 @@
               </a:ln>
               <a:extLst>
                 <a:ext uri="{91240B29-F687-4f45-9708-019B960494DF}">
-                  <a14:hiddenLine xmlns:a14="http://schemas.microsoft.com/office/drawing/2010/main" xmlns="" w="9525">
+                  <a14:hiddenLine xmlns="" xmlns:a14="http://schemas.microsoft.com/office/drawing/2010/main" w="9525">
                     <a:solidFill>
                       <a:srgbClr val="000000"/>
                     </a:solidFill>
@@ -10657,7 +10664,7 @@
               </a:ln>
               <a:extLst>
                 <a:ext uri="{91240B29-F687-4f45-9708-019B960494DF}">
-                  <a14:hiddenLine xmlns:a14="http://schemas.microsoft.com/office/drawing/2010/main" xmlns="" w="9525">
+                  <a14:hiddenLine xmlns="" xmlns:a14="http://schemas.microsoft.com/office/drawing/2010/main" w="9525">
                     <a:solidFill>
                       <a:srgbClr val="000000"/>
                     </a:solidFill>
@@ -10719,7 +10726,7 @@
               </a:ln>
               <a:extLst>
                 <a:ext uri="{91240B29-F687-4f45-9708-019B960494DF}">
-                  <a14:hiddenLine xmlns:a14="http://schemas.microsoft.com/office/drawing/2010/main" xmlns="" w="9525">
+                  <a14:hiddenLine xmlns="" xmlns:a14="http://schemas.microsoft.com/office/drawing/2010/main" w="9525">
                     <a:solidFill>
                       <a:srgbClr val="000000"/>
                     </a:solidFill>
@@ -10809,7 +10816,7 @@
               </a:ln>
               <a:extLst>
                 <a:ext uri="{91240B29-F687-4f45-9708-019B960494DF}">
-                  <a14:hiddenLine xmlns:a14="http://schemas.microsoft.com/office/drawing/2010/main" xmlns="" w="9525">
+                  <a14:hiddenLine xmlns="" xmlns:a14="http://schemas.microsoft.com/office/drawing/2010/main" w="9525">
                     <a:solidFill>
                       <a:srgbClr val="000000"/>
                     </a:solidFill>
@@ -10899,7 +10906,7 @@
               </a:ln>
               <a:extLst>
                 <a:ext uri="{91240B29-F687-4f45-9708-019B960494DF}">
-                  <a14:hiddenLine xmlns:a14="http://schemas.microsoft.com/office/drawing/2010/main" xmlns="" w="9525">
+                  <a14:hiddenLine xmlns="" xmlns:a14="http://schemas.microsoft.com/office/drawing/2010/main" w="9525">
                     <a:solidFill>
                       <a:srgbClr val="000000"/>
                     </a:solidFill>
@@ -10964,7 +10971,7 @@
               </a:ln>
               <a:extLst>
                 <a:ext uri="{91240B29-F687-4f45-9708-019B960494DF}">
-                  <a14:hiddenLine xmlns:a14="http://schemas.microsoft.com/office/drawing/2010/main" xmlns="" w="9525">
+                  <a14:hiddenLine xmlns="" xmlns:a14="http://schemas.microsoft.com/office/drawing/2010/main" w="9525">
                     <a:solidFill>
                       <a:srgbClr val="000000"/>
                     </a:solidFill>
@@ -11084,7 +11091,7 @@
               </a:ln>
               <a:extLst>
                 <a:ext uri="{91240B29-F687-4f45-9708-019B960494DF}">
-                  <a14:hiddenLine xmlns:a14="http://schemas.microsoft.com/office/drawing/2010/main" xmlns="" w="9525">
+                  <a14:hiddenLine xmlns="" xmlns:a14="http://schemas.microsoft.com/office/drawing/2010/main" w="9525">
                     <a:solidFill>
                       <a:srgbClr val="000000"/>
                     </a:solidFill>
@@ -11165,7 +11172,7 @@
               </a:ln>
               <a:extLst>
                 <a:ext uri="{91240B29-F687-4f45-9708-019B960494DF}">
-                  <a14:hiddenLine xmlns:a14="http://schemas.microsoft.com/office/drawing/2010/main" xmlns="" w="9525">
+                  <a14:hiddenLine xmlns="" xmlns:a14="http://schemas.microsoft.com/office/drawing/2010/main" w="9525">
                     <a:solidFill>
                       <a:srgbClr val="000000"/>
                     </a:solidFill>
@@ -11280,7 +11287,7 @@
               </a:ln>
               <a:extLst>
                 <a:ext uri="{91240B29-F687-4f45-9708-019B960494DF}">
-                  <a14:hiddenLine xmlns:a14="http://schemas.microsoft.com/office/drawing/2010/main" xmlns="" w="9525">
+                  <a14:hiddenLine xmlns="" xmlns:a14="http://schemas.microsoft.com/office/drawing/2010/main" w="9525">
                     <a:solidFill>
                       <a:srgbClr val="000000"/>
                     </a:solidFill>
@@ -11370,7 +11377,7 @@
               </a:ln>
               <a:extLst>
                 <a:ext uri="{91240B29-F687-4f45-9708-019B960494DF}">
-                  <a14:hiddenLine xmlns:a14="http://schemas.microsoft.com/office/drawing/2010/main" xmlns="" w="9525">
+                  <a14:hiddenLine xmlns="" xmlns:a14="http://schemas.microsoft.com/office/drawing/2010/main" w="9525">
                     <a:solidFill>
                       <a:srgbClr val="000000"/>
                     </a:solidFill>
@@ -11435,7 +11442,7 @@
               </a:ln>
               <a:extLst>
                 <a:ext uri="{91240B29-F687-4f45-9708-019B960494DF}">
-                  <a14:hiddenLine xmlns:a14="http://schemas.microsoft.com/office/drawing/2010/main" xmlns="" w="9525">
+                  <a14:hiddenLine xmlns="" xmlns:a14="http://schemas.microsoft.com/office/drawing/2010/main" w="9525">
                     <a:solidFill>
                       <a:srgbClr val="000000"/>
                     </a:solidFill>
@@ -11525,7 +11532,7 @@
               </a:ln>
               <a:extLst>
                 <a:ext uri="{91240B29-F687-4f45-9708-019B960494DF}">
-                  <a14:hiddenLine xmlns:a14="http://schemas.microsoft.com/office/drawing/2010/main" xmlns="" w="9525">
+                  <a14:hiddenLine xmlns="" xmlns:a14="http://schemas.microsoft.com/office/drawing/2010/main" w="9525">
                     <a:solidFill>
                       <a:srgbClr val="000000"/>
                     </a:solidFill>
@@ -11593,7 +11600,7 @@
               </a:ln>
               <a:extLst>
                 <a:ext uri="{91240B29-F687-4f45-9708-019B960494DF}">
-                  <a14:hiddenLine xmlns:a14="http://schemas.microsoft.com/office/drawing/2010/main" xmlns="" w="9525">
+                  <a14:hiddenLine xmlns="" xmlns:a14="http://schemas.microsoft.com/office/drawing/2010/main" w="9525">
                     <a:solidFill>
                       <a:srgbClr val="000000"/>
                     </a:solidFill>
@@ -11683,7 +11690,7 @@
               </a:ln>
               <a:extLst>
                 <a:ext uri="{91240B29-F687-4f45-9708-019B960494DF}">
-                  <a14:hiddenLine xmlns:a14="http://schemas.microsoft.com/office/drawing/2010/main" xmlns="" w="9525">
+                  <a14:hiddenLine xmlns="" xmlns:a14="http://schemas.microsoft.com/office/drawing/2010/main" w="9525">
                     <a:solidFill>
                       <a:srgbClr val="000000"/>
                     </a:solidFill>
@@ -11751,7 +11758,7 @@
               </a:ln>
               <a:extLst>
                 <a:ext uri="{91240B29-F687-4f45-9708-019B960494DF}">
-                  <a14:hiddenLine xmlns:a14="http://schemas.microsoft.com/office/drawing/2010/main" xmlns="" w="9525">
+                  <a14:hiddenLine xmlns="" xmlns:a14="http://schemas.microsoft.com/office/drawing/2010/main" w="9525">
                     <a:solidFill>
                       <a:srgbClr val="000000"/>
                     </a:solidFill>
@@ -11841,7 +11848,7 @@
               </a:ln>
               <a:extLst>
                 <a:ext uri="{91240B29-F687-4f45-9708-019B960494DF}">
-                  <a14:hiddenLine xmlns:a14="http://schemas.microsoft.com/office/drawing/2010/main" xmlns="" w="9525">
+                  <a14:hiddenLine xmlns="" xmlns:a14="http://schemas.microsoft.com/office/drawing/2010/main" w="9525">
                     <a:solidFill>
                       <a:srgbClr val="000000"/>
                     </a:solidFill>
@@ -11875,7 +11882,7 @@
               </a:ln>
               <a:extLst>
                 <a:ext uri="{91240B29-F687-4f45-9708-019B960494DF}">
-                  <a14:hiddenLine xmlns:a14="http://schemas.microsoft.com/office/drawing/2010/main" xmlns="" w="9525">
+                  <a14:hiddenLine xmlns="" xmlns:a14="http://schemas.microsoft.com/office/drawing/2010/main" w="9525">
                     <a:solidFill>
                       <a:srgbClr val="000000"/>
                     </a:solidFill>
@@ -11945,35 +11952,35 @@
           <a:p>
             <a:pPr lvl="0"/>
             <a:r>
-              <a:rPr lang="ru-RU" smtClean="0"/>
+              <a:rPr lang="ru-RU"/>
               <a:t>Образец текста</a:t>
             </a:r>
           </a:p>
           <a:p>
             <a:pPr lvl="1"/>
             <a:r>
-              <a:rPr lang="ru-RU" smtClean="0"/>
+              <a:rPr lang="ru-RU"/>
               <a:t>Второй уровень</a:t>
             </a:r>
           </a:p>
           <a:p>
             <a:pPr lvl="2"/>
             <a:r>
-              <a:rPr lang="ru-RU" smtClean="0"/>
+              <a:rPr lang="ru-RU"/>
               <a:t>Третий уровень</a:t>
             </a:r>
           </a:p>
           <a:p>
             <a:pPr lvl="3"/>
             <a:r>
-              <a:rPr lang="ru-RU" smtClean="0"/>
+              <a:rPr lang="ru-RU"/>
               <a:t>Четвертый уровень</a:t>
             </a:r>
           </a:p>
           <a:p>
             <a:pPr lvl="4"/>
             <a:r>
-              <a:rPr lang="ru-RU" smtClean="0"/>
+              <a:rPr lang="ru-RU"/>
               <a:t>Пятый уровень</a:t>
             </a:r>
             <a:endParaRPr lang="en-US" dirty="0"/>
@@ -12435,8 +12442,8 @@
           <a:chExt cx="0" cy="0"/>
         </a:xfrm>
       </p:grpSpPr>
-      <mc:AlternateContent xmlns:mc="http://schemas.openxmlformats.org/markup-compatibility/2006">
-        <mc:Choice xmlns:a14="http://schemas.microsoft.com/office/drawing/2010/main" Requires="a14">
+      <mc:AlternateContent xmlns:mc="http://schemas.openxmlformats.org/markup-compatibility/2006" xmlns:a14="http://schemas.microsoft.com/office/drawing/2010/main">
+        <mc:Choice Requires="a14">
           <p:sp>
             <p:nvSpPr>
               <p:cNvPr id="2" name="Заголовок 1"/>
@@ -12456,7 +12463,7 @@
               <a:p>
                 <a:pPr algn="ctr"/>
                 <a:r>
-                  <a:rPr lang="ru-RU" dirty="0" smtClean="0"/>
+                  <a:rPr lang="ru-RU" dirty="0"/>
                   <a:t>Умножение многочленов в </a:t>
                 </a:r>
                 <a14:m>
@@ -12489,31 +12496,23 @@
                   </m:oMath>
                 </a14:m>
                 <a:r>
-                  <a:rPr lang="en-US" dirty="0" smtClean="0"/>
+                  <a:rPr lang="en-US" dirty="0"/>
                   <a:t> </a:t>
                 </a:r>
                 <a:r>
-                  <a:rPr lang="ru-RU" dirty="0" smtClean="0"/>
-                  <a:t>с </a:t>
+                  <a:rPr lang="ru-RU" dirty="0"/>
+                  <a:t>с помощью быстрого преобразования Фурье</a:t>
+                </a:r>
+                <a:r>
+                  <a:rPr lang="en-US" dirty="0"/>
+                  <a:t> </a:t>
                 </a:r>
                 <a:r>
                   <a:rPr lang="ru-RU" dirty="0"/>
-                  <a:t>помощью быстрого преобразования </a:t>
-                </a:r>
-                <a:r>
-                  <a:rPr lang="ru-RU" dirty="0" smtClean="0"/>
-                  <a:t>Фурье</a:t>
-                </a:r>
-                <a:r>
-                  <a:rPr lang="en-US" dirty="0" smtClean="0"/>
-                  <a:t> </a:t>
-                </a:r>
-                <a:r>
-                  <a:rPr lang="ru-RU" dirty="0" smtClean="0"/>
                   <a:t>и </a:t>
                 </a:r>
                 <a:r>
-                  <a:rPr lang="en-US" dirty="0" err="1" smtClean="0"/>
+                  <a:rPr lang="en-US" dirty="0" err="1"/>
                   <a:t>cuda</a:t>
                 </a:r>
                 <a:endParaRPr lang="ru-RU" dirty="0"/>
@@ -12521,7 +12520,7 @@
             </p:txBody>
           </p:sp>
         </mc:Choice>
-        <mc:Fallback>
+        <mc:Fallback xmlns="">
           <p:sp>
             <p:nvSpPr>
               <p:cNvPr id="2" name="Заголовок 1"/>
@@ -12572,28 +12571,27 @@
           <a:p>
             <a:pPr algn="ctr"/>
             <a:r>
-              <a:rPr lang="ru-RU" dirty="0" err="1" smtClean="0"/>
+              <a:rPr lang="ru-RU" dirty="0" err="1"/>
               <a:t>Биндасов</a:t>
             </a:r>
             <a:r>
-              <a:rPr lang="ru-RU" dirty="0" smtClean="0"/>
+              <a:rPr lang="ru-RU" dirty="0"/>
               <a:t> Андрей</a:t>
             </a:r>
           </a:p>
           <a:p>
             <a:pPr algn="ctr"/>
             <a:r>
-              <a:rPr lang="ru-RU" dirty="0" smtClean="0"/>
+              <a:rPr lang="ru-RU" dirty="0"/>
               <a:t>Прохорова Елизавета</a:t>
             </a:r>
           </a:p>
           <a:p>
             <a:pPr algn="ctr"/>
             <a:r>
-              <a:rPr lang="ru-RU" dirty="0" smtClean="0"/>
+              <a:rPr lang="ru-RU" dirty="0"/>
               <a:t>Группа иу8-113</a:t>
             </a:r>
-            <a:endParaRPr lang="ru-RU" dirty="0"/>
           </a:p>
         </p:txBody>
       </p:sp>
@@ -12601,6 +12599,174 @@
     <p:extLst>
       <p:ext uri="{BB962C8B-B14F-4D97-AF65-F5344CB8AC3E}">
         <p14:creationId xmlns:p14="http://schemas.microsoft.com/office/powerpoint/2010/main" val="4200436771"/>
+      </p:ext>
+    </p:extLst>
+  </p:cSld>
+  <p:clrMapOvr>
+    <a:masterClrMapping/>
+  </p:clrMapOvr>
+</p:sld>
+</file>
+
+<file path=ppt/slides/slide10.xml><?xml version="1.0" encoding="utf-8"?>
+<p:sld xmlns:a="http://schemas.openxmlformats.org/drawingml/2006/main" xmlns:r="http://schemas.openxmlformats.org/officeDocument/2006/relationships" xmlns:p="http://schemas.openxmlformats.org/presentationml/2006/main">
+  <p:cSld>
+    <p:spTree>
+      <p:nvGrpSpPr>
+        <p:cNvPr id="1" name=""/>
+        <p:cNvGrpSpPr/>
+        <p:nvPr/>
+      </p:nvGrpSpPr>
+      <p:grpSpPr>
+        <a:xfrm>
+          <a:off x="0" y="0"/>
+          <a:ext cx="0" cy="0"/>
+          <a:chOff x="0" y="0"/>
+          <a:chExt cx="0" cy="0"/>
+        </a:xfrm>
+      </p:grpSpPr>
+      <p:sp>
+        <p:nvSpPr>
+          <p:cNvPr id="2" name="Заголовок 1"/>
+          <p:cNvSpPr>
+            <a:spLocks noGrp="1"/>
+          </p:cNvSpPr>
+          <p:nvPr>
+            <p:ph type="title"/>
+          </p:nvPr>
+        </p:nvSpPr>
+        <p:spPr>
+          <a:xfrm>
+            <a:off x="1266104" y="78190"/>
+            <a:ext cx="9905998" cy="1260159"/>
+          </a:xfrm>
+        </p:spPr>
+        <p:txBody>
+          <a:bodyPr/>
+          <a:lstStyle/>
+          <a:p>
+            <a:pPr algn="ctr"/>
+            <a:r>
+              <a:rPr lang="ru-RU" dirty="0"/>
+              <a:t>Пример сетки блоков</a:t>
+            </a:r>
+          </a:p>
+        </p:txBody>
+      </p:sp>
+      <p:pic>
+        <p:nvPicPr>
+          <p:cNvPr id="4" name="Объект 3"/>
+          <p:cNvPicPr>
+            <a:picLocks noGrp="1" noChangeAspect="1"/>
+          </p:cNvPicPr>
+          <p:nvPr>
+            <p:ph idx="1"/>
+          </p:nvPr>
+        </p:nvPicPr>
+        <p:blipFill>
+          <a:blip r:embed="rId2"/>
+          <a:stretch>
+            <a:fillRect/>
+          </a:stretch>
+        </p:blipFill>
+        <p:spPr>
+          <a:xfrm>
+            <a:off x="1371338" y="1199313"/>
+            <a:ext cx="6279322" cy="2857297"/>
+          </a:xfrm>
+          <a:prstGeom prst="rect">
+            <a:avLst/>
+          </a:prstGeom>
+        </p:spPr>
+      </p:pic>
+      <p:pic>
+        <p:nvPicPr>
+          <p:cNvPr id="6" name="Рисунок 5"/>
+          <p:cNvPicPr>
+            <a:picLocks noChangeAspect="1"/>
+          </p:cNvPicPr>
+          <p:nvPr/>
+        </p:nvPicPr>
+        <p:blipFill>
+          <a:blip r:embed="rId3"/>
+          <a:stretch>
+            <a:fillRect/>
+          </a:stretch>
+        </p:blipFill>
+        <p:spPr>
+          <a:xfrm>
+            <a:off x="4998863" y="4237030"/>
+            <a:ext cx="5807683" cy="2323073"/>
+          </a:xfrm>
+          <a:prstGeom prst="rect">
+            <a:avLst/>
+          </a:prstGeom>
+        </p:spPr>
+      </p:pic>
+    </p:spTree>
+    <p:extLst>
+      <p:ext uri="{BB962C8B-B14F-4D97-AF65-F5344CB8AC3E}">
+        <p14:creationId xmlns:p14="http://schemas.microsoft.com/office/powerpoint/2010/main" val="498829297"/>
+      </p:ext>
+    </p:extLst>
+  </p:cSld>
+  <p:clrMapOvr>
+    <a:masterClrMapping/>
+  </p:clrMapOvr>
+</p:sld>
+</file>
+
+<file path=ppt/slides/slide11.xml><?xml version="1.0" encoding="utf-8"?>
+<p:sld xmlns:a="http://schemas.openxmlformats.org/drawingml/2006/main" xmlns:r="http://schemas.openxmlformats.org/officeDocument/2006/relationships" xmlns:p="http://schemas.openxmlformats.org/presentationml/2006/main">
+  <p:cSld>
+    <p:spTree>
+      <p:nvGrpSpPr>
+        <p:cNvPr id="1" name=""/>
+        <p:cNvGrpSpPr/>
+        <p:nvPr/>
+      </p:nvGrpSpPr>
+      <p:grpSpPr>
+        <a:xfrm>
+          <a:off x="0" y="0"/>
+          <a:ext cx="0" cy="0"/>
+          <a:chOff x="0" y="0"/>
+          <a:chExt cx="0" cy="0"/>
+        </a:xfrm>
+      </p:grpSpPr>
+      <p:sp>
+        <p:nvSpPr>
+          <p:cNvPr id="4" name="Заголовок 3"/>
+          <p:cNvSpPr>
+            <a:spLocks noGrp="1"/>
+          </p:cNvSpPr>
+          <p:nvPr>
+            <p:ph type="title"/>
+          </p:nvPr>
+        </p:nvSpPr>
+        <p:spPr>
+          <a:xfrm>
+            <a:off x="1166349" y="2244437"/>
+            <a:ext cx="9906000" cy="1794770"/>
+          </a:xfrm>
+        </p:spPr>
+        <p:txBody>
+          <a:bodyPr>
+            <a:normAutofit/>
+          </a:bodyPr>
+          <a:lstStyle/>
+          <a:p>
+            <a:pPr algn="ctr"/>
+            <a:r>
+              <a:rPr lang="ru-RU" sz="7200" dirty="0"/>
+              <a:t>демонстрация</a:t>
+            </a:r>
+          </a:p>
+        </p:txBody>
+      </p:sp>
+    </p:spTree>
+    <p:extLst>
+      <p:ext uri="{BB962C8B-B14F-4D97-AF65-F5344CB8AC3E}">
+        <p14:creationId xmlns:p14="http://schemas.microsoft.com/office/powerpoint/2010/main" val="4101721435"/>
       </p:ext>
     </p:extLst>
   </p:cSld>
@@ -12644,10 +12810,9 @@
           <a:p>
             <a:pPr algn="ctr"/>
             <a:r>
-              <a:rPr lang="ru-RU" dirty="0" smtClean="0"/>
+              <a:rPr lang="ru-RU" dirty="0"/>
               <a:t>план</a:t>
             </a:r>
-            <a:endParaRPr lang="ru-RU" dirty="0"/>
           </a:p>
         </p:txBody>
       </p:sp>
@@ -12676,26 +12841,14 @@
               <a:lstStyle/>
               <a:p>
                 <a:r>
-                  <a:rPr lang="ru-RU" dirty="0" smtClean="0"/>
-                  <a:t>Быстрое </a:t>
-                </a:r>
-                <a:r>
                   <a:rPr lang="ru-RU" dirty="0"/>
-                  <a:t>преобразование Фурье в модульной </a:t>
-                </a:r>
-                <a:r>
-                  <a:rPr lang="ru-RU" dirty="0" smtClean="0"/>
-                  <a:t>арифметике</a:t>
+                  <a:t>Быстрое преобразование Фурье в модульной арифметике</a:t>
                 </a:r>
               </a:p>
               <a:p>
                 <a:r>
                   <a:rPr lang="ru-RU" dirty="0"/>
-                  <a:t>Умножение многочленов </a:t>
-                </a:r>
-                <a:r>
-                  <a:rPr lang="ru-RU" dirty="0" smtClean="0"/>
-                  <a:t>в </a:t>
+                  <a:t>Умножение многочленов в </a:t>
                 </a:r>
                 <a14:m>
                   <m:oMath xmlns:m="http://schemas.openxmlformats.org/officeDocument/2006/math">
@@ -12727,48 +12880,36 @@
                   </m:oMath>
                 </a14:m>
                 <a:r>
-                  <a:rPr lang="ru-RU" dirty="0" smtClean="0"/>
-                  <a:t>с </a:t>
-                </a:r>
-                <a:r>
                   <a:rPr lang="ru-RU" dirty="0"/>
-                  <a:t>помощью быстрого преобразования </a:t>
-                </a:r>
-                <a:r>
-                  <a:rPr lang="ru-RU" dirty="0" smtClean="0"/>
-                  <a:t>Фурье</a:t>
+                  <a:t> с помощью быстрого преобразования Фурье</a:t>
                 </a:r>
               </a:p>
               <a:p>
                 <a:r>
                   <a:rPr lang="ru-RU" dirty="0"/>
-                  <a:t>Параллельная </a:t>
-                </a:r>
-                <a:r>
-                  <a:rPr lang="ru-RU" dirty="0" smtClean="0"/>
-                  <a:t>схема БПФ</a:t>
+                  <a:t>Параллельная схема БПФ</a:t>
                 </a:r>
               </a:p>
               <a:p>
                 <a:r>
-                  <a:rPr lang="ru-RU" dirty="0" smtClean="0"/>
+                  <a:rPr lang="ru-RU" dirty="0"/>
                   <a:t>Параллельная версия алгоритма</a:t>
                 </a:r>
               </a:p>
               <a:p>
                 <a:r>
-                  <a:rPr lang="ru-RU" dirty="0" smtClean="0"/>
+                  <a:rPr lang="ru-RU" dirty="0"/>
                   <a:t>Технология </a:t>
                 </a:r>
                 <a:r>
-                  <a:rPr lang="en-US" dirty="0" smtClean="0"/>
+                  <a:rPr lang="en-US" dirty="0"/>
                   <a:t>CUDA</a:t>
                 </a:r>
-                <a:endParaRPr lang="ru-RU" dirty="0" smtClean="0"/>
+                <a:endParaRPr lang="ru-RU" dirty="0"/>
               </a:p>
               <a:p>
                 <a:r>
-                  <a:rPr lang="ru-RU" dirty="0" smtClean="0"/>
+                  <a:rPr lang="ru-RU" dirty="0"/>
                   <a:t>Демонстрация</a:t>
                 </a:r>
               </a:p>
@@ -12861,29 +13002,587 @@
           <a:bodyPr/>
           <a:lstStyle/>
           <a:p>
-            <a:endParaRPr lang="ru-RU"/>
+            <a:pPr algn="ctr"/>
+            <a:r>
+              <a:rPr lang="ru-RU" dirty="0"/>
+              <a:t>БПФ в модульной арифметике</a:t>
+            </a:r>
           </a:p>
         </p:txBody>
       </p:sp>
-      <p:sp>
-        <p:nvSpPr>
-          <p:cNvPr id="3" name="Объект 2"/>
-          <p:cNvSpPr>
-            <a:spLocks noGrp="1"/>
-          </p:cNvSpPr>
-          <p:nvPr>
-            <p:ph idx="1"/>
-          </p:nvPr>
-        </p:nvSpPr>
-        <p:spPr/>
-        <p:txBody>
-          <a:bodyPr/>
-          <a:lstStyle/>
-          <a:p>
-            <a:endParaRPr lang="ru-RU"/>
-          </a:p>
-        </p:txBody>
-      </p:sp>
+      <mc:AlternateContent xmlns:mc="http://schemas.openxmlformats.org/markup-compatibility/2006">
+        <mc:Choice xmlns:a14="http://schemas.microsoft.com/office/drawing/2010/main" Requires="a14">
+          <p:sp>
+            <p:nvSpPr>
+              <p:cNvPr id="3" name="Объект 2"/>
+              <p:cNvSpPr>
+                <a:spLocks noGrp="1"/>
+              </p:cNvSpPr>
+              <p:nvPr>
+                <p:ph idx="1"/>
+              </p:nvPr>
+            </p:nvSpPr>
+            <p:spPr/>
+            <p:txBody>
+              <a:bodyPr>
+                <a:normAutofit lnSpcReduction="10000"/>
+              </a:bodyPr>
+              <a:lstStyle/>
+              <a:p>
+                <a:pPr marL="0" indent="0">
+                  <a:buNone/>
+                </a:pPr>
+                <a:r>
+                  <a:rPr lang="ru-RU" dirty="0"/>
+                  <a:t>Для корректного расчета БПФ в </a:t>
+                </a:r>
+                <a14:m>
+                  <m:oMath xmlns:m="http://schemas.openxmlformats.org/officeDocument/2006/math">
+                    <m:sSub>
+                      <m:sSubPr>
+                        <m:ctrlPr>
+                          <a:rPr lang="ru-RU" i="1" smtClean="0">
+                            <a:latin typeface="Cambria Math" panose="02040503050406030204" pitchFamily="18" charset="0"/>
+                          </a:rPr>
+                        </m:ctrlPr>
+                      </m:sSubPr>
+                      <m:e>
+                        <m:r>
+                          <a:rPr lang="en-US" b="0" i="1" smtClean="0">
+                            <a:latin typeface="Cambria Math" panose="02040503050406030204" pitchFamily="18" charset="0"/>
+                          </a:rPr>
+                          <m:t>𝑍</m:t>
+                        </m:r>
+                      </m:e>
+                      <m:sub>
+                        <m:r>
+                          <a:rPr lang="en-US" b="0" i="1" smtClean="0">
+                            <a:latin typeface="Cambria Math" panose="02040503050406030204" pitchFamily="18" charset="0"/>
+                          </a:rPr>
+                          <m:t>𝑝</m:t>
+                        </m:r>
+                      </m:sub>
+                    </m:sSub>
+                  </m:oMath>
+                </a14:m>
+                <a:r>
+                  <a:rPr lang="en-US" dirty="0"/>
+                  <a:t> </a:t>
+                </a:r>
+                <a:r>
+                  <a:rPr lang="ru-RU" dirty="0"/>
+                  <a:t>необходимо предварительно определить следующие элементы:</a:t>
+                </a:r>
+              </a:p>
+              <a:p>
+                <a:r>
+                  <a:rPr lang="ru-RU" dirty="0"/>
+                  <a:t>Найти в </a:t>
+                </a:r>
+                <a14:m>
+                  <m:oMath xmlns:m="http://schemas.openxmlformats.org/officeDocument/2006/math">
+                    <m:sSub>
+                      <m:sSubPr>
+                        <m:ctrlPr>
+                          <a:rPr lang="ru-RU" i="1" smtClean="0">
+                            <a:latin typeface="Cambria Math" panose="02040503050406030204" pitchFamily="18" charset="0"/>
+                          </a:rPr>
+                        </m:ctrlPr>
+                      </m:sSubPr>
+                      <m:e>
+                        <m:r>
+                          <a:rPr lang="en-US" b="0" i="1" smtClean="0">
+                            <a:latin typeface="Cambria Math" panose="02040503050406030204" pitchFamily="18" charset="0"/>
+                          </a:rPr>
+                          <m:t>𝑍</m:t>
+                        </m:r>
+                      </m:e>
+                      <m:sub>
+                        <m:r>
+                          <a:rPr lang="en-US" b="0" i="1" smtClean="0">
+                            <a:latin typeface="Cambria Math" panose="02040503050406030204" pitchFamily="18" charset="0"/>
+                          </a:rPr>
+                          <m:t>𝑝</m:t>
+                        </m:r>
+                      </m:sub>
+                    </m:sSub>
+                  </m:oMath>
+                </a14:m>
+                <a:r>
+                  <a:rPr lang="en-US" dirty="0"/>
+                  <a:t> </a:t>
+                </a:r>
+                <a:r>
+                  <a:rPr lang="ru-RU" dirty="0"/>
+                  <a:t>такой элемент </a:t>
+                </a:r>
+                <a14:m>
+                  <m:oMath xmlns:m="http://schemas.openxmlformats.org/officeDocument/2006/math">
+                    <m:sSub>
+                      <m:sSubPr>
+                        <m:ctrlPr>
+                          <a:rPr lang="ru-RU" i="1">
+                            <a:latin typeface="Cambria Math" panose="02040503050406030204" pitchFamily="18" charset="0"/>
+                          </a:rPr>
+                        </m:ctrlPr>
+                      </m:sSubPr>
+                      <m:e>
+                        <m:r>
+                          <a:rPr lang="en-US" i="1">
+                            <a:latin typeface="Cambria Math" panose="02040503050406030204" pitchFamily="18" charset="0"/>
+                          </a:rPr>
+                          <m:t>𝑤</m:t>
+                        </m:r>
+                      </m:e>
+                      <m:sub>
+                        <m:r>
+                          <a:rPr lang="en-US" i="1">
+                            <a:latin typeface="Cambria Math" panose="02040503050406030204" pitchFamily="18" charset="0"/>
+                          </a:rPr>
+                          <m:t>𝑛</m:t>
+                        </m:r>
+                      </m:sub>
+                    </m:sSub>
+                  </m:oMath>
+                </a14:m>
+                <a:r>
+                  <a:rPr lang="ru-RU" dirty="0"/>
+                  <a:t>, что выполняется условие</a:t>
+                </a:r>
+                <a:r>
+                  <a:rPr lang="en-US" dirty="0"/>
+                  <a:t> </a:t>
+                </a:r>
+                <a14:m>
+                  <m:oMath xmlns:m="http://schemas.openxmlformats.org/officeDocument/2006/math">
+                    <m:sSup>
+                      <m:sSupPr>
+                        <m:ctrlPr>
+                          <a:rPr lang="ru-RU" i="1" smtClean="0">
+                            <a:latin typeface="Cambria Math" panose="02040503050406030204" pitchFamily="18" charset="0"/>
+                          </a:rPr>
+                        </m:ctrlPr>
+                      </m:sSupPr>
+                      <m:e>
+                        <m:sSub>
+                          <m:sSubPr>
+                            <m:ctrlPr>
+                              <a:rPr lang="ru-RU" i="1">
+                                <a:latin typeface="Cambria Math" panose="02040503050406030204" pitchFamily="18" charset="0"/>
+                              </a:rPr>
+                            </m:ctrlPr>
+                          </m:sSubPr>
+                          <m:e>
+                            <m:r>
+                              <a:rPr lang="en-US" i="1">
+                                <a:latin typeface="Cambria Math" panose="02040503050406030204" pitchFamily="18" charset="0"/>
+                              </a:rPr>
+                              <m:t>(</m:t>
+                            </m:r>
+                            <m:r>
+                              <a:rPr lang="en-US" i="1">
+                                <a:latin typeface="Cambria Math" panose="02040503050406030204" pitchFamily="18" charset="0"/>
+                              </a:rPr>
+                              <m:t>𝑤</m:t>
+                            </m:r>
+                          </m:e>
+                          <m:sub>
+                            <m:r>
+                              <a:rPr lang="en-US" i="1">
+                                <a:latin typeface="Cambria Math" panose="02040503050406030204" pitchFamily="18" charset="0"/>
+                              </a:rPr>
+                              <m:t>𝑛</m:t>
+                            </m:r>
+                          </m:sub>
+                        </m:sSub>
+                        <m:r>
+                          <a:rPr lang="en-US" i="1">
+                            <a:latin typeface="Cambria Math" panose="02040503050406030204" pitchFamily="18" charset="0"/>
+                          </a:rPr>
+                          <m:t>)</m:t>
+                        </m:r>
+                      </m:e>
+                      <m:sup>
+                        <m:r>
+                          <a:rPr lang="en-US" b="0" i="1" smtClean="0">
+                            <a:latin typeface="Cambria Math" panose="02040503050406030204" pitchFamily="18" charset="0"/>
+                          </a:rPr>
+                          <m:t>𝑛</m:t>
+                        </m:r>
+                      </m:sup>
+                    </m:sSup>
+                    <m:r>
+                      <a:rPr lang="en-US" b="0" i="1" smtClean="0">
+                        <a:latin typeface="Cambria Math" panose="02040503050406030204" pitchFamily="18" charset="0"/>
+                      </a:rPr>
+                      <m:t>=1(</m:t>
+                    </m:r>
+                    <m:r>
+                      <a:rPr lang="en-US" b="0" i="1" smtClean="0">
+                        <a:latin typeface="Cambria Math" panose="02040503050406030204" pitchFamily="18" charset="0"/>
+                      </a:rPr>
+                      <m:t>𝑚𝑜𝑑</m:t>
+                    </m:r>
+                    <m:r>
+                      <a:rPr lang="en-US" b="0" i="1" smtClean="0">
+                        <a:latin typeface="Cambria Math" panose="02040503050406030204" pitchFamily="18" charset="0"/>
+                      </a:rPr>
+                      <m:t> </m:t>
+                    </m:r>
+                    <m:r>
+                      <a:rPr lang="en-US" b="0" i="1" smtClean="0">
+                        <a:latin typeface="Cambria Math" panose="02040503050406030204" pitchFamily="18" charset="0"/>
+                      </a:rPr>
+                      <m:t>𝑝</m:t>
+                    </m:r>
+                    <m:r>
+                      <a:rPr lang="en-US" b="0" i="1" smtClean="0">
+                        <a:latin typeface="Cambria Math" panose="02040503050406030204" pitchFamily="18" charset="0"/>
+                      </a:rPr>
+                      <m:t>)</m:t>
+                    </m:r>
+                  </m:oMath>
+                </a14:m>
+                <a:r>
+                  <a:rPr lang="en-US" dirty="0"/>
+                  <a:t>, </a:t>
+                </a:r>
+                <a14:m>
+                  <m:oMath xmlns:m="http://schemas.openxmlformats.org/officeDocument/2006/math">
+                    <m:sSup>
+                      <m:sSupPr>
+                        <m:ctrlPr>
+                          <a:rPr lang="ru-RU" i="1">
+                            <a:latin typeface="Cambria Math" panose="02040503050406030204" pitchFamily="18" charset="0"/>
+                          </a:rPr>
+                        </m:ctrlPr>
+                      </m:sSupPr>
+                      <m:e>
+                        <m:sSub>
+                          <m:sSubPr>
+                            <m:ctrlPr>
+                              <a:rPr lang="ru-RU" i="1">
+                                <a:latin typeface="Cambria Math" panose="02040503050406030204" pitchFamily="18" charset="0"/>
+                              </a:rPr>
+                            </m:ctrlPr>
+                          </m:sSubPr>
+                          <m:e>
+                            <m:r>
+                              <a:rPr lang="en-US" i="1">
+                                <a:latin typeface="Cambria Math" panose="02040503050406030204" pitchFamily="18" charset="0"/>
+                              </a:rPr>
+                              <m:t>(</m:t>
+                            </m:r>
+                            <m:r>
+                              <a:rPr lang="en-US" i="1">
+                                <a:latin typeface="Cambria Math" panose="02040503050406030204" pitchFamily="18" charset="0"/>
+                              </a:rPr>
+                              <m:t>𝑤</m:t>
+                            </m:r>
+                          </m:e>
+                          <m:sub>
+                            <m:r>
+                              <a:rPr lang="en-US" i="1">
+                                <a:latin typeface="Cambria Math" panose="02040503050406030204" pitchFamily="18" charset="0"/>
+                              </a:rPr>
+                              <m:t>𝑛</m:t>
+                            </m:r>
+                          </m:sub>
+                        </m:sSub>
+                        <m:r>
+                          <a:rPr lang="en-US" i="1">
+                            <a:latin typeface="Cambria Math" panose="02040503050406030204" pitchFamily="18" charset="0"/>
+                          </a:rPr>
+                          <m:t>)</m:t>
+                        </m:r>
+                      </m:e>
+                      <m:sup>
+                        <m:r>
+                          <a:rPr lang="en-US" b="0" i="1" smtClean="0">
+                            <a:latin typeface="Cambria Math" panose="02040503050406030204" pitchFamily="18" charset="0"/>
+                          </a:rPr>
+                          <m:t>𝑘</m:t>
+                        </m:r>
+                      </m:sup>
+                    </m:sSup>
+                    <m:r>
+                      <a:rPr lang="en-US" i="1" smtClean="0">
+                        <a:latin typeface="Cambria Math" panose="02040503050406030204" pitchFamily="18" charset="0"/>
+                        <a:ea typeface="Cambria Math" panose="02040503050406030204" pitchFamily="18" charset="0"/>
+                      </a:rPr>
+                      <m:t>≠</m:t>
+                    </m:r>
+                    <m:r>
+                      <a:rPr lang="en-US" i="1">
+                        <a:latin typeface="Cambria Math" panose="02040503050406030204" pitchFamily="18" charset="0"/>
+                      </a:rPr>
+                      <m:t>1(</m:t>
+                    </m:r>
+                    <m:r>
+                      <a:rPr lang="en-US" i="1">
+                        <a:latin typeface="Cambria Math" panose="02040503050406030204" pitchFamily="18" charset="0"/>
+                      </a:rPr>
+                      <m:t>𝑚𝑜𝑑</m:t>
+                    </m:r>
+                    <m:r>
+                      <a:rPr lang="en-US" i="1">
+                        <a:latin typeface="Cambria Math" panose="02040503050406030204" pitchFamily="18" charset="0"/>
+                      </a:rPr>
+                      <m:t> </m:t>
+                    </m:r>
+                    <m:r>
+                      <a:rPr lang="en-US" i="1">
+                        <a:latin typeface="Cambria Math" panose="02040503050406030204" pitchFamily="18" charset="0"/>
+                      </a:rPr>
+                      <m:t>𝑝</m:t>
+                    </m:r>
+                    <m:r>
+                      <a:rPr lang="en-US" i="1">
+                        <a:latin typeface="Cambria Math" panose="02040503050406030204" pitchFamily="18" charset="0"/>
+                      </a:rPr>
+                      <m:t>)</m:t>
+                    </m:r>
+                  </m:oMath>
+                </a14:m>
+                <a:r>
+                  <a:rPr lang="en-US" dirty="0"/>
+                  <a:t>, </a:t>
+                </a:r>
+                <a14:m>
+                  <m:oMath xmlns:m="http://schemas.openxmlformats.org/officeDocument/2006/math">
+                    <m:r>
+                      <a:rPr lang="en-US" b="0" i="1" dirty="0" smtClean="0">
+                        <a:latin typeface="Cambria Math" panose="02040503050406030204" pitchFamily="18" charset="0"/>
+                      </a:rPr>
+                      <m:t>1</m:t>
+                    </m:r>
+                    <m:r>
+                      <a:rPr lang="en-US" b="0" i="1" dirty="0" smtClean="0">
+                        <a:latin typeface="Cambria Math" panose="02040503050406030204" pitchFamily="18" charset="0"/>
+                        <a:ea typeface="Cambria Math" panose="02040503050406030204" pitchFamily="18" charset="0"/>
+                      </a:rPr>
+                      <m:t>≤</m:t>
+                    </m:r>
+                    <m:r>
+                      <a:rPr lang="en-US" b="0" i="1" dirty="0" smtClean="0">
+                        <a:latin typeface="Cambria Math" panose="02040503050406030204" pitchFamily="18" charset="0"/>
+                        <a:ea typeface="Cambria Math" panose="02040503050406030204" pitchFamily="18" charset="0"/>
+                      </a:rPr>
+                      <m:t>𝑘</m:t>
+                    </m:r>
+                    <m:r>
+                      <a:rPr lang="en-US" b="0" i="1" dirty="0" smtClean="0">
+                        <a:latin typeface="Cambria Math" panose="02040503050406030204" pitchFamily="18" charset="0"/>
+                        <a:ea typeface="Cambria Math" panose="02040503050406030204" pitchFamily="18" charset="0"/>
+                      </a:rPr>
+                      <m:t>&lt;</m:t>
+                    </m:r>
+                    <m:r>
+                      <a:rPr lang="en-US" b="0" i="1" dirty="0" smtClean="0">
+                        <a:latin typeface="Cambria Math" panose="02040503050406030204" pitchFamily="18" charset="0"/>
+                        <a:ea typeface="Cambria Math" panose="02040503050406030204" pitchFamily="18" charset="0"/>
+                      </a:rPr>
+                      <m:t>𝑛</m:t>
+                    </m:r>
+                  </m:oMath>
+                </a14:m>
+                <a:r>
+                  <a:rPr lang="en-US" dirty="0"/>
+                  <a:t>;</a:t>
+                </a:r>
+              </a:p>
+              <a:p>
+                <a:r>
+                  <a:rPr lang="ru-RU" dirty="0"/>
+                  <a:t>При этом </a:t>
+                </a:r>
+                <a:r>
+                  <a:rPr lang="en-US" dirty="0"/>
+                  <a:t>n </a:t>
+                </a:r>
+                <a:r>
+                  <a:rPr lang="ru-RU" dirty="0"/>
+                  <a:t>должно быть степенью двойки, то есть</a:t>
+                </a:r>
+                <a:r>
+                  <a:rPr lang="en-US" dirty="0"/>
+                  <a:t> </a:t>
+                </a:r>
+                <a14:m>
+                  <m:oMath xmlns:m="http://schemas.openxmlformats.org/officeDocument/2006/math">
+                    <m:r>
+                      <m:rPr>
+                        <m:sty m:val="p"/>
+                      </m:rPr>
+                      <a:rPr lang="en-US" b="0" i="0" smtClean="0">
+                        <a:latin typeface="Cambria Math" panose="02040503050406030204" pitchFamily="18" charset="0"/>
+                      </a:rPr>
+                      <m:t>n</m:t>
+                    </m:r>
+                    <m:r>
+                      <a:rPr lang="en-US" b="0" i="0" smtClean="0">
+                        <a:latin typeface="Cambria Math" panose="02040503050406030204" pitchFamily="18" charset="0"/>
+                      </a:rPr>
+                      <m:t>=</m:t>
+                    </m:r>
+                    <m:sSup>
+                      <m:sSupPr>
+                        <m:ctrlPr>
+                          <a:rPr lang="en-US" i="1" smtClean="0">
+                            <a:latin typeface="Cambria Math" panose="02040503050406030204" pitchFamily="18" charset="0"/>
+                          </a:rPr>
+                        </m:ctrlPr>
+                      </m:sSupPr>
+                      <m:e>
+                        <m:r>
+                          <a:rPr lang="en-US" b="0" i="1" smtClean="0">
+                            <a:latin typeface="Cambria Math" panose="02040503050406030204" pitchFamily="18" charset="0"/>
+                          </a:rPr>
+                          <m:t>2</m:t>
+                        </m:r>
+                      </m:e>
+                      <m:sup>
+                        <m:r>
+                          <a:rPr lang="en-US" b="0" i="1" smtClean="0">
+                            <a:latin typeface="Cambria Math" panose="02040503050406030204" pitchFamily="18" charset="0"/>
+                          </a:rPr>
+                          <m:t>𝑚</m:t>
+                        </m:r>
+                      </m:sup>
+                    </m:sSup>
+                  </m:oMath>
+                </a14:m>
+                <a:r>
+                  <a:rPr lang="en-US" dirty="0"/>
+                  <a:t>;</a:t>
+                </a:r>
+              </a:p>
+              <a:p>
+                <a:r>
+                  <a:rPr lang="ru-RU" dirty="0"/>
+                  <a:t>Элемент </a:t>
+                </a:r>
+                <a14:m>
+                  <m:oMath xmlns:m="http://schemas.openxmlformats.org/officeDocument/2006/math">
+                    <m:sSub>
+                      <m:sSubPr>
+                        <m:ctrlPr>
+                          <a:rPr lang="ru-RU" i="1" smtClean="0">
+                            <a:latin typeface="Cambria Math" panose="02040503050406030204" pitchFamily="18" charset="0"/>
+                          </a:rPr>
+                        </m:ctrlPr>
+                      </m:sSubPr>
+                      <m:e>
+                        <m:r>
+                          <a:rPr lang="en-US" i="1">
+                            <a:latin typeface="Cambria Math" panose="02040503050406030204" pitchFamily="18" charset="0"/>
+                          </a:rPr>
+                          <m:t>𝑤</m:t>
+                        </m:r>
+                      </m:e>
+                      <m:sub>
+                        <m:r>
+                          <a:rPr lang="en-US" i="1">
+                            <a:latin typeface="Cambria Math" panose="02040503050406030204" pitchFamily="18" charset="0"/>
+                          </a:rPr>
+                          <m:t>𝑛</m:t>
+                        </m:r>
+                      </m:sub>
+                    </m:sSub>
+                  </m:oMath>
+                </a14:m>
+                <a:r>
+                  <a:rPr lang="ru-RU" dirty="0"/>
+                  <a:t> будет использоваться для расчета БПФ, обратный к нему </a:t>
+                </a:r>
+                <a14:m>
+                  <m:oMath xmlns:m="http://schemas.openxmlformats.org/officeDocument/2006/math">
+                    <m:sSubSup>
+                      <m:sSubSupPr>
+                        <m:ctrlPr>
+                          <a:rPr lang="ru-RU" i="1" smtClean="0">
+                            <a:latin typeface="Cambria Math" panose="02040503050406030204" pitchFamily="18" charset="0"/>
+                          </a:rPr>
+                        </m:ctrlPr>
+                      </m:sSubSupPr>
+                      <m:e>
+                        <m:r>
+                          <a:rPr lang="en-US" b="0" i="1" smtClean="0">
+                            <a:latin typeface="Cambria Math" panose="02040503050406030204" pitchFamily="18" charset="0"/>
+                          </a:rPr>
+                          <m:t>𝑤</m:t>
+                        </m:r>
+                      </m:e>
+                      <m:sub>
+                        <m:r>
+                          <a:rPr lang="en-US" b="0" i="1" smtClean="0">
+                            <a:latin typeface="Cambria Math" panose="02040503050406030204" pitchFamily="18" charset="0"/>
+                          </a:rPr>
+                          <m:t>𝑛</m:t>
+                        </m:r>
+                      </m:sub>
+                      <m:sup>
+                        <m:r>
+                          <a:rPr lang="en-US" b="0" i="1" smtClean="0">
+                            <a:latin typeface="Cambria Math" panose="02040503050406030204" pitchFamily="18" charset="0"/>
+                          </a:rPr>
+                          <m:t>−1</m:t>
+                        </m:r>
+                      </m:sup>
+                    </m:sSubSup>
+                  </m:oMath>
+                </a14:m>
+                <a:r>
+                  <a:rPr lang="en-US" dirty="0"/>
+                  <a:t> </a:t>
+                </a:r>
+                <a:r>
+                  <a:rPr lang="ru-RU" dirty="0"/>
+                  <a:t>для </a:t>
+                </a:r>
+                <a:r>
+                  <a:rPr lang="ru-RU"/>
+                  <a:t>расчета обратного БПФ.</a:t>
+                </a:r>
+                <a:endParaRPr lang="ru-RU" dirty="0"/>
+              </a:p>
+            </p:txBody>
+          </p:sp>
+        </mc:Choice>
+        <mc:Fallback>
+          <p:sp>
+            <p:nvSpPr>
+              <p:cNvPr id="3" name="Объект 2"/>
+              <p:cNvSpPr>
+                <a:spLocks noGrp="1" noRot="1" noChangeAspect="1" noMove="1" noResize="1" noEditPoints="1" noAdjustHandles="1" noChangeArrowheads="1" noChangeShapeType="1" noTextEdit="1"/>
+              </p:cNvSpPr>
+              <p:nvPr>
+                <p:ph idx="1"/>
+              </p:nvPr>
+            </p:nvSpPr>
+            <p:spPr>
+              <a:blipFill>
+                <a:blip r:embed="rId2"/>
+                <a:stretch>
+                  <a:fillRect l="-1231" t="-516"/>
+                </a:stretch>
+              </a:blipFill>
+            </p:spPr>
+            <p:txBody>
+              <a:bodyPr/>
+              <a:lstStyle/>
+              <a:p>
+                <a:r>
+                  <a:rPr lang="ru-RU">
+                    <a:noFill/>
+                  </a:rPr>
+                  <a:t> </a:t>
+                </a:r>
+              </a:p>
+            </p:txBody>
+          </p:sp>
+        </mc:Fallback>
+      </mc:AlternateContent>
     </p:spTree>
     <p:extLst>
       <p:ext uri="{BB962C8B-B14F-4D97-AF65-F5344CB8AC3E}">
@@ -12914,6 +13613,1477 @@
           <a:chExt cx="0" cy="0"/>
         </a:xfrm>
       </p:grpSpPr>
+      <mc:AlternateContent xmlns:mc="http://schemas.openxmlformats.org/markup-compatibility/2006">
+        <mc:Choice xmlns:a14="http://schemas.microsoft.com/office/drawing/2010/main" Requires="a14">
+          <p:sp>
+            <p:nvSpPr>
+              <p:cNvPr id="2" name="Заголовок 1">
+                <a:extLst>
+                  <a:ext uri="{FF2B5EF4-FFF2-40B4-BE49-F238E27FC236}">
+                    <a16:creationId xmlns:a16="http://schemas.microsoft.com/office/drawing/2014/main" id="{CC84B333-B36E-45E5-9886-7781609CB774}"/>
+                  </a:ext>
+                </a:extLst>
+              </p:cNvPr>
+              <p:cNvSpPr>
+                <a:spLocks noGrp="1"/>
+              </p:cNvSpPr>
+              <p:nvPr>
+                <p:ph type="title"/>
+              </p:nvPr>
+            </p:nvSpPr>
+            <p:spPr/>
+            <p:txBody>
+              <a:bodyPr/>
+              <a:lstStyle/>
+              <a:p>
+                <a:r>
+                  <a:rPr lang="ru-RU" dirty="0"/>
+                  <a:t>Умножение многочленов в </a:t>
+                </a:r>
+                <a14:m>
+                  <m:oMath xmlns:m="http://schemas.openxmlformats.org/officeDocument/2006/math">
+                    <m:sSub>
+                      <m:sSubPr>
+                        <m:ctrlPr>
+                          <a:rPr lang="ru-RU" i="1" smtClean="0">
+                            <a:latin typeface="Cambria Math" panose="02040503050406030204" pitchFamily="18" charset="0"/>
+                          </a:rPr>
+                        </m:ctrlPr>
+                      </m:sSubPr>
+                      <m:e>
+                        <m:r>
+                          <a:rPr lang="en-US" b="0" i="1" smtClean="0">
+                            <a:latin typeface="Cambria Math" panose="02040503050406030204" pitchFamily="18" charset="0"/>
+                          </a:rPr>
+                          <m:t>𝑍</m:t>
+                        </m:r>
+                      </m:e>
+                      <m:sub>
+                        <m:r>
+                          <a:rPr lang="en-US" b="0" i="1" smtClean="0">
+                            <a:latin typeface="Cambria Math" panose="02040503050406030204" pitchFamily="18" charset="0"/>
+                          </a:rPr>
+                          <m:t>𝑝</m:t>
+                        </m:r>
+                      </m:sub>
+                    </m:sSub>
+                  </m:oMath>
+                </a14:m>
+                <a:r>
+                  <a:rPr lang="ru-RU" dirty="0"/>
+                  <a:t> с помощью быстрого преобразования </a:t>
+                </a:r>
+                <a:r>
+                  <a:rPr lang="ru-RU" dirty="0" err="1"/>
+                  <a:t>фурье</a:t>
+                </a:r>
+                <a:endParaRPr lang="ru-RU" dirty="0"/>
+              </a:p>
+            </p:txBody>
+          </p:sp>
+        </mc:Choice>
+        <mc:Fallback>
+          <p:sp>
+            <p:nvSpPr>
+              <p:cNvPr id="2" name="Заголовок 1">
+                <a:extLst>
+                  <a:ext uri="{FF2B5EF4-FFF2-40B4-BE49-F238E27FC236}">
+                    <a16:creationId xmlns:a16="http://schemas.microsoft.com/office/drawing/2014/main" id="{CC84B333-B36E-45E5-9886-7781609CB774}"/>
+                  </a:ext>
+                </a:extLst>
+              </p:cNvPr>
+              <p:cNvSpPr>
+                <a:spLocks noGrp="1" noRot="1" noChangeAspect="1" noMove="1" noResize="1" noEditPoints="1" noAdjustHandles="1" noChangeArrowheads="1" noChangeShapeType="1" noTextEdit="1"/>
+              </p:cNvSpPr>
+              <p:nvPr>
+                <p:ph type="title"/>
+              </p:nvPr>
+            </p:nvSpPr>
+            <p:spPr>
+              <a:blipFill>
+                <a:blip r:embed="rId2"/>
+                <a:stretch>
+                  <a:fillRect l="-1846" r="-738" b="-3704"/>
+                </a:stretch>
+              </a:blipFill>
+            </p:spPr>
+            <p:txBody>
+              <a:bodyPr/>
+              <a:lstStyle/>
+              <a:p>
+                <a:r>
+                  <a:rPr lang="ru-RU">
+                    <a:noFill/>
+                  </a:rPr>
+                  <a:t> </a:t>
+                </a:r>
+              </a:p>
+            </p:txBody>
+          </p:sp>
+        </mc:Fallback>
+      </mc:AlternateContent>
+      <mc:AlternateContent xmlns:mc="http://schemas.openxmlformats.org/markup-compatibility/2006">
+        <mc:Choice xmlns:a14="http://schemas.microsoft.com/office/drawing/2010/main" Requires="a14">
+          <p:sp>
+            <p:nvSpPr>
+              <p:cNvPr id="3" name="Объект 2">
+                <a:extLst>
+                  <a:ext uri="{FF2B5EF4-FFF2-40B4-BE49-F238E27FC236}">
+                    <a16:creationId xmlns:a16="http://schemas.microsoft.com/office/drawing/2014/main" id="{343D31E8-6153-4084-B2DA-A95FCBF976EA}"/>
+                  </a:ext>
+                </a:extLst>
+              </p:cNvPr>
+              <p:cNvSpPr>
+                <a:spLocks noGrp="1"/>
+              </p:cNvSpPr>
+              <p:nvPr>
+                <p:ph idx="1"/>
+              </p:nvPr>
+            </p:nvSpPr>
+            <p:spPr/>
+            <p:txBody>
+              <a:bodyPr>
+                <a:normAutofit lnSpcReduction="10000"/>
+              </a:bodyPr>
+              <a:lstStyle/>
+              <a:p>
+                <a:r>
+                  <a:rPr lang="ru-RU" dirty="0"/>
+                  <a:t>Для умножения многочленов </a:t>
+                </a:r>
+                <a14:m>
+                  <m:oMath xmlns:m="http://schemas.openxmlformats.org/officeDocument/2006/math">
+                    <m:r>
+                      <a:rPr lang="ru-RU" i="1" smtClean="0">
+                        <a:effectLst/>
+                        <a:latin typeface="Cambria Math" panose="02040503050406030204" pitchFamily="18" charset="0"/>
+                        <a:ea typeface="Cambria Math" panose="02040503050406030204" pitchFamily="18" charset="0"/>
+                        <a:cs typeface="Times New Roman" panose="02020603050405020304" pitchFamily="18" charset="0"/>
+                      </a:rPr>
+                      <m:t>𝐴</m:t>
+                    </m:r>
+                    <m:d>
+                      <m:dPr>
+                        <m:ctrlPr>
+                          <a:rPr lang="ru-RU" i="1">
+                            <a:effectLst/>
+                            <a:latin typeface="Cambria Math" panose="02040503050406030204" pitchFamily="18" charset="0"/>
+                            <a:ea typeface="Cambria Math" panose="02040503050406030204" pitchFamily="18" charset="0"/>
+                            <a:cs typeface="Times New Roman" panose="02020603050405020304" pitchFamily="18" charset="0"/>
+                          </a:rPr>
+                        </m:ctrlPr>
+                      </m:dPr>
+                      <m:e>
+                        <m:r>
+                          <a:rPr lang="ru-RU" i="1">
+                            <a:effectLst/>
+                            <a:latin typeface="Cambria Math" panose="02040503050406030204" pitchFamily="18" charset="0"/>
+                            <a:ea typeface="Cambria Math" panose="02040503050406030204" pitchFamily="18" charset="0"/>
+                            <a:cs typeface="Times New Roman" panose="02020603050405020304" pitchFamily="18" charset="0"/>
+                          </a:rPr>
+                          <m:t>𝑥</m:t>
+                        </m:r>
+                      </m:e>
+                    </m:d>
+                  </m:oMath>
+                </a14:m>
+                <a:r>
+                  <a:rPr lang="ru-RU" dirty="0"/>
+                  <a:t> и </a:t>
+                </a:r>
+                <a14:m>
+                  <m:oMath xmlns:m="http://schemas.openxmlformats.org/officeDocument/2006/math">
+                    <m:r>
+                      <a:rPr lang="ru-RU" i="1">
+                        <a:latin typeface="Cambria Math" panose="02040503050406030204" pitchFamily="18" charset="0"/>
+                        <a:ea typeface="Cambria Math" panose="02040503050406030204" pitchFamily="18" charset="0"/>
+                        <a:cs typeface="Times New Roman" panose="02020603050405020304" pitchFamily="18" charset="0"/>
+                      </a:rPr>
+                      <m:t>𝐵</m:t>
+                    </m:r>
+                    <m:d>
+                      <m:dPr>
+                        <m:ctrlPr>
+                          <a:rPr lang="ru-RU" i="1">
+                            <a:latin typeface="Cambria Math" panose="02040503050406030204" pitchFamily="18" charset="0"/>
+                            <a:ea typeface="Cambria Math" panose="02040503050406030204" pitchFamily="18" charset="0"/>
+                            <a:cs typeface="Times New Roman" panose="02020603050405020304" pitchFamily="18" charset="0"/>
+                          </a:rPr>
+                        </m:ctrlPr>
+                      </m:dPr>
+                      <m:e>
+                        <m:r>
+                          <a:rPr lang="ru-RU" i="1">
+                            <a:latin typeface="Cambria Math" panose="02040503050406030204" pitchFamily="18" charset="0"/>
+                            <a:ea typeface="Cambria Math" panose="02040503050406030204" pitchFamily="18" charset="0"/>
+                            <a:cs typeface="Times New Roman" panose="02020603050405020304" pitchFamily="18" charset="0"/>
+                          </a:rPr>
+                          <m:t>𝑥</m:t>
+                        </m:r>
+                      </m:e>
+                    </m:d>
+                  </m:oMath>
+                </a14:m>
+                <a:r>
+                  <a:rPr lang="ru-RU" dirty="0"/>
+                  <a:t> число </a:t>
+                </a:r>
+                <a:r>
+                  <a:rPr lang="en-US" dirty="0">
+                    <a:latin typeface="Cambria Math" panose="02040503050406030204" pitchFamily="18" charset="0"/>
+                    <a:ea typeface="Cambria Math" panose="02040503050406030204" pitchFamily="18" charset="0"/>
+                  </a:rPr>
+                  <a:t>n</a:t>
+                </a:r>
+                <a:r>
+                  <a:rPr lang="en-US" dirty="0"/>
+                  <a:t> </a:t>
+                </a:r>
+                <a:r>
+                  <a:rPr lang="ru-RU" dirty="0"/>
+                  <a:t>также должно быть таким, чтобы выполнялось следующее условие:</a:t>
+                </a:r>
+              </a:p>
+              <a:p>
+                <a:pPr marL="0" indent="0" algn="ctr">
+                  <a:buNone/>
+                </a:pPr>
+                <a:r>
+                  <a:rPr lang="ru-RU" dirty="0"/>
+                  <a:t> </a:t>
+                </a:r>
+                <a14:m>
+                  <m:oMath xmlns:m="http://schemas.openxmlformats.org/officeDocument/2006/math">
+                    <m:r>
+                      <a:rPr lang="ru-RU" i="1" smtClean="0">
+                        <a:effectLst/>
+                        <a:latin typeface="Cambria Math" panose="02040503050406030204" pitchFamily="18" charset="0"/>
+                        <a:ea typeface="Cambria Math" panose="02040503050406030204" pitchFamily="18" charset="0"/>
+                        <a:cs typeface="Times New Roman" panose="02020603050405020304" pitchFamily="18" charset="0"/>
+                      </a:rPr>
+                      <m:t>𝑜𝑟𝑑</m:t>
+                    </m:r>
+                    <m:sSub>
+                      <m:sSubPr>
+                        <m:ctrlPr>
+                          <a:rPr lang="ru-RU" i="1">
+                            <a:effectLst/>
+                            <a:latin typeface="Cambria Math" panose="02040503050406030204" pitchFamily="18" charset="0"/>
+                            <a:ea typeface="Cambria Math" panose="02040503050406030204" pitchFamily="18" charset="0"/>
+                            <a:cs typeface="Times New Roman" panose="02020603050405020304" pitchFamily="18" charset="0"/>
+                          </a:rPr>
+                        </m:ctrlPr>
+                      </m:sSubPr>
+                      <m:e>
+                        <m:r>
+                          <m:rPr>
+                            <m:sty m:val="p"/>
+                          </m:rPr>
+                          <a:rPr lang="en-US">
+                            <a:effectLst/>
+                            <a:latin typeface="Cambria Math" panose="02040503050406030204" pitchFamily="18" charset="0"/>
+                            <a:ea typeface="Cambria Math" panose="02040503050406030204" pitchFamily="18" charset="0"/>
+                            <a:cs typeface="Times New Roman" panose="02020603050405020304" pitchFamily="18" charset="0"/>
+                          </a:rPr>
+                          <m:t>W</m:t>
+                        </m:r>
+                      </m:e>
+                      <m:sub>
+                        <m:r>
+                          <a:rPr lang="en-US" i="1">
+                            <a:effectLst/>
+                            <a:latin typeface="Cambria Math" panose="02040503050406030204" pitchFamily="18" charset="0"/>
+                            <a:ea typeface="Cambria Math" panose="02040503050406030204" pitchFamily="18" charset="0"/>
+                            <a:cs typeface="Times New Roman" panose="02020603050405020304" pitchFamily="18" charset="0"/>
+                          </a:rPr>
+                          <m:t>𝑛</m:t>
+                        </m:r>
+                      </m:sub>
+                    </m:sSub>
+                    <m:r>
+                      <a:rPr lang="ru-RU" i="1">
+                        <a:effectLst/>
+                        <a:latin typeface="Cambria Math" panose="02040503050406030204" pitchFamily="18" charset="0"/>
+                        <a:ea typeface="Cambria Math" panose="02040503050406030204" pitchFamily="18" charset="0"/>
+                        <a:cs typeface="Times New Roman" panose="02020603050405020304" pitchFamily="18" charset="0"/>
+                      </a:rPr>
+                      <m:t>=</m:t>
+                    </m:r>
+                    <m:r>
+                      <m:rPr>
+                        <m:sty m:val="p"/>
+                      </m:rPr>
+                      <a:rPr lang="en-US">
+                        <a:effectLst/>
+                        <a:latin typeface="Cambria Math" panose="02040503050406030204" pitchFamily="18" charset="0"/>
+                        <a:ea typeface="Cambria Math" panose="02040503050406030204" pitchFamily="18" charset="0"/>
+                        <a:cs typeface="Times New Roman" panose="02020603050405020304" pitchFamily="18" charset="0"/>
+                      </a:rPr>
+                      <m:t>n</m:t>
+                    </m:r>
+                    <m:r>
+                      <a:rPr lang="ru-RU" i="1">
+                        <a:effectLst/>
+                        <a:latin typeface="Cambria Math" panose="02040503050406030204" pitchFamily="18" charset="0"/>
+                        <a:ea typeface="Cambria Math" panose="02040503050406030204" pitchFamily="18" charset="0"/>
+                        <a:cs typeface="Times New Roman" panose="02020603050405020304" pitchFamily="18" charset="0"/>
+                      </a:rPr>
+                      <m:t>=</m:t>
+                    </m:r>
+                    <m:sSup>
+                      <m:sSupPr>
+                        <m:ctrlPr>
+                          <a:rPr lang="ru-RU" i="1">
+                            <a:effectLst/>
+                            <a:latin typeface="Cambria Math" panose="02040503050406030204" pitchFamily="18" charset="0"/>
+                            <a:ea typeface="Cambria Math" panose="02040503050406030204" pitchFamily="18" charset="0"/>
+                            <a:cs typeface="Times New Roman" panose="02020603050405020304" pitchFamily="18" charset="0"/>
+                          </a:rPr>
+                        </m:ctrlPr>
+                      </m:sSupPr>
+                      <m:e>
+                        <m:r>
+                          <a:rPr lang="ru-RU" i="1">
+                            <a:effectLst/>
+                            <a:latin typeface="Cambria Math" panose="02040503050406030204" pitchFamily="18" charset="0"/>
+                            <a:ea typeface="Cambria Math" panose="02040503050406030204" pitchFamily="18" charset="0"/>
+                            <a:cs typeface="Times New Roman" panose="02020603050405020304" pitchFamily="18" charset="0"/>
+                          </a:rPr>
+                          <m:t>2</m:t>
+                        </m:r>
+                      </m:e>
+                      <m:sup>
+                        <m:r>
+                          <a:rPr lang="en-US" b="0" i="1" smtClean="0">
+                            <a:effectLst/>
+                            <a:latin typeface="Cambria Math" panose="02040503050406030204" pitchFamily="18" charset="0"/>
+                            <a:ea typeface="Cambria Math" panose="02040503050406030204" pitchFamily="18" charset="0"/>
+                            <a:cs typeface="Times New Roman" panose="02020603050405020304" pitchFamily="18" charset="0"/>
+                          </a:rPr>
+                          <m:t>𝑚</m:t>
+                        </m:r>
+                      </m:sup>
+                    </m:sSup>
+                    <m:r>
+                      <a:rPr lang="ru-RU" i="1">
+                        <a:effectLst/>
+                        <a:latin typeface="Cambria Math" panose="02040503050406030204" pitchFamily="18" charset="0"/>
+                        <a:ea typeface="Cambria Math" panose="02040503050406030204" pitchFamily="18" charset="0"/>
+                        <a:cs typeface="Times New Roman" panose="02020603050405020304" pitchFamily="18" charset="0"/>
+                      </a:rPr>
+                      <m:t>&gt;</m:t>
+                    </m:r>
+                    <m:r>
+                      <a:rPr lang="ru-RU" i="1">
+                        <a:effectLst/>
+                        <a:latin typeface="Cambria Math" panose="02040503050406030204" pitchFamily="18" charset="0"/>
+                        <a:ea typeface="Cambria Math" panose="02040503050406030204" pitchFamily="18" charset="0"/>
+                        <a:cs typeface="Times New Roman" panose="02020603050405020304" pitchFamily="18" charset="0"/>
+                      </a:rPr>
+                      <m:t>𝑑𝑒𝑔𝐴</m:t>
+                    </m:r>
+                    <m:d>
+                      <m:dPr>
+                        <m:ctrlPr>
+                          <a:rPr lang="ru-RU" i="1">
+                            <a:effectLst/>
+                            <a:latin typeface="Cambria Math" panose="02040503050406030204" pitchFamily="18" charset="0"/>
+                            <a:ea typeface="Cambria Math" panose="02040503050406030204" pitchFamily="18" charset="0"/>
+                            <a:cs typeface="Times New Roman" panose="02020603050405020304" pitchFamily="18" charset="0"/>
+                          </a:rPr>
+                        </m:ctrlPr>
+                      </m:dPr>
+                      <m:e>
+                        <m:r>
+                          <a:rPr lang="ru-RU" i="1">
+                            <a:effectLst/>
+                            <a:latin typeface="Cambria Math" panose="02040503050406030204" pitchFamily="18" charset="0"/>
+                            <a:ea typeface="Cambria Math" panose="02040503050406030204" pitchFamily="18" charset="0"/>
+                            <a:cs typeface="Times New Roman" panose="02020603050405020304" pitchFamily="18" charset="0"/>
+                          </a:rPr>
+                          <m:t>𝑥</m:t>
+                        </m:r>
+                      </m:e>
+                    </m:d>
+                    <m:r>
+                      <a:rPr lang="ru-RU" i="1">
+                        <a:effectLst/>
+                        <a:latin typeface="Cambria Math" panose="02040503050406030204" pitchFamily="18" charset="0"/>
+                        <a:ea typeface="Cambria Math" panose="02040503050406030204" pitchFamily="18" charset="0"/>
+                        <a:cs typeface="Times New Roman" panose="02020603050405020304" pitchFamily="18" charset="0"/>
+                      </a:rPr>
+                      <m:t>+</m:t>
+                    </m:r>
+                    <m:r>
+                      <m:rPr>
+                        <m:sty m:val="p"/>
+                      </m:rPr>
+                      <a:rPr lang="ru-RU">
+                        <a:effectLst/>
+                        <a:latin typeface="Cambria Math" panose="02040503050406030204" pitchFamily="18" charset="0"/>
+                        <a:ea typeface="Cambria Math" panose="02040503050406030204" pitchFamily="18" charset="0"/>
+                        <a:cs typeface="Times New Roman" panose="02020603050405020304" pitchFamily="18" charset="0"/>
+                      </a:rPr>
+                      <m:t>deg</m:t>
+                    </m:r>
+                    <m:r>
+                      <a:rPr lang="ru-RU" i="1">
+                        <a:effectLst/>
+                        <a:latin typeface="Cambria Math" panose="02040503050406030204" pitchFamily="18" charset="0"/>
+                        <a:ea typeface="Cambria Math" panose="02040503050406030204" pitchFamily="18" charset="0"/>
+                        <a:cs typeface="Times New Roman" panose="02020603050405020304" pitchFamily="18" charset="0"/>
+                      </a:rPr>
+                      <m:t>𝐵</m:t>
+                    </m:r>
+                    <m:r>
+                      <a:rPr lang="ru-RU" i="1">
+                        <a:effectLst/>
+                        <a:latin typeface="Cambria Math" panose="02040503050406030204" pitchFamily="18" charset="0"/>
+                        <a:ea typeface="Cambria Math" panose="02040503050406030204" pitchFamily="18" charset="0"/>
+                        <a:cs typeface="Times New Roman" panose="02020603050405020304" pitchFamily="18" charset="0"/>
+                      </a:rPr>
+                      <m:t>(</m:t>
+                    </m:r>
+                    <m:r>
+                      <a:rPr lang="ru-RU" i="1">
+                        <a:effectLst/>
+                        <a:latin typeface="Cambria Math" panose="02040503050406030204" pitchFamily="18" charset="0"/>
+                        <a:ea typeface="Cambria Math" panose="02040503050406030204" pitchFamily="18" charset="0"/>
+                        <a:cs typeface="Times New Roman" panose="02020603050405020304" pitchFamily="18" charset="0"/>
+                      </a:rPr>
+                      <m:t>𝑥</m:t>
+                    </m:r>
+                    <m:r>
+                      <a:rPr lang="ru-RU" i="1">
+                        <a:effectLst/>
+                        <a:latin typeface="Cambria Math" panose="02040503050406030204" pitchFamily="18" charset="0"/>
+                        <a:ea typeface="Cambria Math" panose="02040503050406030204" pitchFamily="18" charset="0"/>
+                        <a:cs typeface="Times New Roman" panose="02020603050405020304" pitchFamily="18" charset="0"/>
+                      </a:rPr>
+                      <m:t>)</m:t>
+                    </m:r>
+                  </m:oMath>
+                </a14:m>
+                <a:endParaRPr lang="ru-RU" dirty="0">
+                  <a:latin typeface="Cambria Math" panose="02040503050406030204" pitchFamily="18" charset="0"/>
+                  <a:ea typeface="Cambria Math" panose="02040503050406030204" pitchFamily="18" charset="0"/>
+                  <a:cs typeface="Times New Roman" panose="02020603050405020304" pitchFamily="18" charset="0"/>
+                </a:endParaRPr>
+              </a:p>
+              <a:p>
+                <a:pPr marL="0" indent="0">
+                  <a:buNone/>
+                </a:pPr>
+                <a:r>
+                  <a:rPr lang="ru-RU" dirty="0">
+                    <a:latin typeface="Cambria Math" panose="02040503050406030204" pitchFamily="18" charset="0"/>
+                    <a:ea typeface="Cambria Math" panose="02040503050406030204" pitchFamily="18" charset="0"/>
+                    <a:cs typeface="Times New Roman" panose="02020603050405020304" pitchFamily="18" charset="0"/>
+                  </a:rPr>
+                  <a:t>то есть число</a:t>
+                </a:r>
+                <a:r>
+                  <a:rPr lang="en-US" dirty="0">
+                    <a:latin typeface="Cambria Math" panose="02040503050406030204" pitchFamily="18" charset="0"/>
+                    <a:ea typeface="Cambria Math" panose="02040503050406030204" pitchFamily="18" charset="0"/>
+                    <a:cs typeface="Times New Roman" panose="02020603050405020304" pitchFamily="18" charset="0"/>
+                  </a:rPr>
+                  <a:t> n </a:t>
+                </a:r>
+                <a:r>
+                  <a:rPr lang="ru-RU" dirty="0">
+                    <a:latin typeface="Cambria Math" panose="02040503050406030204" pitchFamily="18" charset="0"/>
+                    <a:ea typeface="Cambria Math" panose="02040503050406030204" pitchFamily="18" charset="0"/>
+                    <a:cs typeface="Times New Roman" panose="02020603050405020304" pitchFamily="18" charset="0"/>
+                  </a:rPr>
+                  <a:t>должно быть не меньше, чем степень итогового многочлена после перемножения</a:t>
+                </a:r>
+              </a:p>
+              <a:p>
+                <a:r>
+                  <a:rPr lang="ru-RU" dirty="0">
+                    <a:effectLst/>
+                    <a:latin typeface="Cambria Math" panose="02040503050406030204" pitchFamily="18" charset="0"/>
+                    <a:ea typeface="Cambria Math" panose="02040503050406030204" pitchFamily="18" charset="0"/>
+                    <a:cs typeface="Times New Roman" panose="02020603050405020304" pitchFamily="18" charset="0"/>
+                  </a:rPr>
+                  <a:t>Векторы коэффициентов многочленов </a:t>
+                </a:r>
+                <a14:m>
+                  <m:oMath xmlns:m="http://schemas.openxmlformats.org/officeDocument/2006/math">
+                    <m:r>
+                      <a:rPr lang="ru-RU" i="1" smtClean="0">
+                        <a:effectLst/>
+                        <a:latin typeface="Cambria Math" panose="02040503050406030204" pitchFamily="18" charset="0"/>
+                        <a:ea typeface="Cambria Math" panose="02040503050406030204" pitchFamily="18" charset="0"/>
+                        <a:cs typeface="Times New Roman" panose="02020603050405020304" pitchFamily="18" charset="0"/>
+                      </a:rPr>
+                      <m:t>𝐴</m:t>
+                    </m:r>
+                    <m:d>
+                      <m:dPr>
+                        <m:ctrlPr>
+                          <a:rPr lang="ru-RU" i="1">
+                            <a:effectLst/>
+                            <a:latin typeface="Cambria Math" panose="02040503050406030204" pitchFamily="18" charset="0"/>
+                            <a:ea typeface="Cambria Math" panose="02040503050406030204" pitchFamily="18" charset="0"/>
+                            <a:cs typeface="Times New Roman" panose="02020603050405020304" pitchFamily="18" charset="0"/>
+                          </a:rPr>
+                        </m:ctrlPr>
+                      </m:dPr>
+                      <m:e>
+                        <m:r>
+                          <a:rPr lang="ru-RU" i="1">
+                            <a:effectLst/>
+                            <a:latin typeface="Cambria Math" panose="02040503050406030204" pitchFamily="18" charset="0"/>
+                            <a:ea typeface="Cambria Math" panose="02040503050406030204" pitchFamily="18" charset="0"/>
+                            <a:cs typeface="Times New Roman" panose="02020603050405020304" pitchFamily="18" charset="0"/>
+                          </a:rPr>
+                          <m:t>𝑥</m:t>
+                        </m:r>
+                      </m:e>
+                    </m:d>
+                  </m:oMath>
+                </a14:m>
+                <a:r>
+                  <a:rPr lang="ru-RU" dirty="0"/>
+                  <a:t> и </a:t>
+                </a:r>
+                <a14:m>
+                  <m:oMath xmlns:m="http://schemas.openxmlformats.org/officeDocument/2006/math">
+                    <m:r>
+                      <a:rPr lang="ru-RU" i="1">
+                        <a:latin typeface="Cambria Math" panose="02040503050406030204" pitchFamily="18" charset="0"/>
+                        <a:ea typeface="Cambria Math" panose="02040503050406030204" pitchFamily="18" charset="0"/>
+                        <a:cs typeface="Times New Roman" panose="02020603050405020304" pitchFamily="18" charset="0"/>
+                      </a:rPr>
+                      <m:t>𝐵</m:t>
+                    </m:r>
+                    <m:r>
+                      <a:rPr lang="ru-RU" i="1">
+                        <a:latin typeface="Cambria Math" panose="02040503050406030204" pitchFamily="18" charset="0"/>
+                        <a:ea typeface="Cambria Math" panose="02040503050406030204" pitchFamily="18" charset="0"/>
+                        <a:cs typeface="Times New Roman" panose="02020603050405020304" pitchFamily="18" charset="0"/>
+                      </a:rPr>
+                      <m:t> </m:t>
+                    </m:r>
+                    <m:d>
+                      <m:dPr>
+                        <m:ctrlPr>
+                          <a:rPr lang="ru-RU" i="1">
+                            <a:latin typeface="Cambria Math" panose="02040503050406030204" pitchFamily="18" charset="0"/>
+                            <a:ea typeface="Cambria Math" panose="02040503050406030204" pitchFamily="18" charset="0"/>
+                            <a:cs typeface="Times New Roman" panose="02020603050405020304" pitchFamily="18" charset="0"/>
+                          </a:rPr>
+                        </m:ctrlPr>
+                      </m:dPr>
+                      <m:e>
+                        <m:r>
+                          <a:rPr lang="ru-RU" i="1">
+                            <a:latin typeface="Cambria Math" panose="02040503050406030204" pitchFamily="18" charset="0"/>
+                            <a:ea typeface="Cambria Math" panose="02040503050406030204" pitchFamily="18" charset="0"/>
+                            <a:cs typeface="Times New Roman" panose="02020603050405020304" pitchFamily="18" charset="0"/>
+                          </a:rPr>
+                          <m:t>𝑥</m:t>
+                        </m:r>
+                      </m:e>
+                    </m:d>
+                  </m:oMath>
+                </a14:m>
+                <a:r>
+                  <a:rPr lang="ru-RU" dirty="0">
+                    <a:effectLst/>
+                    <a:latin typeface="Cambria Math" panose="02040503050406030204" pitchFamily="18" charset="0"/>
+                    <a:ea typeface="Cambria Math" panose="02040503050406030204" pitchFamily="18" charset="0"/>
+                    <a:cs typeface="Times New Roman" panose="02020603050405020304" pitchFamily="18" charset="0"/>
+                  </a:rPr>
+                  <a:t> дополняются нулями до длины </a:t>
+                </a:r>
+                <a:r>
+                  <a:rPr lang="en-US" dirty="0">
+                    <a:effectLst/>
+                    <a:latin typeface="Cambria Math" panose="02040503050406030204" pitchFamily="18" charset="0"/>
+                    <a:ea typeface="Cambria Math" panose="02040503050406030204" pitchFamily="18" charset="0"/>
+                    <a:cs typeface="Times New Roman" panose="02020603050405020304" pitchFamily="18" charset="0"/>
+                  </a:rPr>
+                  <a:t>n, </a:t>
+                </a:r>
+                <a:r>
+                  <a:rPr lang="ru-RU" dirty="0">
+                    <a:latin typeface="Cambria Math" panose="02040503050406030204" pitchFamily="18" charset="0"/>
+                    <a:ea typeface="Cambria Math" panose="02040503050406030204" pitchFamily="18" charset="0"/>
+                    <a:cs typeface="Times New Roman" panose="02020603050405020304" pitchFamily="18" charset="0"/>
+                  </a:rPr>
+                  <a:t>и считается БПФ</a:t>
+                </a:r>
+                <a:endParaRPr lang="ru-RU" dirty="0">
+                  <a:effectLst/>
+                  <a:latin typeface="Cambria Math" panose="02040503050406030204" pitchFamily="18" charset="0"/>
+                  <a:ea typeface="Cambria Math" panose="02040503050406030204" pitchFamily="18" charset="0"/>
+                  <a:cs typeface="Times New Roman" panose="02020603050405020304" pitchFamily="18" charset="0"/>
+                </a:endParaRPr>
+              </a:p>
+              <a:p>
+                <a:endParaRPr lang="ru-RU" dirty="0"/>
+              </a:p>
+            </p:txBody>
+          </p:sp>
+        </mc:Choice>
+        <mc:Fallback>
+          <p:sp>
+            <p:nvSpPr>
+              <p:cNvPr id="3" name="Объект 2">
+                <a:extLst>
+                  <a:ext uri="{FF2B5EF4-FFF2-40B4-BE49-F238E27FC236}">
+                    <a16:creationId xmlns:a16="http://schemas.microsoft.com/office/drawing/2014/main" id="{343D31E8-6153-4084-B2DA-A95FCBF976EA}"/>
+                  </a:ext>
+                </a:extLst>
+              </p:cNvPr>
+              <p:cNvSpPr>
+                <a:spLocks noGrp="1" noRot="1" noChangeAspect="1" noMove="1" noResize="1" noEditPoints="1" noAdjustHandles="1" noChangeArrowheads="1" noChangeShapeType="1" noTextEdit="1"/>
+              </p:cNvSpPr>
+              <p:nvPr>
+                <p:ph idx="1"/>
+              </p:nvPr>
+            </p:nvSpPr>
+            <p:spPr>
+              <a:blipFill>
+                <a:blip r:embed="rId3"/>
+                <a:stretch>
+                  <a:fillRect l="-1231" t="-2926"/>
+                </a:stretch>
+              </a:blipFill>
+            </p:spPr>
+            <p:txBody>
+              <a:bodyPr/>
+              <a:lstStyle/>
+              <a:p>
+                <a:r>
+                  <a:rPr lang="ru-RU">
+                    <a:noFill/>
+                  </a:rPr>
+                  <a:t> </a:t>
+                </a:r>
+              </a:p>
+            </p:txBody>
+          </p:sp>
+        </mc:Fallback>
+      </mc:AlternateContent>
+    </p:spTree>
+    <p:extLst>
+      <p:ext uri="{BB962C8B-B14F-4D97-AF65-F5344CB8AC3E}">
+        <p14:creationId xmlns:p14="http://schemas.microsoft.com/office/powerpoint/2010/main" val="4061762726"/>
+      </p:ext>
+    </p:extLst>
+  </p:cSld>
+  <p:clrMapOvr>
+    <a:masterClrMapping/>
+  </p:clrMapOvr>
+</p:sld>
+</file>
+
+<file path=ppt/slides/slide5.xml><?xml version="1.0" encoding="utf-8"?>
+<p:sld xmlns:a="http://schemas.openxmlformats.org/drawingml/2006/main" xmlns:r="http://schemas.openxmlformats.org/officeDocument/2006/relationships" xmlns:p="http://schemas.openxmlformats.org/presentationml/2006/main">
+  <p:cSld>
+    <p:spTree>
+      <p:nvGrpSpPr>
+        <p:cNvPr id="1" name=""/>
+        <p:cNvGrpSpPr/>
+        <p:nvPr/>
+      </p:nvGrpSpPr>
+      <p:grpSpPr>
+        <a:xfrm>
+          <a:off x="0" y="0"/>
+          <a:ext cx="0" cy="0"/>
+          <a:chOff x="0" y="0"/>
+          <a:chExt cx="0" cy="0"/>
+        </a:xfrm>
+      </p:grpSpPr>
+      <mc:AlternateContent xmlns:mc="http://schemas.openxmlformats.org/markup-compatibility/2006">
+        <mc:Choice xmlns:a14="http://schemas.microsoft.com/office/drawing/2010/main" Requires="a14">
+          <p:sp>
+            <p:nvSpPr>
+              <p:cNvPr id="2" name="Заголовок 1">
+                <a:extLst>
+                  <a:ext uri="{FF2B5EF4-FFF2-40B4-BE49-F238E27FC236}">
+                    <a16:creationId xmlns:a16="http://schemas.microsoft.com/office/drawing/2014/main" id="{D615F7EB-AABA-4E5D-A768-9246601691BC}"/>
+                  </a:ext>
+                </a:extLst>
+              </p:cNvPr>
+              <p:cNvSpPr>
+                <a:spLocks noGrp="1"/>
+              </p:cNvSpPr>
+              <p:nvPr>
+                <p:ph type="title"/>
+              </p:nvPr>
+            </p:nvSpPr>
+            <p:spPr/>
+            <p:txBody>
+              <a:bodyPr/>
+              <a:lstStyle/>
+              <a:p>
+                <a:r>
+                  <a:rPr lang="ru-RU" dirty="0"/>
+                  <a:t>Умножение многочленов в </a:t>
+                </a:r>
+                <a14:m>
+                  <m:oMath xmlns:m="http://schemas.openxmlformats.org/officeDocument/2006/math">
+                    <m:sSub>
+                      <m:sSubPr>
+                        <m:ctrlPr>
+                          <a:rPr lang="ru-RU" i="1" smtClean="0">
+                            <a:latin typeface="Cambria Math" panose="02040503050406030204" pitchFamily="18" charset="0"/>
+                          </a:rPr>
+                        </m:ctrlPr>
+                      </m:sSubPr>
+                      <m:e>
+                        <m:r>
+                          <a:rPr lang="en-US" b="0" i="1" smtClean="0">
+                            <a:latin typeface="Cambria Math" panose="02040503050406030204" pitchFamily="18" charset="0"/>
+                          </a:rPr>
+                          <m:t>𝑍</m:t>
+                        </m:r>
+                      </m:e>
+                      <m:sub>
+                        <m:r>
+                          <a:rPr lang="en-US" b="0" i="1" smtClean="0">
+                            <a:latin typeface="Cambria Math" panose="02040503050406030204" pitchFamily="18" charset="0"/>
+                          </a:rPr>
+                          <m:t>𝑝</m:t>
+                        </m:r>
+                      </m:sub>
+                    </m:sSub>
+                  </m:oMath>
+                </a14:m>
+                <a:r>
+                  <a:rPr lang="ru-RU" dirty="0"/>
+                  <a:t> с помощью быстрого преобразования </a:t>
+                </a:r>
+                <a:r>
+                  <a:rPr lang="ru-RU" dirty="0" err="1"/>
+                  <a:t>фурье</a:t>
+                </a:r>
+                <a:endParaRPr lang="ru-RU" dirty="0"/>
+              </a:p>
+            </p:txBody>
+          </p:sp>
+        </mc:Choice>
+        <mc:Fallback>
+          <p:sp>
+            <p:nvSpPr>
+              <p:cNvPr id="2" name="Заголовок 1">
+                <a:extLst>
+                  <a:ext uri="{FF2B5EF4-FFF2-40B4-BE49-F238E27FC236}">
+                    <a16:creationId xmlns:a16="http://schemas.microsoft.com/office/drawing/2014/main" id="{D615F7EB-AABA-4E5D-A768-9246601691BC}"/>
+                  </a:ext>
+                </a:extLst>
+              </p:cNvPr>
+              <p:cNvSpPr>
+                <a:spLocks noGrp="1" noRot="1" noChangeAspect="1" noMove="1" noResize="1" noEditPoints="1" noAdjustHandles="1" noChangeArrowheads="1" noChangeShapeType="1" noTextEdit="1"/>
+              </p:cNvSpPr>
+              <p:nvPr>
+                <p:ph type="title"/>
+              </p:nvPr>
+            </p:nvSpPr>
+            <p:spPr>
+              <a:blipFill>
+                <a:blip r:embed="rId2"/>
+                <a:stretch>
+                  <a:fillRect l="-1846" r="-738" b="-3704"/>
+                </a:stretch>
+              </a:blipFill>
+            </p:spPr>
+            <p:txBody>
+              <a:bodyPr/>
+              <a:lstStyle/>
+              <a:p>
+                <a:r>
+                  <a:rPr lang="ru-RU">
+                    <a:noFill/>
+                  </a:rPr>
+                  <a:t> </a:t>
+                </a:r>
+              </a:p>
+            </p:txBody>
+          </p:sp>
+        </mc:Fallback>
+      </mc:AlternateContent>
+      <mc:AlternateContent xmlns:mc="http://schemas.openxmlformats.org/markup-compatibility/2006">
+        <mc:Choice xmlns:a14="http://schemas.microsoft.com/office/drawing/2010/main" Requires="a14">
+          <p:sp>
+            <p:nvSpPr>
+              <p:cNvPr id="3" name="Объект 2">
+                <a:extLst>
+                  <a:ext uri="{FF2B5EF4-FFF2-40B4-BE49-F238E27FC236}">
+                    <a16:creationId xmlns:a16="http://schemas.microsoft.com/office/drawing/2014/main" id="{98F4D3F2-5257-44C8-8255-2199FAE8DBF4}"/>
+                  </a:ext>
+                </a:extLst>
+              </p:cNvPr>
+              <p:cNvSpPr>
+                <a:spLocks noGrp="1"/>
+              </p:cNvSpPr>
+              <p:nvPr>
+                <p:ph idx="1"/>
+              </p:nvPr>
+            </p:nvSpPr>
+            <p:spPr/>
+            <p:txBody>
+              <a:bodyPr>
+                <a:normAutofit lnSpcReduction="10000"/>
+              </a:bodyPr>
+              <a:lstStyle/>
+              <a:p>
+                <a:pPr marL="0" indent="0">
+                  <a:buNone/>
+                </a:pPr>
+                <a:r>
+                  <a:rPr lang="ru-RU" dirty="0"/>
+                  <a:t>Общая схема умножения многочленов </a:t>
+                </a:r>
+                <a14:m>
+                  <m:oMath xmlns:m="http://schemas.openxmlformats.org/officeDocument/2006/math">
+                    <m:r>
+                      <a:rPr lang="ru-RU" i="1" smtClean="0">
+                        <a:effectLst/>
+                        <a:latin typeface="Cambria Math" panose="02040503050406030204" pitchFamily="18" charset="0"/>
+                        <a:ea typeface="Cambria Math" panose="02040503050406030204" pitchFamily="18" charset="0"/>
+                        <a:cs typeface="Times New Roman" panose="02020603050405020304" pitchFamily="18" charset="0"/>
+                      </a:rPr>
+                      <m:t>𝐴</m:t>
+                    </m:r>
+                    <m:d>
+                      <m:dPr>
+                        <m:ctrlPr>
+                          <a:rPr lang="ru-RU" i="1">
+                            <a:effectLst/>
+                            <a:latin typeface="Cambria Math" panose="02040503050406030204" pitchFamily="18" charset="0"/>
+                            <a:ea typeface="Cambria Math" panose="02040503050406030204" pitchFamily="18" charset="0"/>
+                            <a:cs typeface="Times New Roman" panose="02020603050405020304" pitchFamily="18" charset="0"/>
+                          </a:rPr>
+                        </m:ctrlPr>
+                      </m:dPr>
+                      <m:e>
+                        <m:r>
+                          <a:rPr lang="ru-RU" i="1">
+                            <a:effectLst/>
+                            <a:latin typeface="Cambria Math" panose="02040503050406030204" pitchFamily="18" charset="0"/>
+                            <a:ea typeface="Cambria Math" panose="02040503050406030204" pitchFamily="18" charset="0"/>
+                            <a:cs typeface="Times New Roman" panose="02020603050405020304" pitchFamily="18" charset="0"/>
+                          </a:rPr>
+                          <m:t>𝑥</m:t>
+                        </m:r>
+                      </m:e>
+                    </m:d>
+                  </m:oMath>
+                </a14:m>
+                <a:r>
+                  <a:rPr lang="ru-RU" dirty="0"/>
+                  <a:t> и </a:t>
+                </a:r>
+                <a14:m>
+                  <m:oMath xmlns:m="http://schemas.openxmlformats.org/officeDocument/2006/math">
+                    <m:r>
+                      <a:rPr lang="ru-RU" i="1">
+                        <a:latin typeface="Cambria Math" panose="02040503050406030204" pitchFamily="18" charset="0"/>
+                        <a:ea typeface="Cambria Math" panose="02040503050406030204" pitchFamily="18" charset="0"/>
+                        <a:cs typeface="Times New Roman" panose="02020603050405020304" pitchFamily="18" charset="0"/>
+                      </a:rPr>
+                      <m:t>𝐵</m:t>
+                    </m:r>
+                    <m:d>
+                      <m:dPr>
+                        <m:ctrlPr>
+                          <a:rPr lang="ru-RU" i="1">
+                            <a:latin typeface="Cambria Math" panose="02040503050406030204" pitchFamily="18" charset="0"/>
+                            <a:ea typeface="Cambria Math" panose="02040503050406030204" pitchFamily="18" charset="0"/>
+                            <a:cs typeface="Times New Roman" panose="02020603050405020304" pitchFamily="18" charset="0"/>
+                          </a:rPr>
+                        </m:ctrlPr>
+                      </m:dPr>
+                      <m:e>
+                        <m:r>
+                          <a:rPr lang="ru-RU" i="1">
+                            <a:latin typeface="Cambria Math" panose="02040503050406030204" pitchFamily="18" charset="0"/>
+                            <a:ea typeface="Cambria Math" panose="02040503050406030204" pitchFamily="18" charset="0"/>
+                            <a:cs typeface="Times New Roman" panose="02020603050405020304" pitchFamily="18" charset="0"/>
+                          </a:rPr>
+                          <m:t>𝑥</m:t>
+                        </m:r>
+                      </m:e>
+                    </m:d>
+                  </m:oMath>
+                </a14:m>
+                <a:r>
+                  <a:rPr lang="ru-RU" dirty="0"/>
+                  <a:t> с помощью БПФ выглядит следующим образом:</a:t>
+                </a:r>
+              </a:p>
+              <a:p>
+                <a:r>
+                  <a:rPr lang="ru-RU" dirty="0"/>
+                  <a:t>Считаются БПФ для </a:t>
+                </a:r>
+                <a14:m>
+                  <m:oMath xmlns:m="http://schemas.openxmlformats.org/officeDocument/2006/math">
+                    <m:r>
+                      <a:rPr lang="ru-RU" i="1" smtClean="0">
+                        <a:effectLst/>
+                        <a:latin typeface="Cambria Math" panose="02040503050406030204" pitchFamily="18" charset="0"/>
+                        <a:ea typeface="Cambria Math" panose="02040503050406030204" pitchFamily="18" charset="0"/>
+                        <a:cs typeface="Times New Roman" panose="02020603050405020304" pitchFamily="18" charset="0"/>
+                      </a:rPr>
+                      <m:t>𝐴</m:t>
+                    </m:r>
+                    <m:d>
+                      <m:dPr>
+                        <m:ctrlPr>
+                          <a:rPr lang="ru-RU" i="1">
+                            <a:effectLst/>
+                            <a:latin typeface="Cambria Math" panose="02040503050406030204" pitchFamily="18" charset="0"/>
+                            <a:ea typeface="Cambria Math" panose="02040503050406030204" pitchFamily="18" charset="0"/>
+                            <a:cs typeface="Times New Roman" panose="02020603050405020304" pitchFamily="18" charset="0"/>
+                          </a:rPr>
+                        </m:ctrlPr>
+                      </m:dPr>
+                      <m:e>
+                        <m:r>
+                          <a:rPr lang="ru-RU" i="1">
+                            <a:effectLst/>
+                            <a:latin typeface="Cambria Math" panose="02040503050406030204" pitchFamily="18" charset="0"/>
+                            <a:ea typeface="Cambria Math" panose="02040503050406030204" pitchFamily="18" charset="0"/>
+                            <a:cs typeface="Times New Roman" panose="02020603050405020304" pitchFamily="18" charset="0"/>
+                          </a:rPr>
+                          <m:t>𝑥</m:t>
+                        </m:r>
+                      </m:e>
+                    </m:d>
+                  </m:oMath>
+                </a14:m>
+                <a:r>
+                  <a:rPr lang="ru-RU" dirty="0"/>
+                  <a:t> и </a:t>
+                </a:r>
+                <a14:m>
+                  <m:oMath xmlns:m="http://schemas.openxmlformats.org/officeDocument/2006/math">
+                    <m:r>
+                      <a:rPr lang="ru-RU" i="1">
+                        <a:latin typeface="Cambria Math" panose="02040503050406030204" pitchFamily="18" charset="0"/>
+                        <a:ea typeface="Cambria Math" panose="02040503050406030204" pitchFamily="18" charset="0"/>
+                        <a:cs typeface="Times New Roman" panose="02020603050405020304" pitchFamily="18" charset="0"/>
+                      </a:rPr>
+                      <m:t>𝐵</m:t>
+                    </m:r>
+                    <m:d>
+                      <m:dPr>
+                        <m:ctrlPr>
+                          <a:rPr lang="ru-RU" i="1">
+                            <a:latin typeface="Cambria Math" panose="02040503050406030204" pitchFamily="18" charset="0"/>
+                            <a:ea typeface="Cambria Math" panose="02040503050406030204" pitchFamily="18" charset="0"/>
+                            <a:cs typeface="Times New Roman" panose="02020603050405020304" pitchFamily="18" charset="0"/>
+                          </a:rPr>
+                        </m:ctrlPr>
+                      </m:dPr>
+                      <m:e>
+                        <m:r>
+                          <a:rPr lang="ru-RU" i="1">
+                            <a:latin typeface="Cambria Math" panose="02040503050406030204" pitchFamily="18" charset="0"/>
+                            <a:ea typeface="Cambria Math" panose="02040503050406030204" pitchFamily="18" charset="0"/>
+                            <a:cs typeface="Times New Roman" panose="02020603050405020304" pitchFamily="18" charset="0"/>
+                          </a:rPr>
+                          <m:t>𝑥</m:t>
+                        </m:r>
+                      </m:e>
+                    </m:d>
+                  </m:oMath>
+                </a14:m>
+                <a:r>
+                  <a:rPr lang="ru-RU" dirty="0"/>
+                  <a:t>: </a:t>
+                </a:r>
+                <a14:m>
+                  <m:oMath xmlns:m="http://schemas.openxmlformats.org/officeDocument/2006/math">
+                    <m:r>
+                      <a:rPr lang="en-US" b="0" i="1" smtClean="0">
+                        <a:latin typeface="Cambria Math" panose="02040503050406030204" pitchFamily="18" charset="0"/>
+                      </a:rPr>
+                      <m:t>𝐹𝐹𝑇</m:t>
+                    </m:r>
+                    <m:d>
+                      <m:dPr>
+                        <m:ctrlPr>
+                          <a:rPr lang="en-US" b="0" i="1" smtClean="0">
+                            <a:latin typeface="Cambria Math" panose="02040503050406030204" pitchFamily="18" charset="0"/>
+                          </a:rPr>
+                        </m:ctrlPr>
+                      </m:dPr>
+                      <m:e>
+                        <m:r>
+                          <a:rPr lang="en-US" b="0" i="1" smtClean="0">
+                            <a:latin typeface="Cambria Math" panose="02040503050406030204" pitchFamily="18" charset="0"/>
+                          </a:rPr>
+                          <m:t>𝐴</m:t>
+                        </m:r>
+                      </m:e>
+                    </m:d>
+                  </m:oMath>
+                </a14:m>
+                <a:r>
+                  <a:rPr lang="ru-RU" dirty="0"/>
+                  <a:t> и </a:t>
+                </a:r>
+                <a14:m>
+                  <m:oMath xmlns:m="http://schemas.openxmlformats.org/officeDocument/2006/math">
+                    <m:r>
+                      <a:rPr lang="en-US" b="0" i="1" smtClean="0">
+                        <a:latin typeface="Cambria Math" panose="02040503050406030204" pitchFamily="18" charset="0"/>
+                      </a:rPr>
+                      <m:t>𝐹𝐹𝑇</m:t>
+                    </m:r>
+                    <m:r>
+                      <a:rPr lang="en-US" b="0" i="1" smtClean="0">
+                        <a:latin typeface="Cambria Math" panose="02040503050406030204" pitchFamily="18" charset="0"/>
+                      </a:rPr>
+                      <m:t>(</m:t>
+                    </m:r>
+                    <m:r>
+                      <a:rPr lang="en-US" b="0" i="1" smtClean="0">
+                        <a:latin typeface="Cambria Math" panose="02040503050406030204" pitchFamily="18" charset="0"/>
+                      </a:rPr>
+                      <m:t>𝐵</m:t>
+                    </m:r>
+                    <m:r>
+                      <a:rPr lang="en-US" b="0" i="1" smtClean="0">
+                        <a:latin typeface="Cambria Math" panose="02040503050406030204" pitchFamily="18" charset="0"/>
+                      </a:rPr>
+                      <m:t>)</m:t>
+                    </m:r>
+                  </m:oMath>
+                </a14:m>
+                <a:endParaRPr lang="ru-RU" dirty="0"/>
+              </a:p>
+              <a:p>
+                <a:r>
+                  <a:rPr lang="ru-RU" dirty="0"/>
+                  <a:t>Затем происходит поэлементное умножение </a:t>
+                </a:r>
+                <a14:m>
+                  <m:oMath xmlns:m="http://schemas.openxmlformats.org/officeDocument/2006/math">
+                    <m:r>
+                      <a:rPr lang="en-US" b="0" i="1" smtClean="0">
+                        <a:latin typeface="Cambria Math" panose="02040503050406030204" pitchFamily="18" charset="0"/>
+                      </a:rPr>
+                      <m:t>𝐹𝐹𝑇</m:t>
+                    </m:r>
+                    <m:d>
+                      <m:dPr>
+                        <m:ctrlPr>
+                          <a:rPr lang="en-US" b="0" i="1" smtClean="0">
+                            <a:latin typeface="Cambria Math" panose="02040503050406030204" pitchFamily="18" charset="0"/>
+                          </a:rPr>
+                        </m:ctrlPr>
+                      </m:dPr>
+                      <m:e>
+                        <m:r>
+                          <a:rPr lang="en-US" b="0" i="1" smtClean="0">
+                            <a:latin typeface="Cambria Math" panose="02040503050406030204" pitchFamily="18" charset="0"/>
+                          </a:rPr>
+                          <m:t>𝐴</m:t>
+                        </m:r>
+                        <m:d>
+                          <m:dPr>
+                            <m:ctrlPr>
+                              <a:rPr lang="en-US" b="0" i="1" smtClean="0">
+                                <a:latin typeface="Cambria Math" panose="02040503050406030204" pitchFamily="18" charset="0"/>
+                              </a:rPr>
+                            </m:ctrlPr>
+                          </m:dPr>
+                          <m:e>
+                            <m:r>
+                              <a:rPr lang="en-US" b="0" i="1" smtClean="0">
+                                <a:latin typeface="Cambria Math" panose="02040503050406030204" pitchFamily="18" charset="0"/>
+                              </a:rPr>
+                              <m:t>𝑥</m:t>
+                            </m:r>
+                          </m:e>
+                        </m:d>
+                      </m:e>
+                    </m:d>
+                  </m:oMath>
+                </a14:m>
+                <a:r>
+                  <a:rPr lang="ru-RU" dirty="0"/>
+                  <a:t> и </a:t>
+                </a:r>
+                <a14:m>
+                  <m:oMath xmlns:m="http://schemas.openxmlformats.org/officeDocument/2006/math">
+                    <m:r>
+                      <a:rPr lang="en-US" b="0" i="1" smtClean="0">
+                        <a:latin typeface="Cambria Math" panose="02040503050406030204" pitchFamily="18" charset="0"/>
+                      </a:rPr>
+                      <m:t>𝐹𝐹𝑇</m:t>
+                    </m:r>
+                    <m:r>
+                      <a:rPr lang="en-US" b="0" i="1" smtClean="0">
+                        <a:latin typeface="Cambria Math" panose="02040503050406030204" pitchFamily="18" charset="0"/>
+                      </a:rPr>
+                      <m:t>(</m:t>
+                    </m:r>
+                    <m:r>
+                      <a:rPr lang="en-US" b="0" i="1" smtClean="0">
+                        <a:latin typeface="Cambria Math" panose="02040503050406030204" pitchFamily="18" charset="0"/>
+                      </a:rPr>
+                      <m:t>𝐵</m:t>
+                    </m:r>
+                    <m:d>
+                      <m:dPr>
+                        <m:ctrlPr>
+                          <a:rPr lang="en-US" b="0" i="1" smtClean="0">
+                            <a:latin typeface="Cambria Math" panose="02040503050406030204" pitchFamily="18" charset="0"/>
+                          </a:rPr>
+                        </m:ctrlPr>
+                      </m:dPr>
+                      <m:e>
+                        <m:r>
+                          <a:rPr lang="en-US" b="0" i="1" smtClean="0">
+                            <a:latin typeface="Cambria Math" panose="02040503050406030204" pitchFamily="18" charset="0"/>
+                          </a:rPr>
+                          <m:t>𝑥</m:t>
+                        </m:r>
+                      </m:e>
+                    </m:d>
+                    <m:r>
+                      <a:rPr lang="en-US" b="0" i="1" smtClean="0">
+                        <a:latin typeface="Cambria Math" panose="02040503050406030204" pitchFamily="18" charset="0"/>
+                      </a:rPr>
+                      <m:t>)</m:t>
+                    </m:r>
+                  </m:oMath>
+                </a14:m>
+                <a:r>
+                  <a:rPr lang="ru-RU" dirty="0"/>
+                  <a:t>:</a:t>
+                </a:r>
+              </a:p>
+              <a:p>
+                <a:pPr marL="0" indent="0">
+                  <a:buNone/>
+                </a:pPr>
+                <a14:m>
+                  <m:oMathPara xmlns:m="http://schemas.openxmlformats.org/officeDocument/2006/math">
+                    <m:oMathParaPr>
+                      <m:jc m:val="centerGroup"/>
+                    </m:oMathParaPr>
+                    <m:oMath xmlns:m="http://schemas.openxmlformats.org/officeDocument/2006/math">
+                      <m:r>
+                        <a:rPr lang="en-US" b="0" i="1" smtClean="0">
+                          <a:latin typeface="Cambria Math" panose="02040503050406030204" pitchFamily="18" charset="0"/>
+                        </a:rPr>
+                        <m:t>𝐹𝐹𝑇</m:t>
+                      </m:r>
+                      <m:d>
+                        <m:dPr>
+                          <m:ctrlPr>
+                            <a:rPr lang="en-US" b="0" i="1" smtClean="0">
+                              <a:latin typeface="Cambria Math" panose="02040503050406030204" pitchFamily="18" charset="0"/>
+                            </a:rPr>
+                          </m:ctrlPr>
+                        </m:dPr>
+                        <m:e>
+                          <m:r>
+                            <a:rPr lang="en-US" b="0" i="1" smtClean="0">
+                              <a:latin typeface="Cambria Math" panose="02040503050406030204" pitchFamily="18" charset="0"/>
+                            </a:rPr>
+                            <m:t>𝐴</m:t>
+                          </m:r>
+                          <m:r>
+                            <a:rPr lang="en-US" b="0" i="1" smtClean="0">
+                              <a:latin typeface="Cambria Math" panose="02040503050406030204" pitchFamily="18" charset="0"/>
+                              <a:ea typeface="Cambria Math" panose="02040503050406030204" pitchFamily="18" charset="0"/>
+                            </a:rPr>
+                            <m:t>×</m:t>
+                          </m:r>
+                          <m:r>
+                            <a:rPr lang="en-US" b="0" i="1" smtClean="0">
+                              <a:latin typeface="Cambria Math" panose="02040503050406030204" pitchFamily="18" charset="0"/>
+                              <a:ea typeface="Cambria Math" panose="02040503050406030204" pitchFamily="18" charset="0"/>
+                            </a:rPr>
+                            <m:t>𝐵</m:t>
+                          </m:r>
+                        </m:e>
+                      </m:d>
+                      <m:r>
+                        <a:rPr lang="en-US" b="0" i="1" smtClean="0">
+                          <a:latin typeface="Cambria Math" panose="02040503050406030204" pitchFamily="18" charset="0"/>
+                          <a:ea typeface="Cambria Math" panose="02040503050406030204" pitchFamily="18" charset="0"/>
+                        </a:rPr>
+                        <m:t>=</m:t>
+                      </m:r>
+                      <m:r>
+                        <a:rPr lang="en-US" b="0" i="1" smtClean="0">
+                          <a:latin typeface="Cambria Math" panose="02040503050406030204" pitchFamily="18" charset="0"/>
+                          <a:ea typeface="Cambria Math" panose="02040503050406030204" pitchFamily="18" charset="0"/>
+                        </a:rPr>
+                        <m:t>𝐹𝐹𝑇</m:t>
+                      </m:r>
+                      <m:r>
+                        <a:rPr lang="en-US" b="0" i="1" smtClean="0">
+                          <a:latin typeface="Cambria Math" panose="02040503050406030204" pitchFamily="18" charset="0"/>
+                          <a:ea typeface="Cambria Math" panose="02040503050406030204" pitchFamily="18" charset="0"/>
+                        </a:rPr>
+                        <m:t>(</m:t>
+                      </m:r>
+                      <m:r>
+                        <a:rPr lang="en-US" b="0" i="1" smtClean="0">
+                          <a:latin typeface="Cambria Math" panose="02040503050406030204" pitchFamily="18" charset="0"/>
+                          <a:ea typeface="Cambria Math" panose="02040503050406030204" pitchFamily="18" charset="0"/>
+                        </a:rPr>
+                        <m:t>𝐴</m:t>
+                      </m:r>
+                      <m:r>
+                        <a:rPr lang="en-US" b="0" i="1" smtClean="0">
+                          <a:latin typeface="Cambria Math" panose="02040503050406030204" pitchFamily="18" charset="0"/>
+                          <a:ea typeface="Cambria Math" panose="02040503050406030204" pitchFamily="18" charset="0"/>
+                        </a:rPr>
+                        <m:t>)×</m:t>
+                      </m:r>
+                      <m:r>
+                        <a:rPr lang="en-US" b="0" i="1" smtClean="0">
+                          <a:latin typeface="Cambria Math" panose="02040503050406030204" pitchFamily="18" charset="0"/>
+                          <a:ea typeface="Cambria Math" panose="02040503050406030204" pitchFamily="18" charset="0"/>
+                        </a:rPr>
+                        <m:t>𝐹𝐹𝑇</m:t>
+                      </m:r>
+                      <m:r>
+                        <a:rPr lang="en-US" b="0" i="1" smtClean="0">
+                          <a:latin typeface="Cambria Math" panose="02040503050406030204" pitchFamily="18" charset="0"/>
+                          <a:ea typeface="Cambria Math" panose="02040503050406030204" pitchFamily="18" charset="0"/>
+                        </a:rPr>
+                        <m:t>(</m:t>
+                      </m:r>
+                      <m:r>
+                        <a:rPr lang="en-US" b="0" i="1" smtClean="0">
+                          <a:latin typeface="Cambria Math" panose="02040503050406030204" pitchFamily="18" charset="0"/>
+                          <a:ea typeface="Cambria Math" panose="02040503050406030204" pitchFamily="18" charset="0"/>
+                        </a:rPr>
+                        <m:t>𝐵</m:t>
+                      </m:r>
+                      <m:r>
+                        <a:rPr lang="en-US" b="0" i="1" smtClean="0">
+                          <a:latin typeface="Cambria Math" panose="02040503050406030204" pitchFamily="18" charset="0"/>
+                          <a:ea typeface="Cambria Math" panose="02040503050406030204" pitchFamily="18" charset="0"/>
+                        </a:rPr>
+                        <m:t>)</m:t>
+                      </m:r>
+                    </m:oMath>
+                  </m:oMathPara>
+                </a14:m>
+                <a:endParaRPr lang="en-US" dirty="0"/>
+              </a:p>
+              <a:p>
+                <a:r>
+                  <a:rPr lang="ru-RU" dirty="0"/>
+                  <a:t>Для получения конечного ответа применяется обратное БПФ: </a:t>
+                </a:r>
+                <a:endParaRPr lang="en-US" dirty="0"/>
+              </a:p>
+              <a:p>
+                <a:pPr marL="0" indent="0">
+                  <a:buNone/>
+                </a:pPr>
+                <a14:m>
+                  <m:oMathPara xmlns:m="http://schemas.openxmlformats.org/officeDocument/2006/math">
+                    <m:oMathParaPr>
+                      <m:jc m:val="centerGroup"/>
+                    </m:oMathParaPr>
+                    <m:oMath xmlns:m="http://schemas.openxmlformats.org/officeDocument/2006/math">
+                      <m:r>
+                        <a:rPr lang="en-US" b="0" i="1" smtClean="0">
+                          <a:latin typeface="Cambria Math" panose="02040503050406030204" pitchFamily="18" charset="0"/>
+                        </a:rPr>
+                        <m:t>𝐴</m:t>
+                      </m:r>
+                      <m:r>
+                        <a:rPr lang="en-US" b="0" i="1" smtClean="0">
+                          <a:latin typeface="Cambria Math" panose="02040503050406030204" pitchFamily="18" charset="0"/>
+                          <a:ea typeface="Cambria Math" panose="02040503050406030204" pitchFamily="18" charset="0"/>
+                        </a:rPr>
+                        <m:t>×</m:t>
+                      </m:r>
+                      <m:r>
+                        <a:rPr lang="en-US" b="0" i="1" smtClean="0">
+                          <a:latin typeface="Cambria Math" panose="02040503050406030204" pitchFamily="18" charset="0"/>
+                          <a:ea typeface="Cambria Math" panose="02040503050406030204" pitchFamily="18" charset="0"/>
+                        </a:rPr>
+                        <m:t>𝐵</m:t>
+                      </m:r>
+                      <m:r>
+                        <a:rPr lang="ru-RU" b="0" i="0" smtClean="0">
+                          <a:latin typeface="Cambria Math" panose="02040503050406030204" pitchFamily="18" charset="0"/>
+                          <a:ea typeface="Cambria Math" panose="02040503050406030204" pitchFamily="18" charset="0"/>
+                        </a:rPr>
+                        <m:t>=</m:t>
+                      </m:r>
+                      <m:r>
+                        <m:rPr>
+                          <m:sty m:val="p"/>
+                        </m:rPr>
+                        <a:rPr lang="en-US" b="0" i="0" smtClean="0">
+                          <a:latin typeface="Cambria Math" panose="02040503050406030204" pitchFamily="18" charset="0"/>
+                          <a:ea typeface="Cambria Math" panose="02040503050406030204" pitchFamily="18" charset="0"/>
+                        </a:rPr>
+                        <m:t>InverseFFT</m:t>
+                      </m:r>
+                      <m:r>
+                        <a:rPr lang="en-US" b="0" i="0" smtClean="0">
+                          <a:latin typeface="Cambria Math" panose="02040503050406030204" pitchFamily="18" charset="0"/>
+                          <a:ea typeface="Cambria Math" panose="02040503050406030204" pitchFamily="18" charset="0"/>
+                        </a:rPr>
+                        <m:t>(</m:t>
+                      </m:r>
+                      <m:r>
+                        <a:rPr lang="en-US" i="1">
+                          <a:latin typeface="Cambria Math" panose="02040503050406030204" pitchFamily="18" charset="0"/>
+                          <a:ea typeface="Cambria Math" panose="02040503050406030204" pitchFamily="18" charset="0"/>
+                        </a:rPr>
+                        <m:t>𝐹𝐹𝑇</m:t>
+                      </m:r>
+                      <m:d>
+                        <m:dPr>
+                          <m:ctrlPr>
+                            <a:rPr lang="en-US" i="1">
+                              <a:latin typeface="Cambria Math" panose="02040503050406030204" pitchFamily="18" charset="0"/>
+                              <a:ea typeface="Cambria Math" panose="02040503050406030204" pitchFamily="18" charset="0"/>
+                            </a:rPr>
+                          </m:ctrlPr>
+                        </m:dPr>
+                        <m:e>
+                          <m:r>
+                            <a:rPr lang="en-US" i="1">
+                              <a:latin typeface="Cambria Math" panose="02040503050406030204" pitchFamily="18" charset="0"/>
+                              <a:ea typeface="Cambria Math" panose="02040503050406030204" pitchFamily="18" charset="0"/>
+                            </a:rPr>
+                            <m:t>𝐴</m:t>
+                          </m:r>
+                        </m:e>
+                      </m:d>
+                      <m:r>
+                        <a:rPr lang="en-US" i="1">
+                          <a:latin typeface="Cambria Math" panose="02040503050406030204" pitchFamily="18" charset="0"/>
+                          <a:ea typeface="Cambria Math" panose="02040503050406030204" pitchFamily="18" charset="0"/>
+                        </a:rPr>
+                        <m:t>×</m:t>
+                      </m:r>
+                      <m:r>
+                        <a:rPr lang="en-US" i="1">
+                          <a:latin typeface="Cambria Math" panose="02040503050406030204" pitchFamily="18" charset="0"/>
+                          <a:ea typeface="Cambria Math" panose="02040503050406030204" pitchFamily="18" charset="0"/>
+                        </a:rPr>
+                        <m:t>𝐹𝐹𝑇</m:t>
+                      </m:r>
+                      <m:d>
+                        <m:dPr>
+                          <m:ctrlPr>
+                            <a:rPr lang="en-US" i="1">
+                              <a:latin typeface="Cambria Math" panose="02040503050406030204" pitchFamily="18" charset="0"/>
+                              <a:ea typeface="Cambria Math" panose="02040503050406030204" pitchFamily="18" charset="0"/>
+                            </a:rPr>
+                          </m:ctrlPr>
+                        </m:dPr>
+                        <m:e>
+                          <m:r>
+                            <a:rPr lang="en-US" i="1">
+                              <a:latin typeface="Cambria Math" panose="02040503050406030204" pitchFamily="18" charset="0"/>
+                              <a:ea typeface="Cambria Math" panose="02040503050406030204" pitchFamily="18" charset="0"/>
+                            </a:rPr>
+                            <m:t>𝐵</m:t>
+                          </m:r>
+                        </m:e>
+                      </m:d>
+                      <m:r>
+                        <a:rPr lang="en-US" b="0" i="0" smtClean="0">
+                          <a:latin typeface="Cambria Math" panose="02040503050406030204" pitchFamily="18" charset="0"/>
+                          <a:ea typeface="Cambria Math" panose="02040503050406030204" pitchFamily="18" charset="0"/>
+                        </a:rPr>
+                        <m:t>)</m:t>
+                      </m:r>
+                    </m:oMath>
+                  </m:oMathPara>
+                </a14:m>
+                <a:endParaRPr lang="en-US" dirty="0"/>
+              </a:p>
+            </p:txBody>
+          </p:sp>
+        </mc:Choice>
+        <mc:Fallback>
+          <p:sp>
+            <p:nvSpPr>
+              <p:cNvPr id="3" name="Объект 2">
+                <a:extLst>
+                  <a:ext uri="{FF2B5EF4-FFF2-40B4-BE49-F238E27FC236}">
+                    <a16:creationId xmlns:a16="http://schemas.microsoft.com/office/drawing/2014/main" id="{98F4D3F2-5257-44C8-8255-2199FAE8DBF4}"/>
+                  </a:ext>
+                </a:extLst>
+              </p:cNvPr>
+              <p:cNvSpPr>
+                <a:spLocks noGrp="1" noRot="1" noChangeAspect="1" noMove="1" noResize="1" noEditPoints="1" noAdjustHandles="1" noChangeArrowheads="1" noChangeShapeType="1" noTextEdit="1"/>
+              </p:cNvSpPr>
+              <p:nvPr>
+                <p:ph idx="1"/>
+              </p:nvPr>
+            </p:nvSpPr>
+            <p:spPr>
+              <a:blipFill>
+                <a:blip r:embed="rId3"/>
+                <a:stretch>
+                  <a:fillRect l="-1231" t="-861"/>
+                </a:stretch>
+              </a:blipFill>
+            </p:spPr>
+            <p:txBody>
+              <a:bodyPr/>
+              <a:lstStyle/>
+              <a:p>
+                <a:r>
+                  <a:rPr lang="ru-RU">
+                    <a:noFill/>
+                  </a:rPr>
+                  <a:t> </a:t>
+                </a:r>
+              </a:p>
+            </p:txBody>
+          </p:sp>
+        </mc:Fallback>
+      </mc:AlternateContent>
+    </p:spTree>
+    <p:extLst>
+      <p:ext uri="{BB962C8B-B14F-4D97-AF65-F5344CB8AC3E}">
+        <p14:creationId xmlns:p14="http://schemas.microsoft.com/office/powerpoint/2010/main" val="3730568499"/>
+      </p:ext>
+    </p:extLst>
+  </p:cSld>
+  <p:clrMapOvr>
+    <a:masterClrMapping/>
+  </p:clrMapOvr>
+</p:sld>
+</file>
+
+<file path=ppt/slides/slide6.xml><?xml version="1.0" encoding="utf-8"?>
+<p:sld xmlns:a="http://schemas.openxmlformats.org/drawingml/2006/main" xmlns:r="http://schemas.openxmlformats.org/officeDocument/2006/relationships" xmlns:p="http://schemas.openxmlformats.org/presentationml/2006/main">
+  <p:cSld>
+    <p:spTree>
+      <p:nvGrpSpPr>
+        <p:cNvPr id="1" name=""/>
+        <p:cNvGrpSpPr/>
+        <p:nvPr/>
+      </p:nvGrpSpPr>
+      <p:grpSpPr>
+        <a:xfrm>
+          <a:off x="0" y="0"/>
+          <a:ext cx="0" cy="0"/>
+          <a:chOff x="0" y="0"/>
+          <a:chExt cx="0" cy="0"/>
+        </a:xfrm>
+      </p:grpSpPr>
       <p:sp>
         <p:nvSpPr>
           <p:cNvPr id="2" name="Заголовок 1"/>
@@ -12932,13 +15102,8 @@
             <a:pPr algn="ctr"/>
             <a:r>
               <a:rPr lang="ru-RU" dirty="0"/>
-              <a:t>Параллельная </a:t>
+              <a:t>Параллельная схема БПФ</a:t>
             </a:r>
-            <a:r>
-              <a:rPr lang="ru-RU" dirty="0" smtClean="0"/>
-              <a:t>схема БПФ</a:t>
-            </a:r>
-            <a:endParaRPr lang="ru-RU" dirty="0"/>
           </a:p>
         </p:txBody>
       </p:sp>
@@ -12981,7 +15146,7 @@
 </p:sld>
 </file>
 
-<file path=ppt/slides/slide5.xml><?xml version="1.0" encoding="utf-8"?>
+<file path=ppt/slides/slide7.xml><?xml version="1.0" encoding="utf-8"?>
 <p:sld xmlns:a="http://schemas.openxmlformats.org/drawingml/2006/main" xmlns:r="http://schemas.openxmlformats.org/officeDocument/2006/relationships" xmlns:p="http://schemas.openxmlformats.org/presentationml/2006/main">
   <p:cSld>
     <p:spTree>
@@ -13015,18 +15180,13 @@
           <a:p>
             <a:r>
               <a:rPr lang="ru-RU" dirty="0"/>
-              <a:t>Параллельная версия </a:t>
+              <a:t>Параллельная версия алгоритма</a:t>
             </a:r>
-            <a:r>
-              <a:rPr lang="ru-RU" dirty="0" smtClean="0"/>
-              <a:t>алгоритма</a:t>
-            </a:r>
-            <a:endParaRPr lang="ru-RU" dirty="0"/>
           </a:p>
         </p:txBody>
       </p:sp>
-      <mc:AlternateContent xmlns:mc="http://schemas.openxmlformats.org/markup-compatibility/2006">
-        <mc:Choice xmlns:a14="http://schemas.microsoft.com/office/drawing/2010/main" Requires="a14">
+      <mc:AlternateContent xmlns:mc="http://schemas.openxmlformats.org/markup-compatibility/2006" xmlns:a14="http://schemas.microsoft.com/office/drawing/2010/main">
+        <mc:Choice Requires="a14">
           <p:sp>
             <p:nvSpPr>
               <p:cNvPr id="3" name="Объект 2"/>
@@ -13053,14 +15213,13 @@
                   <a:buNone/>
                 </a:pPr>
                 <a:r>
-                  <a:rPr lang="ru-RU" sz="2600" dirty="0" smtClean="0"/>
+                  <a:rPr lang="ru-RU" sz="2600" dirty="0"/>
                   <a:t>1. Параллельное вычисление БПФ для каждого многочлена:</a:t>
                 </a:r>
-                <a:endParaRPr lang="ru-RU" sz="2600" dirty="0"/>
               </a:p>
               <a:p>
                 <a:r>
-                  <a:rPr lang="ru-RU" sz="2600" dirty="0" smtClean="0"/>
+                  <a:rPr lang="ru-RU" sz="2600" dirty="0"/>
                   <a:t>Выполнение обратной поразрядной перестановки параллельно для каждого коэффициента многочлена – </a:t>
                 </a:r>
                 <a14:m>
@@ -13082,11 +15241,11 @@
                     </m:r>
                   </m:oMath>
                 </a14:m>
-                <a:endParaRPr lang="ru-RU" sz="2600" dirty="0" smtClean="0"/>
+                <a:endParaRPr lang="ru-RU" sz="2600" dirty="0"/>
               </a:p>
               <a:p>
                 <a:r>
-                  <a:rPr lang="ru-RU" sz="2600" dirty="0" smtClean="0"/>
+                  <a:rPr lang="ru-RU" sz="2600" dirty="0"/>
                   <a:t>Выполнение </a:t>
                 </a:r>
                 <a14:m>
@@ -13122,20 +15281,12 @@
                   </m:oMath>
                 </a14:m>
                 <a:r>
-                  <a:rPr lang="en-US" sz="2600" dirty="0" smtClean="0"/>
+                  <a:rPr lang="en-US" sz="2600" dirty="0"/>
                   <a:t> </a:t>
                 </a:r>
                 <a:r>
-                  <a:rPr lang="ru-RU" sz="2600" dirty="0" smtClean="0"/>
-                  <a:t>этапов</a:t>
-                </a:r>
-                <a:r>
                   <a:rPr lang="ru-RU" sz="2600" dirty="0"/>
-                  <a:t>, на каждом из которых параллельно выполняется набор преобразований </a:t>
-                </a:r>
-                <a:r>
-                  <a:rPr lang="ru-RU" sz="2600" dirty="0" smtClean="0"/>
-                  <a:t>бабочки – </a:t>
+                  <a:t>этапов, на каждом из которых параллельно выполняется набор преобразований бабочки – </a:t>
                 </a:r>
                 <a14:m>
                   <m:oMath xmlns:m="http://schemas.openxmlformats.org/officeDocument/2006/math">
@@ -13190,19 +15341,15 @@
                     </m:r>
                   </m:oMath>
                 </a14:m>
-                <a:endParaRPr lang="ru-RU" sz="2600" dirty="0" smtClean="0"/>
+                <a:endParaRPr lang="ru-RU" sz="2600" dirty="0"/>
               </a:p>
               <a:p>
                 <a:pPr marL="0" indent="0">
                   <a:buNone/>
                 </a:pPr>
                 <a:r>
-                  <a:rPr lang="ru-RU" sz="2600" dirty="0" smtClean="0"/>
-                  <a:t>2. Параллельное поэлементное умножение коэффициентов полученных БПФ </a:t>
-                </a:r>
-                <a:r>
                   <a:rPr lang="ru-RU" sz="2600" dirty="0"/>
-                  <a:t>– </a:t>
+                  <a:t>2. Параллельное поэлементное умножение коэффициентов полученных БПФ – </a:t>
                 </a:r>
                 <a14:m>
                   <m:oMath xmlns:m="http://schemas.openxmlformats.org/officeDocument/2006/math">
@@ -13223,35 +15370,15 @@
                     </m:r>
                   </m:oMath>
                 </a14:m>
-                <a:endParaRPr lang="ru-RU" sz="2600" dirty="0" smtClean="0"/>
+                <a:endParaRPr lang="ru-RU" sz="2600" dirty="0"/>
               </a:p>
               <a:p>
                 <a:pPr marL="0" indent="0">
                   <a:buNone/>
                 </a:pPr>
                 <a:r>
-                  <a:rPr lang="ru-RU" sz="2600" dirty="0" smtClean="0"/>
-                  <a:t>3. </a:t>
-                </a:r>
-                <a:r>
                   <a:rPr lang="ru-RU" sz="2600" dirty="0"/>
-                  <a:t>Параллельное вычисление </a:t>
-                </a:r>
-                <a:r>
-                  <a:rPr lang="ru-RU" sz="2600" dirty="0" smtClean="0"/>
-                  <a:t>обратного БПФ </a:t>
-                </a:r>
-                <a:r>
-                  <a:rPr lang="ru-RU" sz="2600" dirty="0"/>
-                  <a:t>для </a:t>
-                </a:r>
-                <a:r>
-                  <a:rPr lang="ru-RU" sz="2600" dirty="0" smtClean="0"/>
-                  <a:t>полученных коэффициентов (аналогично п. 1)</a:t>
-                </a:r>
-                <a:r>
-                  <a:rPr lang="ru-RU" sz="2600" dirty="0"/>
-                  <a:t> – </a:t>
+                  <a:t>3. Параллельное вычисление обратного БПФ для полученных коэффициентов (аналогично п. 1) – </a:t>
                 </a:r>
                 <a14:m>
                   <m:oMath xmlns:m="http://schemas.openxmlformats.org/officeDocument/2006/math">
@@ -13315,12 +15442,12 @@
                 <a:endParaRPr lang="ru-RU" dirty="0"/>
               </a:p>
               <a:p>
-                <a:endParaRPr lang="ru-RU" dirty="0" smtClean="0"/>
+                <a:endParaRPr lang="ru-RU" dirty="0"/>
               </a:p>
             </p:txBody>
           </p:sp>
         </mc:Choice>
-        <mc:Fallback>
+        <mc:Fallback xmlns="">
           <p:sp>
             <p:nvSpPr>
               <p:cNvPr id="3" name="Объект 2"/>
@@ -13371,7 +15498,7 @@
 </p:sld>
 </file>
 
-<file path=ppt/slides/slide6.xml><?xml version="1.0" encoding="utf-8"?>
+<file path=ppt/slides/slide8.xml><?xml version="1.0" encoding="utf-8"?>
 <p:sld xmlns:a="http://schemas.openxmlformats.org/drawingml/2006/main" xmlns:r="http://schemas.openxmlformats.org/officeDocument/2006/relationships" xmlns:p="http://schemas.openxmlformats.org/presentationml/2006/main">
   <p:cSld>
     <p:spTree>
@@ -13408,7 +15535,7 @@
               <a:t>Технология </a:t>
             </a:r>
             <a:r>
-              <a:rPr lang="en-US" dirty="0" smtClean="0"/>
+              <a:rPr lang="en-US" dirty="0"/>
               <a:t>CUDA</a:t>
             </a:r>
             <a:endParaRPr lang="ru-RU" dirty="0"/>
@@ -13438,47 +15565,23 @@
           <a:lstStyle/>
           <a:p>
             <a:r>
-              <a:rPr lang="en-US" sz="2800" dirty="0" smtClean="0"/>
-              <a:t>CUDA (Compute </a:t>
+              <a:rPr lang="en-US" sz="2800" dirty="0"/>
+              <a:t>CUDA (Compute Unified Device Architecture) – </a:t>
             </a:r>
             <a:r>
-              <a:rPr lang="en-US" sz="2800" dirty="0"/>
-              <a:t>Unified Device </a:t>
-            </a:r>
-            <a:r>
-              <a:rPr lang="en-US" sz="2800" dirty="0" smtClean="0"/>
-              <a:t>Architecture)</a:t>
+              <a:rPr lang="ru-RU" sz="2800" dirty="0"/>
+              <a:t>популярная</a:t>
             </a:r>
             <a:r>
               <a:rPr lang="en-US" sz="2800" dirty="0"/>
               <a:t> </a:t>
             </a:r>
             <a:r>
-              <a:rPr lang="en-US" sz="2800" dirty="0" smtClean="0"/>
-              <a:t>– </a:t>
+              <a:rPr lang="ru-RU" sz="2800" dirty="0"/>
+              <a:t>платформа параллельных вычислений и модель программирования от NVIDIA, использующая </a:t>
             </a:r>
             <a:r>
-              <a:rPr lang="ru-RU" sz="2800" dirty="0" smtClean="0"/>
-              <a:t>популярная</a:t>
-            </a:r>
-            <a:r>
-              <a:rPr lang="en-US" sz="2800" dirty="0" smtClean="0"/>
-              <a:t> </a:t>
-            </a:r>
-            <a:r>
-              <a:rPr lang="ru-RU" sz="2800" dirty="0" smtClean="0"/>
-              <a:t>платформа </a:t>
-            </a:r>
-            <a:r>
-              <a:rPr lang="ru-RU" sz="2800" dirty="0"/>
-              <a:t>параллельных вычислений и модель программирования от </a:t>
-            </a:r>
-            <a:r>
-              <a:rPr lang="ru-RU" sz="2800" dirty="0" smtClean="0"/>
-              <a:t>NVIDIA, использующая </a:t>
-            </a:r>
-            <a:r>
-              <a:rPr lang="en-US" sz="2800" dirty="0" smtClean="0"/>
+              <a:rPr lang="en-US" sz="2800" dirty="0"/>
               <a:t>GPU</a:t>
             </a:r>
             <a:endParaRPr lang="ru-RU" sz="2800" dirty="0"/>
@@ -13539,7 +15642,7 @@
 </p:sld>
 </file>
 
-<file path=ppt/slides/slide7.xml><?xml version="1.0" encoding="utf-8"?>
+<file path=ppt/slides/slide9.xml><?xml version="1.0" encoding="utf-8"?>
 <p:sld xmlns:a="http://schemas.openxmlformats.org/drawingml/2006/main" xmlns:r="http://schemas.openxmlformats.org/officeDocument/2006/relationships" xmlns:p="http://schemas.openxmlformats.org/presentationml/2006/main">
   <p:cSld>
     <p:spTree>
@@ -13814,11 +15917,7 @@
             </a:pPr>
             <a:r>
               <a:rPr lang="en-US" sz="2800" dirty="0"/>
-              <a:t>h</a:t>
-            </a:r>
-            <a:r>
-              <a:rPr lang="en-US" sz="2800" dirty="0" smtClean="0"/>
-              <a:t>ost – CPU</a:t>
+              <a:t>host – CPU</a:t>
             </a:r>
           </a:p>
           <a:p>
@@ -13827,11 +15926,7 @@
             </a:pPr>
             <a:r>
               <a:rPr lang="en-US" sz="2800" dirty="0"/>
-              <a:t>d</a:t>
-            </a:r>
-            <a:r>
-              <a:rPr lang="en-US" sz="2800" dirty="0" smtClean="0"/>
-              <a:t>evice – GPU</a:t>
+              <a:t>device – GPU</a:t>
             </a:r>
           </a:p>
           <a:p>
@@ -13839,7 +15934,7 @@
               <a:buNone/>
             </a:pPr>
             <a:r>
-              <a:rPr lang="en-US" sz="2800" dirty="0" smtClean="0"/>
+              <a:rPr lang="en-US" sz="2800" dirty="0"/>
               <a:t>kernel – </a:t>
             </a:r>
             <a:r>
@@ -13847,7 +15942,7 @@
               <a:t>функция для </a:t>
             </a:r>
             <a:r>
-              <a:rPr lang="en-US" sz="2800" dirty="0" smtClean="0"/>
+              <a:rPr lang="en-US" sz="2800" dirty="0"/>
               <a:t>GPU</a:t>
             </a:r>
           </a:p>
@@ -13857,17 +15952,13 @@
             </a:pPr>
             <a:r>
               <a:rPr lang="en-US" sz="2800" dirty="0"/>
-              <a:t>g</a:t>
+              <a:t>grid – </a:t>
             </a:r>
             <a:r>
-              <a:rPr lang="en-US" sz="2800" dirty="0" smtClean="0"/>
-              <a:t>rid – </a:t>
-            </a:r>
-            <a:r>
-              <a:rPr lang="ru-RU" sz="2800" dirty="0" smtClean="0"/>
+              <a:rPr lang="ru-RU" sz="2800" dirty="0"/>
               <a:t>сетка блоков потоков</a:t>
             </a:r>
-            <a:endParaRPr lang="en-US" sz="2800" dirty="0" smtClean="0"/>
+            <a:endParaRPr lang="en-US" sz="2800" dirty="0"/>
           </a:p>
           <a:p>
             <a:pPr marL="0" indent="0">
@@ -13875,14 +15966,10 @@
             </a:pPr>
             <a:r>
               <a:rPr lang="en-US" sz="2800" dirty="0"/>
-              <a:t>b</a:t>
+              <a:t>block – </a:t>
             </a:r>
             <a:r>
-              <a:rPr lang="en-US" sz="2800" dirty="0" smtClean="0"/>
-              <a:t>lock – </a:t>
-            </a:r>
-            <a:r>
-              <a:rPr lang="ru-RU" sz="2800" dirty="0" smtClean="0"/>
+              <a:rPr lang="ru-RU" sz="2800" dirty="0"/>
               <a:t>блок потоков</a:t>
             </a:r>
             <a:endParaRPr lang="en-US" sz="2800" dirty="0"/>
@@ -13891,7 +15978,7 @@
             <a:pPr marL="0" indent="0">
               <a:buNone/>
             </a:pPr>
-            <a:endParaRPr lang="en-US" sz="2800" dirty="0" smtClean="0"/>
+            <a:endParaRPr lang="en-US" sz="2800" dirty="0"/>
           </a:p>
           <a:p>
             <a:pPr marL="0" indent="0">
@@ -13905,176 +15992,6 @@
     <p:extLst>
       <p:ext uri="{BB962C8B-B14F-4D97-AF65-F5344CB8AC3E}">
         <p14:creationId xmlns:p14="http://schemas.microsoft.com/office/powerpoint/2010/main" val="3531284114"/>
-      </p:ext>
-    </p:extLst>
-  </p:cSld>
-  <p:clrMapOvr>
-    <a:masterClrMapping/>
-  </p:clrMapOvr>
-</p:sld>
-</file>
-
-<file path=ppt/slides/slide8.xml><?xml version="1.0" encoding="utf-8"?>
-<p:sld xmlns:a="http://schemas.openxmlformats.org/drawingml/2006/main" xmlns:r="http://schemas.openxmlformats.org/officeDocument/2006/relationships" xmlns:p="http://schemas.openxmlformats.org/presentationml/2006/main">
-  <p:cSld>
-    <p:spTree>
-      <p:nvGrpSpPr>
-        <p:cNvPr id="1" name=""/>
-        <p:cNvGrpSpPr/>
-        <p:nvPr/>
-      </p:nvGrpSpPr>
-      <p:grpSpPr>
-        <a:xfrm>
-          <a:off x="0" y="0"/>
-          <a:ext cx="0" cy="0"/>
-          <a:chOff x="0" y="0"/>
-          <a:chExt cx="0" cy="0"/>
-        </a:xfrm>
-      </p:grpSpPr>
-      <p:sp>
-        <p:nvSpPr>
-          <p:cNvPr id="2" name="Заголовок 1"/>
-          <p:cNvSpPr>
-            <a:spLocks noGrp="1"/>
-          </p:cNvSpPr>
-          <p:nvPr>
-            <p:ph type="title"/>
-          </p:nvPr>
-        </p:nvSpPr>
-        <p:spPr>
-          <a:xfrm>
-            <a:off x="1266104" y="78190"/>
-            <a:ext cx="9905998" cy="1260159"/>
-          </a:xfrm>
-        </p:spPr>
-        <p:txBody>
-          <a:bodyPr/>
-          <a:lstStyle/>
-          <a:p>
-            <a:pPr algn="ctr"/>
-            <a:r>
-              <a:rPr lang="ru-RU" dirty="0" smtClean="0"/>
-              <a:t>Пример сетки блоков</a:t>
-            </a:r>
-            <a:endParaRPr lang="ru-RU" dirty="0"/>
-          </a:p>
-        </p:txBody>
-      </p:sp>
-      <p:pic>
-        <p:nvPicPr>
-          <p:cNvPr id="4" name="Объект 3"/>
-          <p:cNvPicPr>
-            <a:picLocks noGrp="1" noChangeAspect="1"/>
-          </p:cNvPicPr>
-          <p:nvPr>
-            <p:ph idx="1"/>
-          </p:nvPr>
-        </p:nvPicPr>
-        <p:blipFill>
-          <a:blip r:embed="rId2"/>
-          <a:stretch>
-            <a:fillRect/>
-          </a:stretch>
-        </p:blipFill>
-        <p:spPr>
-          <a:xfrm>
-            <a:off x="1371338" y="1199313"/>
-            <a:ext cx="6279322" cy="2857297"/>
-          </a:xfrm>
-          <a:prstGeom prst="rect">
-            <a:avLst/>
-          </a:prstGeom>
-        </p:spPr>
-      </p:pic>
-      <p:pic>
-        <p:nvPicPr>
-          <p:cNvPr id="6" name="Рисунок 5"/>
-          <p:cNvPicPr>
-            <a:picLocks noChangeAspect="1"/>
-          </p:cNvPicPr>
-          <p:nvPr/>
-        </p:nvPicPr>
-        <p:blipFill>
-          <a:blip r:embed="rId3"/>
-          <a:stretch>
-            <a:fillRect/>
-          </a:stretch>
-        </p:blipFill>
-        <p:spPr>
-          <a:xfrm>
-            <a:off x="4998863" y="4237030"/>
-            <a:ext cx="5807683" cy="2323073"/>
-          </a:xfrm>
-          <a:prstGeom prst="rect">
-            <a:avLst/>
-          </a:prstGeom>
-        </p:spPr>
-      </p:pic>
-    </p:spTree>
-    <p:extLst>
-      <p:ext uri="{BB962C8B-B14F-4D97-AF65-F5344CB8AC3E}">
-        <p14:creationId xmlns:p14="http://schemas.microsoft.com/office/powerpoint/2010/main" val="498829297"/>
-      </p:ext>
-    </p:extLst>
-  </p:cSld>
-  <p:clrMapOvr>
-    <a:masterClrMapping/>
-  </p:clrMapOvr>
-</p:sld>
-</file>
-
-<file path=ppt/slides/slide9.xml><?xml version="1.0" encoding="utf-8"?>
-<p:sld xmlns:a="http://schemas.openxmlformats.org/drawingml/2006/main" xmlns:r="http://schemas.openxmlformats.org/officeDocument/2006/relationships" xmlns:p="http://schemas.openxmlformats.org/presentationml/2006/main">
-  <p:cSld>
-    <p:spTree>
-      <p:nvGrpSpPr>
-        <p:cNvPr id="1" name=""/>
-        <p:cNvGrpSpPr/>
-        <p:nvPr/>
-      </p:nvGrpSpPr>
-      <p:grpSpPr>
-        <a:xfrm>
-          <a:off x="0" y="0"/>
-          <a:ext cx="0" cy="0"/>
-          <a:chOff x="0" y="0"/>
-          <a:chExt cx="0" cy="0"/>
-        </a:xfrm>
-      </p:grpSpPr>
-      <p:sp>
-        <p:nvSpPr>
-          <p:cNvPr id="4" name="Заголовок 3"/>
-          <p:cNvSpPr>
-            <a:spLocks noGrp="1"/>
-          </p:cNvSpPr>
-          <p:nvPr>
-            <p:ph type="title"/>
-          </p:nvPr>
-        </p:nvSpPr>
-        <p:spPr>
-          <a:xfrm>
-            <a:off x="1166349" y="2244437"/>
-            <a:ext cx="9906000" cy="1794770"/>
-          </a:xfrm>
-        </p:spPr>
-        <p:txBody>
-          <a:bodyPr>
-            <a:normAutofit/>
-          </a:bodyPr>
-          <a:lstStyle/>
-          <a:p>
-            <a:pPr algn="ctr"/>
-            <a:r>
-              <a:rPr lang="ru-RU" sz="7200" dirty="0" smtClean="0"/>
-              <a:t>демонстрация</a:t>
-            </a:r>
-            <a:endParaRPr lang="ru-RU" sz="7200" dirty="0"/>
-          </a:p>
-        </p:txBody>
-      </p:sp>
-    </p:spTree>
-    <p:extLst>
-      <p:ext uri="{BB962C8B-B14F-4D97-AF65-F5344CB8AC3E}">
-        <p14:creationId xmlns:p14="http://schemas.microsoft.com/office/powerpoint/2010/main" val="4101721435"/>
       </p:ext>
     </p:extLst>
   </p:cSld>

--- a/Презентация.pptx
+++ b/Презентация.pptx
@@ -179,7 +179,7 @@
           <a:noFill/>
           <a:extLst>
             <a:ext uri="{909E8E84-426E-40dd-AFC4-6F175D3DCCD1}">
-              <a14:hiddenFill xmlns="" xmlns:a14="http://schemas.microsoft.com/office/drawing/2010/main">
+              <a14:hiddenFill xmlns:a14="http://schemas.microsoft.com/office/drawing/2010/main" xmlns="">
                 <a:solidFill>
                   <a:srgbClr val="FFFFFF"/>
                 </a:solidFill>
@@ -238,7 +238,7 @@
             </a:ln>
             <a:extLst>
               <a:ext uri="{91240B29-F687-4f45-9708-019B960494DF}">
-                <a14:hiddenLine xmlns="" xmlns:a14="http://schemas.microsoft.com/office/drawing/2010/main" w="9525">
+                <a14:hiddenLine xmlns:a14="http://schemas.microsoft.com/office/drawing/2010/main" xmlns="" w="9525">
                   <a:solidFill>
                     <a:srgbClr val="000000"/>
                   </a:solidFill>
@@ -328,7 +328,7 @@
             </a:ln>
             <a:extLst>
               <a:ext uri="{91240B29-F687-4f45-9708-019B960494DF}">
-                <a14:hiddenLine xmlns="" xmlns:a14="http://schemas.microsoft.com/office/drawing/2010/main" w="9525">
+                <a14:hiddenLine xmlns:a14="http://schemas.microsoft.com/office/drawing/2010/main" xmlns="" w="9525">
                   <a:solidFill>
                     <a:srgbClr val="000000"/>
                   </a:solidFill>
@@ -418,7 +418,7 @@
             </a:ln>
             <a:extLst>
               <a:ext uri="{91240B29-F687-4f45-9708-019B960494DF}">
-                <a14:hiddenLine xmlns="" xmlns:a14="http://schemas.microsoft.com/office/drawing/2010/main" w="9525">
+                <a14:hiddenLine xmlns:a14="http://schemas.microsoft.com/office/drawing/2010/main" xmlns="" w="9525">
                   <a:solidFill>
                     <a:srgbClr val="000000"/>
                   </a:solidFill>
@@ -452,7 +452,7 @@
             </a:ln>
             <a:extLst>
               <a:ext uri="{91240B29-F687-4f45-9708-019B960494DF}">
-                <a14:hiddenLine xmlns="" xmlns:a14="http://schemas.microsoft.com/office/drawing/2010/main" w="9525">
+                <a14:hiddenLine xmlns:a14="http://schemas.microsoft.com/office/drawing/2010/main" xmlns="" w="9525">
                   <a:solidFill>
                     <a:srgbClr val="000000"/>
                   </a:solidFill>
@@ -542,7 +542,7 @@
             </a:ln>
             <a:extLst>
               <a:ext uri="{91240B29-F687-4f45-9708-019B960494DF}">
-                <a14:hiddenLine xmlns="" xmlns:a14="http://schemas.microsoft.com/office/drawing/2010/main" w="9525">
+                <a14:hiddenLine xmlns:a14="http://schemas.microsoft.com/office/drawing/2010/main" xmlns="" w="9525">
                   <a:solidFill>
                     <a:srgbClr val="000000"/>
                   </a:solidFill>
@@ -604,7 +604,7 @@
             </a:ln>
             <a:extLst>
               <a:ext uri="{91240B29-F687-4f45-9708-019B960494DF}">
-                <a14:hiddenLine xmlns="" xmlns:a14="http://schemas.microsoft.com/office/drawing/2010/main" w="9525">
+                <a14:hiddenLine xmlns:a14="http://schemas.microsoft.com/office/drawing/2010/main" xmlns="" w="9525">
                   <a:solidFill>
                     <a:srgbClr val="000000"/>
                   </a:solidFill>
@@ -666,7 +666,7 @@
             </a:ln>
             <a:extLst>
               <a:ext uri="{91240B29-F687-4f45-9708-019B960494DF}">
-                <a14:hiddenLine xmlns="" xmlns:a14="http://schemas.microsoft.com/office/drawing/2010/main" w="9525">
+                <a14:hiddenLine xmlns:a14="http://schemas.microsoft.com/office/drawing/2010/main" xmlns="" w="9525">
                   <a:solidFill>
                     <a:srgbClr val="000000"/>
                   </a:solidFill>
@@ -756,7 +756,7 @@
             </a:ln>
             <a:extLst>
               <a:ext uri="{91240B29-F687-4f45-9708-019B960494DF}">
-                <a14:hiddenLine xmlns="" xmlns:a14="http://schemas.microsoft.com/office/drawing/2010/main" w="9525">
+                <a14:hiddenLine xmlns:a14="http://schemas.microsoft.com/office/drawing/2010/main" xmlns="" w="9525">
                   <a:solidFill>
                     <a:srgbClr val="000000"/>
                   </a:solidFill>
@@ -818,7 +818,7 @@
             </a:ln>
             <a:extLst>
               <a:ext uri="{91240B29-F687-4f45-9708-019B960494DF}">
-                <a14:hiddenLine xmlns="" xmlns:a14="http://schemas.microsoft.com/office/drawing/2010/main" w="9525">
+                <a14:hiddenLine xmlns:a14="http://schemas.microsoft.com/office/drawing/2010/main" xmlns="" w="9525">
                   <a:solidFill>
                     <a:srgbClr val="000000"/>
                   </a:solidFill>
@@ -880,7 +880,7 @@
             </a:ln>
             <a:extLst>
               <a:ext uri="{91240B29-F687-4f45-9708-019B960494DF}">
-                <a14:hiddenLine xmlns="" xmlns:a14="http://schemas.microsoft.com/office/drawing/2010/main" w="9525">
+                <a14:hiddenLine xmlns:a14="http://schemas.microsoft.com/office/drawing/2010/main" xmlns="" w="9525">
                   <a:solidFill>
                     <a:srgbClr val="000000"/>
                   </a:solidFill>
@@ -970,7 +970,7 @@
             </a:ln>
             <a:extLst>
               <a:ext uri="{91240B29-F687-4f45-9708-019B960494DF}">
-                <a14:hiddenLine xmlns="" xmlns:a14="http://schemas.microsoft.com/office/drawing/2010/main" w="9525">
+                <a14:hiddenLine xmlns:a14="http://schemas.microsoft.com/office/drawing/2010/main" xmlns="" w="9525">
                   <a:solidFill>
                     <a:srgbClr val="000000"/>
                   </a:solidFill>
@@ -1060,7 +1060,7 @@
             </a:ln>
             <a:extLst>
               <a:ext uri="{91240B29-F687-4f45-9708-019B960494DF}">
-                <a14:hiddenLine xmlns="" xmlns:a14="http://schemas.microsoft.com/office/drawing/2010/main" w="9525">
+                <a14:hiddenLine xmlns:a14="http://schemas.microsoft.com/office/drawing/2010/main" xmlns="" w="9525">
                   <a:solidFill>
                     <a:srgbClr val="000000"/>
                   </a:solidFill>
@@ -1122,7 +1122,7 @@
             </a:ln>
             <a:extLst>
               <a:ext uri="{91240B29-F687-4f45-9708-019B960494DF}">
-                <a14:hiddenLine xmlns="" xmlns:a14="http://schemas.microsoft.com/office/drawing/2010/main" w="9525">
+                <a14:hiddenLine xmlns:a14="http://schemas.microsoft.com/office/drawing/2010/main" xmlns="" w="9525">
                   <a:solidFill>
                     <a:srgbClr val="000000"/>
                   </a:solidFill>
@@ -1232,7 +1232,7 @@
             </a:ln>
             <a:extLst>
               <a:ext uri="{91240B29-F687-4f45-9708-019B960494DF}">
-                <a14:hiddenLine xmlns="" xmlns:a14="http://schemas.microsoft.com/office/drawing/2010/main" w="9525">
+                <a14:hiddenLine xmlns:a14="http://schemas.microsoft.com/office/drawing/2010/main" xmlns="" w="9525">
                   <a:solidFill>
                     <a:srgbClr val="000000"/>
                   </a:solidFill>
@@ -1294,7 +1294,7 @@
             </a:ln>
             <a:extLst>
               <a:ext uri="{91240B29-F687-4f45-9708-019B960494DF}">
-                <a14:hiddenLine xmlns="" xmlns:a14="http://schemas.microsoft.com/office/drawing/2010/main" w="9525">
+                <a14:hiddenLine xmlns:a14="http://schemas.microsoft.com/office/drawing/2010/main" xmlns="" w="9525">
                   <a:solidFill>
                     <a:srgbClr val="000000"/>
                   </a:solidFill>
@@ -1384,7 +1384,7 @@
             </a:ln>
             <a:extLst>
               <a:ext uri="{91240B29-F687-4f45-9708-019B960494DF}">
-                <a14:hiddenLine xmlns="" xmlns:a14="http://schemas.microsoft.com/office/drawing/2010/main" w="9525">
+                <a14:hiddenLine xmlns:a14="http://schemas.microsoft.com/office/drawing/2010/main" xmlns="" w="9525">
                   <a:solidFill>
                     <a:srgbClr val="000000"/>
                   </a:solidFill>
@@ -1474,7 +1474,7 @@
             </a:ln>
             <a:extLst>
               <a:ext uri="{91240B29-F687-4f45-9708-019B960494DF}">
-                <a14:hiddenLine xmlns="" xmlns:a14="http://schemas.microsoft.com/office/drawing/2010/main" w="9525">
+                <a14:hiddenLine xmlns:a14="http://schemas.microsoft.com/office/drawing/2010/main" xmlns="" w="9525">
                   <a:solidFill>
                     <a:srgbClr val="000000"/>
                   </a:solidFill>
@@ -1536,7 +1536,7 @@
             </a:ln>
             <a:extLst>
               <a:ext uri="{91240B29-F687-4f45-9708-019B960494DF}">
-                <a14:hiddenLine xmlns="" xmlns:a14="http://schemas.microsoft.com/office/drawing/2010/main" w="9525">
+                <a14:hiddenLine xmlns:a14="http://schemas.microsoft.com/office/drawing/2010/main" xmlns="" w="9525">
                   <a:solidFill>
                     <a:srgbClr val="000000"/>
                   </a:solidFill>
@@ -1626,7 +1626,7 @@
             </a:ln>
             <a:extLst>
               <a:ext uri="{91240B29-F687-4f45-9708-019B960494DF}">
-                <a14:hiddenLine xmlns="" xmlns:a14="http://schemas.microsoft.com/office/drawing/2010/main" w="9525">
+                <a14:hiddenLine xmlns:a14="http://schemas.microsoft.com/office/drawing/2010/main" xmlns="" w="9525">
                   <a:solidFill>
                     <a:srgbClr val="000000"/>
                   </a:solidFill>
@@ -1716,7 +1716,7 @@
             </a:ln>
             <a:extLst>
               <a:ext uri="{91240B29-F687-4f45-9708-019B960494DF}">
-                <a14:hiddenLine xmlns="" xmlns:a14="http://schemas.microsoft.com/office/drawing/2010/main" w="9525">
+                <a14:hiddenLine xmlns:a14="http://schemas.microsoft.com/office/drawing/2010/main" xmlns="" w="9525">
                   <a:solidFill>
                     <a:srgbClr val="000000"/>
                   </a:solidFill>
@@ -1772,7 +1772,7 @@
             </a:ln>
             <a:extLst>
               <a:ext uri="{91240B29-F687-4f45-9708-019B960494DF}">
-                <a14:hiddenLine xmlns="" xmlns:a14="http://schemas.microsoft.com/office/drawing/2010/main" w="9525">
+                <a14:hiddenLine xmlns:a14="http://schemas.microsoft.com/office/drawing/2010/main" xmlns="" w="9525">
                   <a:solidFill>
                     <a:srgbClr val="000000"/>
                   </a:solidFill>
@@ -1862,7 +1862,7 @@
             </a:ln>
             <a:extLst>
               <a:ext uri="{91240B29-F687-4f45-9708-019B960494DF}">
-                <a14:hiddenLine xmlns="" xmlns:a14="http://schemas.microsoft.com/office/drawing/2010/main" w="9525">
+                <a14:hiddenLine xmlns:a14="http://schemas.microsoft.com/office/drawing/2010/main" xmlns="" w="9525">
                   <a:solidFill>
                     <a:srgbClr val="000000"/>
                   </a:solidFill>
@@ -1918,7 +1918,7 @@
             </a:ln>
             <a:extLst>
               <a:ext uri="{91240B29-F687-4f45-9708-019B960494DF}">
-                <a14:hiddenLine xmlns="" xmlns:a14="http://schemas.microsoft.com/office/drawing/2010/main" w="9525">
+                <a14:hiddenLine xmlns:a14="http://schemas.microsoft.com/office/drawing/2010/main" xmlns="" w="9525">
                   <a:solidFill>
                     <a:srgbClr val="000000"/>
                   </a:solidFill>
@@ -2008,7 +2008,7 @@
             </a:ln>
             <a:extLst>
               <a:ext uri="{91240B29-F687-4f45-9708-019B960494DF}">
-                <a14:hiddenLine xmlns="" xmlns:a14="http://schemas.microsoft.com/office/drawing/2010/main" w="9525">
+                <a14:hiddenLine xmlns:a14="http://schemas.microsoft.com/office/drawing/2010/main" xmlns="" w="9525">
                   <a:solidFill>
                     <a:srgbClr val="000000"/>
                   </a:solidFill>
@@ -2076,7 +2076,7 @@
             </a:ln>
             <a:extLst>
               <a:ext uri="{91240B29-F687-4f45-9708-019B960494DF}">
-                <a14:hiddenLine xmlns="" xmlns:a14="http://schemas.microsoft.com/office/drawing/2010/main" w="9525">
+                <a14:hiddenLine xmlns:a14="http://schemas.microsoft.com/office/drawing/2010/main" xmlns="" w="9525">
                   <a:solidFill>
                     <a:srgbClr val="000000"/>
                   </a:solidFill>
@@ -2166,7 +2166,7 @@
             </a:ln>
             <a:extLst>
               <a:ext uri="{91240B29-F687-4f45-9708-019B960494DF}">
-                <a14:hiddenLine xmlns="" xmlns:a14="http://schemas.microsoft.com/office/drawing/2010/main" w="9525">
+                <a14:hiddenLine xmlns:a14="http://schemas.microsoft.com/office/drawing/2010/main" xmlns="" w="9525">
                   <a:solidFill>
                     <a:srgbClr val="000000"/>
                   </a:solidFill>
@@ -2234,7 +2234,7 @@
             </a:ln>
             <a:extLst>
               <a:ext uri="{91240B29-F687-4f45-9708-019B960494DF}">
-                <a14:hiddenLine xmlns="" xmlns:a14="http://schemas.microsoft.com/office/drawing/2010/main" w="9525">
+                <a14:hiddenLine xmlns:a14="http://schemas.microsoft.com/office/drawing/2010/main" xmlns="" w="9525">
                   <a:solidFill>
                     <a:srgbClr val="000000"/>
                   </a:solidFill>
@@ -2324,7 +2324,7 @@
             </a:ln>
             <a:extLst>
               <a:ext uri="{91240B29-F687-4f45-9708-019B960494DF}">
-                <a14:hiddenLine xmlns="" xmlns:a14="http://schemas.microsoft.com/office/drawing/2010/main" w="9525">
+                <a14:hiddenLine xmlns:a14="http://schemas.microsoft.com/office/drawing/2010/main" xmlns="" w="9525">
                   <a:solidFill>
                     <a:srgbClr val="000000"/>
                   </a:solidFill>
@@ -2358,7 +2358,7 @@
             </a:ln>
             <a:extLst>
               <a:ext uri="{91240B29-F687-4f45-9708-019B960494DF}">
-                <a14:hiddenLine xmlns="" xmlns:a14="http://schemas.microsoft.com/office/drawing/2010/main" w="9525">
+                <a14:hiddenLine xmlns:a14="http://schemas.microsoft.com/office/drawing/2010/main" xmlns="" w="9525">
                   <a:solidFill>
                     <a:srgbClr val="000000"/>
                   </a:solidFill>
@@ -2448,7 +2448,7 @@
             </a:ln>
             <a:extLst>
               <a:ext uri="{91240B29-F687-4f45-9708-019B960494DF}">
-                <a14:hiddenLine xmlns="" xmlns:a14="http://schemas.microsoft.com/office/drawing/2010/main" w="9525">
+                <a14:hiddenLine xmlns:a14="http://schemas.microsoft.com/office/drawing/2010/main" xmlns="" w="9525">
                   <a:solidFill>
                     <a:srgbClr val="000000"/>
                   </a:solidFill>
@@ -2510,7 +2510,7 @@
             </a:ln>
             <a:extLst>
               <a:ext uri="{91240B29-F687-4f45-9708-019B960494DF}">
-                <a14:hiddenLine xmlns="" xmlns:a14="http://schemas.microsoft.com/office/drawing/2010/main" w="9525">
+                <a14:hiddenLine xmlns:a14="http://schemas.microsoft.com/office/drawing/2010/main" xmlns="" w="9525">
                   <a:solidFill>
                     <a:srgbClr val="000000"/>
                   </a:solidFill>
@@ -2572,7 +2572,7 @@
             </a:ln>
             <a:extLst>
               <a:ext uri="{91240B29-F687-4f45-9708-019B960494DF}">
-                <a14:hiddenLine xmlns="" xmlns:a14="http://schemas.microsoft.com/office/drawing/2010/main" w="9525">
+                <a14:hiddenLine xmlns:a14="http://schemas.microsoft.com/office/drawing/2010/main" xmlns="" w="9525">
                   <a:solidFill>
                     <a:srgbClr val="000000"/>
                   </a:solidFill>
@@ -2662,7 +2662,7 @@
             </a:ln>
             <a:extLst>
               <a:ext uri="{91240B29-F687-4f45-9708-019B960494DF}">
-                <a14:hiddenLine xmlns="" xmlns:a14="http://schemas.microsoft.com/office/drawing/2010/main" w="9525">
+                <a14:hiddenLine xmlns:a14="http://schemas.microsoft.com/office/drawing/2010/main" xmlns="" w="9525">
                   <a:solidFill>
                     <a:srgbClr val="000000"/>
                   </a:solidFill>
@@ -2730,7 +2730,7 @@
             </a:ln>
             <a:extLst>
               <a:ext uri="{91240B29-F687-4f45-9708-019B960494DF}">
-                <a14:hiddenLine xmlns="" xmlns:a14="http://schemas.microsoft.com/office/drawing/2010/main" w="9525">
+                <a14:hiddenLine xmlns:a14="http://schemas.microsoft.com/office/drawing/2010/main" xmlns="" w="9525">
                   <a:solidFill>
                     <a:srgbClr val="000000"/>
                   </a:solidFill>
@@ -2792,7 +2792,7 @@
             </a:ln>
             <a:extLst>
               <a:ext uri="{91240B29-F687-4f45-9708-019B960494DF}">
-                <a14:hiddenLine xmlns="" xmlns:a14="http://schemas.microsoft.com/office/drawing/2010/main" w="9525">
+                <a14:hiddenLine xmlns:a14="http://schemas.microsoft.com/office/drawing/2010/main" xmlns="" w="9525">
                   <a:solidFill>
                     <a:srgbClr val="000000"/>
                   </a:solidFill>
@@ -2882,7 +2882,7 @@
             </a:ln>
             <a:extLst>
               <a:ext uri="{91240B29-F687-4f45-9708-019B960494DF}">
-                <a14:hiddenLine xmlns="" xmlns:a14="http://schemas.microsoft.com/office/drawing/2010/main" w="9525">
+                <a14:hiddenLine xmlns:a14="http://schemas.microsoft.com/office/drawing/2010/main" xmlns="" w="9525">
                   <a:solidFill>
                     <a:srgbClr val="000000"/>
                   </a:solidFill>
@@ -2944,7 +2944,7 @@
             </a:ln>
             <a:extLst>
               <a:ext uri="{91240B29-F687-4f45-9708-019B960494DF}">
-                <a14:hiddenLine xmlns="" xmlns:a14="http://schemas.microsoft.com/office/drawing/2010/main" w="9525">
+                <a14:hiddenLine xmlns:a14="http://schemas.microsoft.com/office/drawing/2010/main" xmlns="" w="9525">
                   <a:solidFill>
                     <a:srgbClr val="000000"/>
                   </a:solidFill>
@@ -3034,7 +3034,7 @@
             </a:ln>
             <a:extLst>
               <a:ext uri="{91240B29-F687-4f45-9708-019B960494DF}">
-                <a14:hiddenLine xmlns="" xmlns:a14="http://schemas.microsoft.com/office/drawing/2010/main" w="9525">
+                <a14:hiddenLine xmlns:a14="http://schemas.microsoft.com/office/drawing/2010/main" xmlns="" w="9525">
                   <a:solidFill>
                     <a:srgbClr val="000000"/>
                   </a:solidFill>
@@ -3096,7 +3096,7 @@
             </a:ln>
             <a:extLst>
               <a:ext uri="{91240B29-F687-4f45-9708-019B960494DF}">
-                <a14:hiddenLine xmlns="" xmlns:a14="http://schemas.microsoft.com/office/drawing/2010/main" w="9525">
+                <a14:hiddenLine xmlns:a14="http://schemas.microsoft.com/office/drawing/2010/main" xmlns="" w="9525">
                   <a:solidFill>
                     <a:srgbClr val="000000"/>
                   </a:solidFill>
@@ -3186,7 +3186,7 @@
             </a:ln>
             <a:extLst>
               <a:ext uri="{91240B29-F687-4f45-9708-019B960494DF}">
-                <a14:hiddenLine xmlns="" xmlns:a14="http://schemas.microsoft.com/office/drawing/2010/main" w="9525">
+                <a14:hiddenLine xmlns:a14="http://schemas.microsoft.com/office/drawing/2010/main" xmlns="" w="9525">
                   <a:solidFill>
                     <a:srgbClr val="000000"/>
                   </a:solidFill>
@@ -3220,7 +3220,7 @@
             </a:ln>
             <a:extLst>
               <a:ext uri="{91240B29-F687-4f45-9708-019B960494DF}">
-                <a14:hiddenLine xmlns="" xmlns:a14="http://schemas.microsoft.com/office/drawing/2010/main" w="9525">
+                <a14:hiddenLine xmlns:a14="http://schemas.microsoft.com/office/drawing/2010/main" xmlns="" w="9525">
                   <a:solidFill>
                     <a:srgbClr val="000000"/>
                   </a:solidFill>
@@ -3285,7 +3285,7 @@
             </a:ln>
             <a:extLst>
               <a:ext uri="{91240B29-F687-4f45-9708-019B960494DF}">
-                <a14:hiddenLine xmlns="" xmlns:a14="http://schemas.microsoft.com/office/drawing/2010/main" w="9525">
+                <a14:hiddenLine xmlns:a14="http://schemas.microsoft.com/office/drawing/2010/main" xmlns="" w="9525">
                   <a:solidFill>
                     <a:srgbClr val="000000"/>
                   </a:solidFill>
@@ -3375,7 +3375,7 @@
             </a:ln>
             <a:extLst>
               <a:ext uri="{91240B29-F687-4f45-9708-019B960494DF}">
-                <a14:hiddenLine xmlns="" xmlns:a14="http://schemas.microsoft.com/office/drawing/2010/main" w="9525">
+                <a14:hiddenLine xmlns:a14="http://schemas.microsoft.com/office/drawing/2010/main" xmlns="" w="9525">
                   <a:solidFill>
                     <a:srgbClr val="000000"/>
                   </a:solidFill>
@@ -3437,7 +3437,7 @@
             </a:ln>
             <a:extLst>
               <a:ext uri="{91240B29-F687-4f45-9708-019B960494DF}">
-                <a14:hiddenLine xmlns="" xmlns:a14="http://schemas.microsoft.com/office/drawing/2010/main" w="9525">
+                <a14:hiddenLine xmlns:a14="http://schemas.microsoft.com/office/drawing/2010/main" xmlns="" w="9525">
                   <a:solidFill>
                     <a:srgbClr val="000000"/>
                   </a:solidFill>
@@ -3527,7 +3527,7 @@
             </a:ln>
             <a:extLst>
               <a:ext uri="{91240B29-F687-4f45-9708-019B960494DF}">
-                <a14:hiddenLine xmlns="" xmlns:a14="http://schemas.microsoft.com/office/drawing/2010/main" w="9525">
+                <a14:hiddenLine xmlns:a14="http://schemas.microsoft.com/office/drawing/2010/main" xmlns="" w="9525">
                   <a:solidFill>
                     <a:srgbClr val="000000"/>
                   </a:solidFill>
@@ -3617,7 +3617,7 @@
             </a:ln>
             <a:extLst>
               <a:ext uri="{91240B29-F687-4f45-9708-019B960494DF}">
-                <a14:hiddenLine xmlns="" xmlns:a14="http://schemas.microsoft.com/office/drawing/2010/main" w="9525">
+                <a14:hiddenLine xmlns:a14="http://schemas.microsoft.com/office/drawing/2010/main" xmlns="" w="9525">
                   <a:solidFill>
                     <a:srgbClr val="000000"/>
                   </a:solidFill>
@@ -3682,7 +3682,7 @@
             </a:ln>
             <a:extLst>
               <a:ext uri="{91240B29-F687-4f45-9708-019B960494DF}">
-                <a14:hiddenLine xmlns="" xmlns:a14="http://schemas.microsoft.com/office/drawing/2010/main" w="9525">
+                <a14:hiddenLine xmlns:a14="http://schemas.microsoft.com/office/drawing/2010/main" xmlns="" w="9525">
                   <a:solidFill>
                     <a:srgbClr val="000000"/>
                   </a:solidFill>
@@ -3744,7 +3744,7 @@
             </a:ln>
             <a:extLst>
               <a:ext uri="{91240B29-F687-4f45-9708-019B960494DF}">
-                <a14:hiddenLine xmlns="" xmlns:a14="http://schemas.microsoft.com/office/drawing/2010/main" w="9525">
+                <a14:hiddenLine xmlns:a14="http://schemas.microsoft.com/office/drawing/2010/main" xmlns="" w="9525">
                   <a:solidFill>
                     <a:srgbClr val="000000"/>
                   </a:solidFill>
@@ -3834,7 +3834,7 @@
             </a:ln>
             <a:extLst>
               <a:ext uri="{91240B29-F687-4f45-9708-019B960494DF}">
-                <a14:hiddenLine xmlns="" xmlns:a14="http://schemas.microsoft.com/office/drawing/2010/main" w="9525">
+                <a14:hiddenLine xmlns:a14="http://schemas.microsoft.com/office/drawing/2010/main" xmlns="" w="9525">
                   <a:solidFill>
                     <a:srgbClr val="000000"/>
                   </a:solidFill>
@@ -3924,7 +3924,7 @@
             </a:ln>
             <a:extLst>
               <a:ext uri="{91240B29-F687-4f45-9708-019B960494DF}">
-                <a14:hiddenLine xmlns="" xmlns:a14="http://schemas.microsoft.com/office/drawing/2010/main" w="9525">
+                <a14:hiddenLine xmlns:a14="http://schemas.microsoft.com/office/drawing/2010/main" xmlns="" w="9525">
                   <a:solidFill>
                     <a:srgbClr val="000000"/>
                   </a:solidFill>
@@ -3986,7 +3986,7 @@
             </a:ln>
             <a:extLst>
               <a:ext uri="{91240B29-F687-4f45-9708-019B960494DF}">
-                <a14:hiddenLine xmlns="" xmlns:a14="http://schemas.microsoft.com/office/drawing/2010/main" w="9525">
+                <a14:hiddenLine xmlns:a14="http://schemas.microsoft.com/office/drawing/2010/main" xmlns="" w="9525">
                   <a:solidFill>
                     <a:srgbClr val="000000"/>
                   </a:solidFill>
@@ -4106,7 +4106,7 @@
             </a:ln>
             <a:extLst>
               <a:ext uri="{91240B29-F687-4f45-9708-019B960494DF}">
-                <a14:hiddenLine xmlns="" xmlns:a14="http://schemas.microsoft.com/office/drawing/2010/main" w="9525">
+                <a14:hiddenLine xmlns:a14="http://schemas.microsoft.com/office/drawing/2010/main" xmlns="" w="9525">
                   <a:solidFill>
                     <a:srgbClr val="000000"/>
                   </a:solidFill>
@@ -4174,7 +4174,7 @@
             </a:ln>
             <a:extLst>
               <a:ext uri="{91240B29-F687-4f45-9708-019B960494DF}">
-                <a14:hiddenLine xmlns="" xmlns:a14="http://schemas.microsoft.com/office/drawing/2010/main" w="9525">
+                <a14:hiddenLine xmlns:a14="http://schemas.microsoft.com/office/drawing/2010/main" xmlns="" w="9525">
                   <a:solidFill>
                     <a:srgbClr val="000000"/>
                   </a:solidFill>
@@ -4264,7 +4264,7 @@
             </a:ln>
             <a:extLst>
               <a:ext uri="{91240B29-F687-4f45-9708-019B960494DF}">
-                <a14:hiddenLine xmlns="" xmlns:a14="http://schemas.microsoft.com/office/drawing/2010/main" w="9525">
+                <a14:hiddenLine xmlns:a14="http://schemas.microsoft.com/office/drawing/2010/main" xmlns="" w="9525">
                   <a:solidFill>
                     <a:srgbClr val="000000"/>
                   </a:solidFill>
@@ -4404,7 +4404,7 @@
           <a:p>
             <a:fld id="{1EE8DB2B-65D3-4F78-B044-DE7F6941BDB6}" type="datetimeFigureOut">
               <a:rPr lang="ru-RU" smtClean="0"/>
-              <a:t>23.12.2020</a:t>
+              <a:t>24.12.2020</a:t>
             </a:fld>
             <a:endParaRPr lang="ru-RU"/>
           </a:p>
@@ -4671,7 +4671,7 @@
           <a:p>
             <a:fld id="{1EE8DB2B-65D3-4F78-B044-DE7F6941BDB6}" type="datetimeFigureOut">
               <a:rPr lang="ru-RU" smtClean="0"/>
-              <a:t>23.12.2020</a:t>
+              <a:t>24.12.2020</a:t>
             </a:fld>
             <a:endParaRPr lang="ru-RU"/>
           </a:p>
@@ -4867,7 +4867,7 @@
           <a:p>
             <a:fld id="{1EE8DB2B-65D3-4F78-B044-DE7F6941BDB6}" type="datetimeFigureOut">
               <a:rPr lang="ru-RU" smtClean="0"/>
-              <a:t>23.12.2020</a:t>
+              <a:t>24.12.2020</a:t>
             </a:fld>
             <a:endParaRPr lang="ru-RU"/>
           </a:p>
@@ -5130,7 +5130,7 @@
           <a:p>
             <a:fld id="{1EE8DB2B-65D3-4F78-B044-DE7F6941BDB6}" type="datetimeFigureOut">
               <a:rPr lang="ru-RU" smtClean="0"/>
-              <a:t>23.12.2020</a:t>
+              <a:t>24.12.2020</a:t>
             </a:fld>
             <a:endParaRPr lang="ru-RU"/>
           </a:p>
@@ -5564,7 +5564,7 @@
           <a:p>
             <a:fld id="{1EE8DB2B-65D3-4F78-B044-DE7F6941BDB6}" type="datetimeFigureOut">
               <a:rPr lang="ru-RU" smtClean="0"/>
-              <a:t>23.12.2020</a:t>
+              <a:t>24.12.2020</a:t>
             </a:fld>
             <a:endParaRPr lang="ru-RU"/>
           </a:p>
@@ -6110,7 +6110,7 @@
           <a:p>
             <a:fld id="{1EE8DB2B-65D3-4F78-B044-DE7F6941BDB6}" type="datetimeFigureOut">
               <a:rPr lang="ru-RU" smtClean="0"/>
-              <a:t>23.12.2020</a:t>
+              <a:t>24.12.2020</a:t>
             </a:fld>
             <a:endParaRPr lang="ru-RU"/>
           </a:p>
@@ -6830,7 +6830,7 @@
           <a:p>
             <a:fld id="{1EE8DB2B-65D3-4F78-B044-DE7F6941BDB6}" type="datetimeFigureOut">
               <a:rPr lang="ru-RU" smtClean="0"/>
-              <a:t>23.12.2020</a:t>
+              <a:t>24.12.2020</a:t>
             </a:fld>
             <a:endParaRPr lang="ru-RU"/>
           </a:p>
@@ -7000,7 +7000,7 @@
           <a:p>
             <a:fld id="{1EE8DB2B-65D3-4F78-B044-DE7F6941BDB6}" type="datetimeFigureOut">
               <a:rPr lang="ru-RU" smtClean="0"/>
-              <a:t>23.12.2020</a:t>
+              <a:t>24.12.2020</a:t>
             </a:fld>
             <a:endParaRPr lang="ru-RU"/>
           </a:p>
@@ -7180,7 +7180,7 @@
           <a:p>
             <a:fld id="{1EE8DB2B-65D3-4F78-B044-DE7F6941BDB6}" type="datetimeFigureOut">
               <a:rPr lang="ru-RU" smtClean="0"/>
-              <a:t>23.12.2020</a:t>
+              <a:t>24.12.2020</a:t>
             </a:fld>
             <a:endParaRPr lang="ru-RU"/>
           </a:p>
@@ -7350,7 +7350,7 @@
           <a:p>
             <a:fld id="{1EE8DB2B-65D3-4F78-B044-DE7F6941BDB6}" type="datetimeFigureOut">
               <a:rPr lang="ru-RU" smtClean="0"/>
-              <a:t>23.12.2020</a:t>
+              <a:t>24.12.2020</a:t>
             </a:fld>
             <a:endParaRPr lang="ru-RU"/>
           </a:p>
@@ -7600,7 +7600,7 @@
           <a:p>
             <a:fld id="{1EE8DB2B-65D3-4F78-B044-DE7F6941BDB6}" type="datetimeFigureOut">
               <a:rPr lang="ru-RU" smtClean="0"/>
-              <a:t>23.12.2020</a:t>
+              <a:t>24.12.2020</a:t>
             </a:fld>
             <a:endParaRPr lang="ru-RU"/>
           </a:p>
@@ -7832,7 +7832,7 @@
           <a:p>
             <a:fld id="{1EE8DB2B-65D3-4F78-B044-DE7F6941BDB6}" type="datetimeFigureOut">
               <a:rPr lang="ru-RU" smtClean="0"/>
-              <a:t>23.12.2020</a:t>
+              <a:t>24.12.2020</a:t>
             </a:fld>
             <a:endParaRPr lang="ru-RU"/>
           </a:p>
@@ -8213,7 +8213,7 @@
           <a:p>
             <a:fld id="{1EE8DB2B-65D3-4F78-B044-DE7F6941BDB6}" type="datetimeFigureOut">
               <a:rPr lang="ru-RU" smtClean="0"/>
-              <a:t>23.12.2020</a:t>
+              <a:t>24.12.2020</a:t>
             </a:fld>
             <a:endParaRPr lang="ru-RU"/>
           </a:p>
@@ -8331,7 +8331,7 @@
           <a:p>
             <a:fld id="{1EE8DB2B-65D3-4F78-B044-DE7F6941BDB6}" type="datetimeFigureOut">
               <a:rPr lang="ru-RU" smtClean="0"/>
-              <a:t>23.12.2020</a:t>
+              <a:t>24.12.2020</a:t>
             </a:fld>
             <a:endParaRPr lang="ru-RU"/>
           </a:p>
@@ -8426,7 +8426,7 @@
           <a:p>
             <a:fld id="{1EE8DB2B-65D3-4F78-B044-DE7F6941BDB6}" type="datetimeFigureOut">
               <a:rPr lang="ru-RU" smtClean="0"/>
-              <a:t>23.12.2020</a:t>
+              <a:t>24.12.2020</a:t>
             </a:fld>
             <a:endParaRPr lang="ru-RU"/>
           </a:p>
@@ -8675,7 +8675,7 @@
           <a:p>
             <a:fld id="{1EE8DB2B-65D3-4F78-B044-DE7F6941BDB6}" type="datetimeFigureOut">
               <a:rPr lang="ru-RU" smtClean="0"/>
-              <a:t>23.12.2020</a:t>
+              <a:t>24.12.2020</a:t>
             </a:fld>
             <a:endParaRPr lang="ru-RU"/>
           </a:p>
@@ -8955,7 +8955,7 @@
           <a:p>
             <a:fld id="{1EE8DB2B-65D3-4F78-B044-DE7F6941BDB6}" type="datetimeFigureOut">
               <a:rPr lang="ru-RU" smtClean="0"/>
-              <a:t>23.12.2020</a:t>
+              <a:t>24.12.2020</a:t>
             </a:fld>
             <a:endParaRPr lang="ru-RU"/>
           </a:p>
@@ -9078,7 +9078,7 @@
           <a:noFill/>
           <a:extLst>
             <a:ext uri="{909E8E84-426E-40dd-AFC4-6F175D3DCCD1}">
-              <a14:hiddenFill xmlns="" xmlns:a14="http://schemas.microsoft.com/office/drawing/2010/main">
+              <a14:hiddenFill xmlns:a14="http://schemas.microsoft.com/office/drawing/2010/main" xmlns="">
                 <a:solidFill>
                   <a:srgbClr val="FFFFFF"/>
                 </a:solidFill>
@@ -9152,7 +9152,7 @@
               </a:ln>
               <a:extLst>
                 <a:ext uri="{91240B29-F687-4f45-9708-019B960494DF}">
-                  <a14:hiddenLine xmlns="" xmlns:a14="http://schemas.microsoft.com/office/drawing/2010/main" w="9525">
+                  <a14:hiddenLine xmlns:a14="http://schemas.microsoft.com/office/drawing/2010/main" xmlns="" w="9525">
                     <a:solidFill>
                       <a:srgbClr val="000000"/>
                     </a:solidFill>
@@ -9242,7 +9242,7 @@
               </a:ln>
               <a:extLst>
                 <a:ext uri="{91240B29-F687-4f45-9708-019B960494DF}">
-                  <a14:hiddenLine xmlns="" xmlns:a14="http://schemas.microsoft.com/office/drawing/2010/main" w="9525">
+                  <a14:hiddenLine xmlns:a14="http://schemas.microsoft.com/office/drawing/2010/main" xmlns="" w="9525">
                     <a:solidFill>
                       <a:srgbClr val="000000"/>
                     </a:solidFill>
@@ -9332,7 +9332,7 @@
               </a:ln>
               <a:extLst>
                 <a:ext uri="{91240B29-F687-4f45-9708-019B960494DF}">
-                  <a14:hiddenLine xmlns="" xmlns:a14="http://schemas.microsoft.com/office/drawing/2010/main" w="9525">
+                  <a14:hiddenLine xmlns:a14="http://schemas.microsoft.com/office/drawing/2010/main" xmlns="" w="9525">
                     <a:solidFill>
                       <a:srgbClr val="000000"/>
                     </a:solidFill>
@@ -9394,7 +9394,7 @@
               </a:ln>
               <a:extLst>
                 <a:ext uri="{91240B29-F687-4f45-9708-019B960494DF}">
-                  <a14:hiddenLine xmlns="" xmlns:a14="http://schemas.microsoft.com/office/drawing/2010/main" w="9525">
+                  <a14:hiddenLine xmlns:a14="http://schemas.microsoft.com/office/drawing/2010/main" xmlns="" w="9525">
                     <a:solidFill>
                       <a:srgbClr val="000000"/>
                     </a:solidFill>
@@ -9484,7 +9484,7 @@
               </a:ln>
               <a:extLst>
                 <a:ext uri="{91240B29-F687-4f45-9708-019B960494DF}">
-                  <a14:hiddenLine xmlns="" xmlns:a14="http://schemas.microsoft.com/office/drawing/2010/main" w="9525">
+                  <a14:hiddenLine xmlns:a14="http://schemas.microsoft.com/office/drawing/2010/main" xmlns="" w="9525">
                     <a:solidFill>
                       <a:srgbClr val="000000"/>
                     </a:solidFill>
@@ -9546,7 +9546,7 @@
               </a:ln>
               <a:extLst>
                 <a:ext uri="{91240B29-F687-4f45-9708-019B960494DF}">
-                  <a14:hiddenLine xmlns="" xmlns:a14="http://schemas.microsoft.com/office/drawing/2010/main" w="9525">
+                  <a14:hiddenLine xmlns:a14="http://schemas.microsoft.com/office/drawing/2010/main" xmlns="" w="9525">
                     <a:solidFill>
                       <a:srgbClr val="000000"/>
                     </a:solidFill>
@@ -9608,7 +9608,7 @@
               </a:ln>
               <a:extLst>
                 <a:ext uri="{91240B29-F687-4f45-9708-019B960494DF}">
-                  <a14:hiddenLine xmlns="" xmlns:a14="http://schemas.microsoft.com/office/drawing/2010/main" w="9525">
+                  <a14:hiddenLine xmlns:a14="http://schemas.microsoft.com/office/drawing/2010/main" xmlns="" w="9525">
                     <a:solidFill>
                       <a:srgbClr val="000000"/>
                     </a:solidFill>
@@ -9698,7 +9698,7 @@
               </a:ln>
               <a:extLst>
                 <a:ext uri="{91240B29-F687-4f45-9708-019B960494DF}">
-                  <a14:hiddenLine xmlns="" xmlns:a14="http://schemas.microsoft.com/office/drawing/2010/main" w="9525">
+                  <a14:hiddenLine xmlns:a14="http://schemas.microsoft.com/office/drawing/2010/main" xmlns="" w="9525">
                     <a:solidFill>
                       <a:srgbClr val="000000"/>
                     </a:solidFill>
@@ -9788,7 +9788,7 @@
               </a:ln>
               <a:extLst>
                 <a:ext uri="{91240B29-F687-4f45-9708-019B960494DF}">
-                  <a14:hiddenLine xmlns="" xmlns:a14="http://schemas.microsoft.com/office/drawing/2010/main" w="9525">
+                  <a14:hiddenLine xmlns:a14="http://schemas.microsoft.com/office/drawing/2010/main" xmlns="" w="9525">
                     <a:solidFill>
                       <a:srgbClr val="000000"/>
                     </a:solidFill>
@@ -9850,7 +9850,7 @@
               </a:ln>
               <a:extLst>
                 <a:ext uri="{91240B29-F687-4f45-9708-019B960494DF}">
-                  <a14:hiddenLine xmlns="" xmlns:a14="http://schemas.microsoft.com/office/drawing/2010/main" w="9525">
+                  <a14:hiddenLine xmlns:a14="http://schemas.microsoft.com/office/drawing/2010/main" xmlns="" w="9525">
                     <a:solidFill>
                       <a:srgbClr val="000000"/>
                     </a:solidFill>
@@ -9960,7 +9960,7 @@
               </a:ln>
               <a:extLst>
                 <a:ext uri="{91240B29-F687-4f45-9708-019B960494DF}">
-                  <a14:hiddenLine xmlns="" xmlns:a14="http://schemas.microsoft.com/office/drawing/2010/main" w="9525">
+                  <a14:hiddenLine xmlns:a14="http://schemas.microsoft.com/office/drawing/2010/main" xmlns="" w="9525">
                     <a:solidFill>
                       <a:srgbClr val="000000"/>
                     </a:solidFill>
@@ -10044,7 +10044,7 @@
               </a:ln>
               <a:extLst>
                 <a:ext uri="{91240B29-F687-4f45-9708-019B960494DF}">
-                  <a14:hiddenLine xmlns="" xmlns:a14="http://schemas.microsoft.com/office/drawing/2010/main" w="9525">
+                  <a14:hiddenLine xmlns:a14="http://schemas.microsoft.com/office/drawing/2010/main" xmlns="" w="9525">
                     <a:solidFill>
                       <a:srgbClr val="000000"/>
                     </a:solidFill>
@@ -10106,7 +10106,7 @@
               </a:ln>
               <a:extLst>
                 <a:ext uri="{91240B29-F687-4f45-9708-019B960494DF}">
-                  <a14:hiddenLine xmlns="" xmlns:a14="http://schemas.microsoft.com/office/drawing/2010/main" w="9525">
+                  <a14:hiddenLine xmlns:a14="http://schemas.microsoft.com/office/drawing/2010/main" xmlns="" w="9525">
                     <a:solidFill>
                       <a:srgbClr val="000000"/>
                     </a:solidFill>
@@ -10168,7 +10168,7 @@
               </a:ln>
               <a:extLst>
                 <a:ext uri="{91240B29-F687-4f45-9708-019B960494DF}">
-                  <a14:hiddenLine xmlns="" xmlns:a14="http://schemas.microsoft.com/office/drawing/2010/main" w="9525">
+                  <a14:hiddenLine xmlns:a14="http://schemas.microsoft.com/office/drawing/2010/main" xmlns="" w="9525">
                     <a:solidFill>
                       <a:srgbClr val="000000"/>
                     </a:solidFill>
@@ -10258,7 +10258,7 @@
               </a:ln>
               <a:extLst>
                 <a:ext uri="{91240B29-F687-4f45-9708-019B960494DF}">
-                  <a14:hiddenLine xmlns="" xmlns:a14="http://schemas.microsoft.com/office/drawing/2010/main" w="9525">
+                  <a14:hiddenLine xmlns:a14="http://schemas.microsoft.com/office/drawing/2010/main" xmlns="" w="9525">
                     <a:solidFill>
                       <a:srgbClr val="000000"/>
                     </a:solidFill>
@@ -10292,7 +10292,7 @@
               </a:ln>
               <a:extLst>
                 <a:ext uri="{91240B29-F687-4f45-9708-019B960494DF}">
-                  <a14:hiddenLine xmlns="" xmlns:a14="http://schemas.microsoft.com/office/drawing/2010/main" w="9525">
+                  <a14:hiddenLine xmlns:a14="http://schemas.microsoft.com/office/drawing/2010/main" xmlns="" w="9525">
                     <a:solidFill>
                       <a:srgbClr val="000000"/>
                     </a:solidFill>
@@ -10357,7 +10357,7 @@
               </a:ln>
               <a:extLst>
                 <a:ext uri="{91240B29-F687-4f45-9708-019B960494DF}">
-                  <a14:hiddenLine xmlns="" xmlns:a14="http://schemas.microsoft.com/office/drawing/2010/main" w="9525">
+                  <a14:hiddenLine xmlns:a14="http://schemas.microsoft.com/office/drawing/2010/main" xmlns="" w="9525">
                     <a:solidFill>
                       <a:srgbClr val="000000"/>
                     </a:solidFill>
@@ -10447,7 +10447,7 @@
               </a:ln>
               <a:extLst>
                 <a:ext uri="{91240B29-F687-4f45-9708-019B960494DF}">
-                  <a14:hiddenLine xmlns="" xmlns:a14="http://schemas.microsoft.com/office/drawing/2010/main" w="9525">
+                  <a14:hiddenLine xmlns:a14="http://schemas.microsoft.com/office/drawing/2010/main" xmlns="" w="9525">
                     <a:solidFill>
                       <a:srgbClr val="000000"/>
                     </a:solidFill>
@@ -10509,7 +10509,7 @@
               </a:ln>
               <a:extLst>
                 <a:ext uri="{91240B29-F687-4f45-9708-019B960494DF}">
-                  <a14:hiddenLine xmlns="" xmlns:a14="http://schemas.microsoft.com/office/drawing/2010/main" w="9525">
+                  <a14:hiddenLine xmlns:a14="http://schemas.microsoft.com/office/drawing/2010/main" xmlns="" w="9525">
                     <a:solidFill>
                       <a:srgbClr val="000000"/>
                     </a:solidFill>
@@ -10599,7 +10599,7 @@
               </a:ln>
               <a:extLst>
                 <a:ext uri="{91240B29-F687-4f45-9708-019B960494DF}">
-                  <a14:hiddenLine xmlns="" xmlns:a14="http://schemas.microsoft.com/office/drawing/2010/main" w="9525">
+                  <a14:hiddenLine xmlns:a14="http://schemas.microsoft.com/office/drawing/2010/main" xmlns="" w="9525">
                     <a:solidFill>
                       <a:srgbClr val="000000"/>
                     </a:solidFill>
@@ -10664,7 +10664,7 @@
               </a:ln>
               <a:extLst>
                 <a:ext uri="{91240B29-F687-4f45-9708-019B960494DF}">
-                  <a14:hiddenLine xmlns="" xmlns:a14="http://schemas.microsoft.com/office/drawing/2010/main" w="9525">
+                  <a14:hiddenLine xmlns:a14="http://schemas.microsoft.com/office/drawing/2010/main" xmlns="" w="9525">
                     <a:solidFill>
                       <a:srgbClr val="000000"/>
                     </a:solidFill>
@@ -10726,7 +10726,7 @@
               </a:ln>
               <a:extLst>
                 <a:ext uri="{91240B29-F687-4f45-9708-019B960494DF}">
-                  <a14:hiddenLine xmlns="" xmlns:a14="http://schemas.microsoft.com/office/drawing/2010/main" w="9525">
+                  <a14:hiddenLine xmlns:a14="http://schemas.microsoft.com/office/drawing/2010/main" xmlns="" w="9525">
                     <a:solidFill>
                       <a:srgbClr val="000000"/>
                     </a:solidFill>
@@ -10816,7 +10816,7 @@
               </a:ln>
               <a:extLst>
                 <a:ext uri="{91240B29-F687-4f45-9708-019B960494DF}">
-                  <a14:hiddenLine xmlns="" xmlns:a14="http://schemas.microsoft.com/office/drawing/2010/main" w="9525">
+                  <a14:hiddenLine xmlns:a14="http://schemas.microsoft.com/office/drawing/2010/main" xmlns="" w="9525">
                     <a:solidFill>
                       <a:srgbClr val="000000"/>
                     </a:solidFill>
@@ -10906,7 +10906,7 @@
               </a:ln>
               <a:extLst>
                 <a:ext uri="{91240B29-F687-4f45-9708-019B960494DF}">
-                  <a14:hiddenLine xmlns="" xmlns:a14="http://schemas.microsoft.com/office/drawing/2010/main" w="9525">
+                  <a14:hiddenLine xmlns:a14="http://schemas.microsoft.com/office/drawing/2010/main" xmlns="" w="9525">
                     <a:solidFill>
                       <a:srgbClr val="000000"/>
                     </a:solidFill>
@@ -10971,7 +10971,7 @@
               </a:ln>
               <a:extLst>
                 <a:ext uri="{91240B29-F687-4f45-9708-019B960494DF}">
-                  <a14:hiddenLine xmlns="" xmlns:a14="http://schemas.microsoft.com/office/drawing/2010/main" w="9525">
+                  <a14:hiddenLine xmlns:a14="http://schemas.microsoft.com/office/drawing/2010/main" xmlns="" w="9525">
                     <a:solidFill>
                       <a:srgbClr val="000000"/>
                     </a:solidFill>
@@ -11091,7 +11091,7 @@
               </a:ln>
               <a:extLst>
                 <a:ext uri="{91240B29-F687-4f45-9708-019B960494DF}">
-                  <a14:hiddenLine xmlns="" xmlns:a14="http://schemas.microsoft.com/office/drawing/2010/main" w="9525">
+                  <a14:hiddenLine xmlns:a14="http://schemas.microsoft.com/office/drawing/2010/main" xmlns="" w="9525">
                     <a:solidFill>
                       <a:srgbClr val="000000"/>
                     </a:solidFill>
@@ -11172,7 +11172,7 @@
               </a:ln>
               <a:extLst>
                 <a:ext uri="{91240B29-F687-4f45-9708-019B960494DF}">
-                  <a14:hiddenLine xmlns="" xmlns:a14="http://schemas.microsoft.com/office/drawing/2010/main" w="9525">
+                  <a14:hiddenLine xmlns:a14="http://schemas.microsoft.com/office/drawing/2010/main" xmlns="" w="9525">
                     <a:solidFill>
                       <a:srgbClr val="000000"/>
                     </a:solidFill>
@@ -11287,7 +11287,7 @@
               </a:ln>
               <a:extLst>
                 <a:ext uri="{91240B29-F687-4f45-9708-019B960494DF}">
-                  <a14:hiddenLine xmlns="" xmlns:a14="http://schemas.microsoft.com/office/drawing/2010/main" w="9525">
+                  <a14:hiddenLine xmlns:a14="http://schemas.microsoft.com/office/drawing/2010/main" xmlns="" w="9525">
                     <a:solidFill>
                       <a:srgbClr val="000000"/>
                     </a:solidFill>
@@ -11377,7 +11377,7 @@
               </a:ln>
               <a:extLst>
                 <a:ext uri="{91240B29-F687-4f45-9708-019B960494DF}">
-                  <a14:hiddenLine xmlns="" xmlns:a14="http://schemas.microsoft.com/office/drawing/2010/main" w="9525">
+                  <a14:hiddenLine xmlns:a14="http://schemas.microsoft.com/office/drawing/2010/main" xmlns="" w="9525">
                     <a:solidFill>
                       <a:srgbClr val="000000"/>
                     </a:solidFill>
@@ -11442,7 +11442,7 @@
               </a:ln>
               <a:extLst>
                 <a:ext uri="{91240B29-F687-4f45-9708-019B960494DF}">
-                  <a14:hiddenLine xmlns="" xmlns:a14="http://schemas.microsoft.com/office/drawing/2010/main" w="9525">
+                  <a14:hiddenLine xmlns:a14="http://schemas.microsoft.com/office/drawing/2010/main" xmlns="" w="9525">
                     <a:solidFill>
                       <a:srgbClr val="000000"/>
                     </a:solidFill>
@@ -11532,7 +11532,7 @@
               </a:ln>
               <a:extLst>
                 <a:ext uri="{91240B29-F687-4f45-9708-019B960494DF}">
-                  <a14:hiddenLine xmlns="" xmlns:a14="http://schemas.microsoft.com/office/drawing/2010/main" w="9525">
+                  <a14:hiddenLine xmlns:a14="http://schemas.microsoft.com/office/drawing/2010/main" xmlns="" w="9525">
                     <a:solidFill>
                       <a:srgbClr val="000000"/>
                     </a:solidFill>
@@ -11600,7 +11600,7 @@
               </a:ln>
               <a:extLst>
                 <a:ext uri="{91240B29-F687-4f45-9708-019B960494DF}">
-                  <a14:hiddenLine xmlns="" xmlns:a14="http://schemas.microsoft.com/office/drawing/2010/main" w="9525">
+                  <a14:hiddenLine xmlns:a14="http://schemas.microsoft.com/office/drawing/2010/main" xmlns="" w="9525">
                     <a:solidFill>
                       <a:srgbClr val="000000"/>
                     </a:solidFill>
@@ -11690,7 +11690,7 @@
               </a:ln>
               <a:extLst>
                 <a:ext uri="{91240B29-F687-4f45-9708-019B960494DF}">
-                  <a14:hiddenLine xmlns="" xmlns:a14="http://schemas.microsoft.com/office/drawing/2010/main" w="9525">
+                  <a14:hiddenLine xmlns:a14="http://schemas.microsoft.com/office/drawing/2010/main" xmlns="" w="9525">
                     <a:solidFill>
                       <a:srgbClr val="000000"/>
                     </a:solidFill>
@@ -11758,7 +11758,7 @@
               </a:ln>
               <a:extLst>
                 <a:ext uri="{91240B29-F687-4f45-9708-019B960494DF}">
-                  <a14:hiddenLine xmlns="" xmlns:a14="http://schemas.microsoft.com/office/drawing/2010/main" w="9525">
+                  <a14:hiddenLine xmlns:a14="http://schemas.microsoft.com/office/drawing/2010/main" xmlns="" w="9525">
                     <a:solidFill>
                       <a:srgbClr val="000000"/>
                     </a:solidFill>
@@ -11848,7 +11848,7 @@
               </a:ln>
               <a:extLst>
                 <a:ext uri="{91240B29-F687-4f45-9708-019B960494DF}">
-                  <a14:hiddenLine xmlns="" xmlns:a14="http://schemas.microsoft.com/office/drawing/2010/main" w="9525">
+                  <a14:hiddenLine xmlns:a14="http://schemas.microsoft.com/office/drawing/2010/main" xmlns="" w="9525">
                     <a:solidFill>
                       <a:srgbClr val="000000"/>
                     </a:solidFill>
@@ -11882,7 +11882,7 @@
               </a:ln>
               <a:extLst>
                 <a:ext uri="{91240B29-F687-4f45-9708-019B960494DF}">
-                  <a14:hiddenLine xmlns="" xmlns:a14="http://schemas.microsoft.com/office/drawing/2010/main" w="9525">
+                  <a14:hiddenLine xmlns:a14="http://schemas.microsoft.com/office/drawing/2010/main" xmlns="" w="9525">
                     <a:solidFill>
                       <a:srgbClr val="000000"/>
                     </a:solidFill>
@@ -12022,7 +12022,7 @@
           <a:p>
             <a:fld id="{1EE8DB2B-65D3-4F78-B044-DE7F6941BDB6}" type="datetimeFigureOut">
               <a:rPr lang="ru-RU" smtClean="0"/>
-              <a:t>23.12.2020</a:t>
+              <a:t>24.12.2020</a:t>
             </a:fld>
             <a:endParaRPr lang="ru-RU"/>
           </a:p>
@@ -12816,8 +12816,8 @@
           </a:p>
         </p:txBody>
       </p:sp>
-      <mc:AlternateContent xmlns:mc="http://schemas.openxmlformats.org/markup-compatibility/2006">
-        <mc:Choice xmlns:a14="http://schemas.microsoft.com/office/drawing/2010/main" Requires="a14">
+      <mc:AlternateContent xmlns:mc="http://schemas.openxmlformats.org/markup-compatibility/2006" xmlns:a14="http://schemas.microsoft.com/office/drawing/2010/main">
+        <mc:Choice Requires="a14">
           <p:sp>
             <p:nvSpPr>
               <p:cNvPr id="3" name="Объект 2"/>
@@ -12919,7 +12919,7 @@
             </p:txBody>
           </p:sp>
         </mc:Choice>
-        <mc:Fallback>
+        <mc:Fallback xmlns="">
           <p:sp>
             <p:nvSpPr>
               <p:cNvPr id="3" name="Объект 2"/>
@@ -13010,8 +13010,8 @@
           </a:p>
         </p:txBody>
       </p:sp>
-      <mc:AlternateContent xmlns:mc="http://schemas.openxmlformats.org/markup-compatibility/2006">
-        <mc:Choice xmlns:a14="http://schemas.microsoft.com/office/drawing/2010/main" Requires="a14">
+      <mc:AlternateContent xmlns:mc="http://schemas.openxmlformats.org/markup-compatibility/2006" xmlns:a14="http://schemas.microsoft.com/office/drawing/2010/main">
+        <mc:Choice Requires="a14">
           <p:sp>
             <p:nvSpPr>
               <p:cNvPr id="3" name="Объект 2"/>
@@ -13538,18 +13538,13 @@
                 </a:r>
                 <a:r>
                   <a:rPr lang="ru-RU" dirty="0"/>
-                  <a:t>для </a:t>
+                  <a:t>для расчета обратного БПФ.</a:t>
                 </a:r>
-                <a:r>
-                  <a:rPr lang="ru-RU"/>
-                  <a:t>расчета обратного БПФ.</a:t>
-                </a:r>
-                <a:endParaRPr lang="ru-RU" dirty="0"/>
               </a:p>
             </p:txBody>
           </p:sp>
         </mc:Choice>
-        <mc:Fallback>
+        <mc:Fallback xmlns="">
           <p:sp>
             <p:nvSpPr>
               <p:cNvPr id="3" name="Объект 2"/>
@@ -13613,8 +13608,8 @@
           <a:chExt cx="0" cy="0"/>
         </a:xfrm>
       </p:grpSpPr>
-      <mc:AlternateContent xmlns:mc="http://schemas.openxmlformats.org/markup-compatibility/2006">
-        <mc:Choice xmlns:a14="http://schemas.microsoft.com/office/drawing/2010/main" Requires="a14">
+      <mc:AlternateContent xmlns:mc="http://schemas.openxmlformats.org/markup-compatibility/2006" xmlns:a14="http://schemas.microsoft.com/office/drawing/2010/main">
+        <mc:Choice Requires="a14">
           <p:sp>
             <p:nvSpPr>
               <p:cNvPr id="2" name="Заголовок 1">
@@ -13682,7 +13677,7 @@
             </p:txBody>
           </p:sp>
         </mc:Choice>
-        <mc:Fallback>
+        <mc:Fallback xmlns="">
           <p:sp>
             <p:nvSpPr>
               <p:cNvPr id="2" name="Заголовок 1">
@@ -13828,20 +13823,24 @@
                   <a:rPr lang="ru-RU" dirty="0"/>
                   <a:t> число </a:t>
                 </a:r>
-                <a:r>
-                  <a:rPr lang="en-US" dirty="0">
-                    <a:latin typeface="Cambria Math" panose="02040503050406030204" pitchFamily="18" charset="0"/>
-                    <a:ea typeface="Cambria Math" panose="02040503050406030204" pitchFamily="18" charset="0"/>
-                  </a:rPr>
-                  <a:t>n</a:t>
-                </a:r>
-                <a:r>
-                  <a:rPr lang="en-US" dirty="0"/>
-                  <a:t> </a:t>
-                </a:r>
+                <a14:m>
+                  <m:oMath xmlns:m="http://schemas.openxmlformats.org/officeDocument/2006/math">
+                    <m:r>
+                      <m:rPr>
+                        <m:sty m:val="p"/>
+                      </m:rPr>
+                      <a:rPr lang="en-US">
+                        <a:latin typeface="Cambria Math" panose="02040503050406030204" pitchFamily="18" charset="0"/>
+                        <a:ea typeface="Cambria Math" panose="02040503050406030204" pitchFamily="18" charset="0"/>
+                        <a:cs typeface="Times New Roman" panose="02020603050405020304" pitchFamily="18" charset="0"/>
+                      </a:rPr>
+                      <m:t>n</m:t>
+                    </m:r>
+                  </m:oMath>
+                </a14:m>
                 <a:r>
                   <a:rPr lang="ru-RU" dirty="0"/>
-                  <a:t>также должно быть таким, чтобы выполнялось следующее условие:</a:t>
+                  <a:t> также должно быть таким, чтобы выполнялось следующее условие:</a:t>
                 </a:r>
               </a:p>
               <a:p>
@@ -14076,7 +14075,6 @@
                 </a:pPr>
                 <a:r>
                   <a:rPr lang="ru-RU" dirty="0">
-                    <a:latin typeface="Cambria Math" panose="02040503050406030204" pitchFamily="18" charset="0"/>
                     <a:ea typeface="Cambria Math" panose="02040503050406030204" pitchFamily="18" charset="0"/>
                     <a:cs typeface="Times New Roman" panose="02020603050405020304" pitchFamily="18" charset="0"/>
                   </a:rPr>
@@ -14084,15 +14082,36 @@
                 </a:r>
                 <a:r>
                   <a:rPr lang="en-US" dirty="0">
-                    <a:latin typeface="Cambria Math" panose="02040503050406030204" pitchFamily="18" charset="0"/>
                     <a:ea typeface="Cambria Math" panose="02040503050406030204" pitchFamily="18" charset="0"/>
                     <a:cs typeface="Times New Roman" panose="02020603050405020304" pitchFamily="18" charset="0"/>
                   </a:rPr>
-                  <a:t> n </a:t>
+                  <a:t> </a:t>
+                </a:r>
+                <a14:m>
+                  <m:oMath xmlns:m="http://schemas.openxmlformats.org/officeDocument/2006/math">
+                    <m:r>
+                      <m:rPr>
+                        <m:sty m:val="p"/>
+                      </m:rPr>
+                      <a:rPr lang="en-US" smtClean="0">
+                        <a:effectLst/>
+                        <a:latin typeface="Cambria Math" panose="02040503050406030204" pitchFamily="18" charset="0"/>
+                        <a:ea typeface="Cambria Math" panose="02040503050406030204" pitchFamily="18" charset="0"/>
+                        <a:cs typeface="Times New Roman" panose="02020603050405020304" pitchFamily="18" charset="0"/>
+                      </a:rPr>
+                      <m:t>n</m:t>
+                    </m:r>
+                  </m:oMath>
+                </a14:m>
+                <a:r>
+                  <a:rPr lang="en-US" dirty="0">
+                    <a:ea typeface="Cambria Math" panose="02040503050406030204" pitchFamily="18" charset="0"/>
+                    <a:cs typeface="Times New Roman" panose="02020603050405020304" pitchFamily="18" charset="0"/>
+                  </a:rPr>
+                  <a:t> </a:t>
                 </a:r>
                 <a:r>
                   <a:rPr lang="ru-RU" dirty="0">
-                    <a:latin typeface="Cambria Math" panose="02040503050406030204" pitchFamily="18" charset="0"/>
                     <a:ea typeface="Cambria Math" panose="02040503050406030204" pitchFamily="18" charset="0"/>
                     <a:cs typeface="Times New Roman" panose="02020603050405020304" pitchFamily="18" charset="0"/>
                   </a:rPr>
@@ -14103,7 +14122,6 @@
                 <a:r>
                   <a:rPr lang="ru-RU" dirty="0">
                     <a:effectLst/>
-                    <a:latin typeface="Cambria Math" panose="02040503050406030204" pitchFamily="18" charset="0"/>
                     <a:ea typeface="Cambria Math" panose="02040503050406030204" pitchFamily="18" charset="0"/>
                     <a:cs typeface="Times New Roman" panose="02020603050405020304" pitchFamily="18" charset="0"/>
                   </a:rPr>
@@ -14159,14 +14177,6 @@
                       </a:rPr>
                       <m:t>𝐵</m:t>
                     </m:r>
-                    <m:r>
-                      <a:rPr lang="ru-RU" i="1">
-                        <a:latin typeface="Cambria Math" panose="02040503050406030204" pitchFamily="18" charset="0"/>
-                        <a:ea typeface="Cambria Math" panose="02040503050406030204" pitchFamily="18" charset="0"/>
-                        <a:cs typeface="Times New Roman" panose="02020603050405020304" pitchFamily="18" charset="0"/>
-                      </a:rPr>
-                      <m:t> </m:t>
-                    </m:r>
                     <m:d>
                       <m:dPr>
                         <m:ctrlPr>
@@ -14197,12 +14207,19 @@
                     <a:ea typeface="Cambria Math" panose="02040503050406030204" pitchFamily="18" charset="0"/>
                     <a:cs typeface="Times New Roman" panose="02020603050405020304" pitchFamily="18" charset="0"/>
                   </a:rPr>
-                  <a:t> дополняются нулями до длины </a:t>
+                  <a:t> </a:t>
+                </a:r>
+                <a:r>
+                  <a:rPr lang="ru-RU" dirty="0">
+                    <a:effectLst/>
+                    <a:ea typeface="Cambria Math" panose="02040503050406030204" pitchFamily="18" charset="0"/>
+                    <a:cs typeface="Times New Roman" panose="02020603050405020304" pitchFamily="18" charset="0"/>
+                  </a:rPr>
+                  <a:t>дополняются нулями до длины </a:t>
                 </a:r>
                 <a:r>
                   <a:rPr lang="en-US" dirty="0">
                     <a:effectLst/>
-                    <a:latin typeface="Cambria Math" panose="02040503050406030204" pitchFamily="18" charset="0"/>
                     <a:ea typeface="Cambria Math" panose="02040503050406030204" pitchFamily="18" charset="0"/>
                     <a:cs typeface="Times New Roman" panose="02020603050405020304" pitchFamily="18" charset="0"/>
                   </a:rPr>
@@ -14210,7 +14227,6 @@
                 </a:r>
                 <a:r>
                   <a:rPr lang="ru-RU" dirty="0">
-                    <a:latin typeface="Cambria Math" panose="02040503050406030204" pitchFamily="18" charset="0"/>
                     <a:ea typeface="Cambria Math" panose="02040503050406030204" pitchFamily="18" charset="0"/>
                     <a:cs typeface="Times New Roman" panose="02020603050405020304" pitchFamily="18" charset="0"/>
                   </a:rPr>
@@ -14218,7 +14234,6 @@
                 </a:r>
                 <a:endParaRPr lang="ru-RU" dirty="0">
                   <a:effectLst/>
-                  <a:latin typeface="Cambria Math" panose="02040503050406030204" pitchFamily="18" charset="0"/>
                   <a:ea typeface="Cambria Math" panose="02040503050406030204" pitchFamily="18" charset="0"/>
                   <a:cs typeface="Times New Roman" panose="02020603050405020304" pitchFamily="18" charset="0"/>
                 </a:endParaRPr>
@@ -14299,8 +14314,8 @@
           <a:chExt cx="0" cy="0"/>
         </a:xfrm>
       </p:grpSpPr>
-      <mc:AlternateContent xmlns:mc="http://schemas.openxmlformats.org/markup-compatibility/2006">
-        <mc:Choice xmlns:a14="http://schemas.microsoft.com/office/drawing/2010/main" Requires="a14">
+      <mc:AlternateContent xmlns:mc="http://schemas.openxmlformats.org/markup-compatibility/2006" xmlns:a14="http://schemas.microsoft.com/office/drawing/2010/main">
+        <mc:Choice Requires="a14">
           <p:sp>
             <p:nvSpPr>
               <p:cNvPr id="2" name="Заголовок 1">
@@ -14368,7 +14383,7 @@
             </p:txBody>
           </p:sp>
         </mc:Choice>
-        <mc:Fallback>
+        <mc:Fallback xmlns="">
           <p:sp>
             <p:nvSpPr>
               <p:cNvPr id="2" name="Заголовок 1">
@@ -14408,8 +14423,8 @@
           </p:sp>
         </mc:Fallback>
       </mc:AlternateContent>
-      <mc:AlternateContent xmlns:mc="http://schemas.openxmlformats.org/markup-compatibility/2006">
-        <mc:Choice xmlns:a14="http://schemas.microsoft.com/office/drawing/2010/main" Requires="a14">
+      <mc:AlternateContent xmlns:mc="http://schemas.openxmlformats.org/markup-compatibility/2006" xmlns:a14="http://schemas.microsoft.com/office/drawing/2010/main">
+        <mc:Choice Requires="a14">
           <p:sp>
             <p:nvSpPr>
               <p:cNvPr id="3" name="Объект 2">
@@ -15014,7 +15029,7 @@
             </p:txBody>
           </p:sp>
         </mc:Choice>
-        <mc:Fallback>
+        <mc:Fallback xmlns="">
           <p:sp>
             <p:nvSpPr>
               <p:cNvPr id="3" name="Объект 2">
